--- a/DeepLearningStudy/5-1. Machine Learning Basics, 230210, 정지운.pptx
+++ b/DeepLearningStudy/5-1. Machine Learning Basics, 230210, 정지운.pptx
@@ -5,13 +5,19 @@
     <p:sldMasterId id="2147483653" r:id="rId1"/>
   </p:sldMasterIdLst>
   <p:notesMasterIdLst>
-    <p:notesMasterId r:id="rId6"/>
+    <p:notesMasterId r:id="rId12"/>
   </p:notesMasterIdLst>
   <p:sldIdLst>
     <p:sldId id="257" r:id="rId2"/>
     <p:sldId id="259" r:id="rId3"/>
     <p:sldId id="278" r:id="rId4"/>
     <p:sldId id="279" r:id="rId5"/>
+    <p:sldId id="280" r:id="rId6"/>
+    <p:sldId id="283" r:id="rId7"/>
+    <p:sldId id="284" r:id="rId8"/>
+    <p:sldId id="285" r:id="rId9"/>
+    <p:sldId id="281" r:id="rId10"/>
+    <p:sldId id="282" r:id="rId11"/>
   </p:sldIdLst>
   <p:sldSz cx="12192000" cy="6858000"/>
   <p:notesSz cx="6858000" cy="9144000"/>
@@ -511,46 +517,6 @@
           <a:bodyPr/>
           <a:lstStyle/>
           <a:p>
-            <a:r>
-              <a:rPr lang="en-US" altLang="ko-KR" dirty="0" err="1"/>
-              <a:t>Ml</a:t>
-            </a:r>
-            <a:r>
-              <a:rPr lang="en-US" altLang="ko-KR" dirty="0"/>
-              <a:t> </a:t>
-            </a:r>
-            <a:r>
-              <a:rPr lang="ko-KR" altLang="en-US" dirty="0"/>
-              <a:t>알고리즘은 계산이 많이 필요함</a:t>
-            </a:r>
-            <a:r>
-              <a:rPr lang="en-US" altLang="ko-KR" dirty="0"/>
-              <a:t>.</a:t>
-            </a:r>
-          </a:p>
-          <a:p>
-            <a:r>
-              <a:rPr lang="ko-KR" altLang="en-US" dirty="0"/>
-              <a:t>컴퓨터 조차 한정된 메모리로 인해 실수 계산을 할 때 정확하게 표현하지 못할 수 있음을 이해한다</a:t>
-            </a:r>
-            <a:r>
-              <a:rPr lang="en-US" altLang="ko-KR" dirty="0"/>
-              <a:t>.</a:t>
-            </a:r>
-          </a:p>
-          <a:p>
-            <a:r>
-              <a:rPr lang="en-US" altLang="ko-KR" dirty="0"/>
-              <a:t>ML </a:t>
-            </a:r>
-            <a:r>
-              <a:rPr lang="ko-KR" altLang="en-US" dirty="0"/>
-              <a:t>알고리즘은 최적화 또는 선형방적식을 풀어서 문제를 해결한다</a:t>
-            </a:r>
-            <a:r>
-              <a:rPr lang="en-US" altLang="ko-KR" dirty="0"/>
-              <a:t>.</a:t>
-            </a:r>
             <a:endParaRPr lang="ko-KR" altLang="en-US" dirty="0"/>
           </a:p>
         </p:txBody>
@@ -636,33 +602,92 @@
           <a:lstStyle/>
           <a:p>
             <a:r>
-              <a:rPr lang="ko-KR" altLang="en-US" dirty="0"/>
-              <a:t>반올림 오차</a:t>
-            </a:r>
-            <a:r>
-              <a:rPr lang="en-US" altLang="ko-KR" dirty="0"/>
-              <a:t>: </a:t>
-            </a:r>
-            <a:r>
-              <a:rPr lang="ko-KR" altLang="en-US" dirty="0"/>
-              <a:t>한정된 컴퓨터 리소스 문제로 실수를 표현할 때 발생하는 근사오차</a:t>
+              <a:rPr lang="ko-KR" altLang="en-US" dirty="0" err="1"/>
+              <a:t>머신러닝</a:t>
+            </a:r>
+            <a:r>
+              <a:rPr lang="ko-KR" altLang="en-US" dirty="0"/>
+              <a:t> 알고리즘은 데이터로부터 무엇인가를 학습하는 능력을 가진 알고리즘임</a:t>
             </a:r>
             <a:r>
               <a:rPr lang="en-US" altLang="ko-KR" dirty="0"/>
               <a:t>.</a:t>
             </a:r>
-            <a:r>
-              <a:rPr lang="ko-KR" altLang="en-US" dirty="0"/>
-              <a:t> 여러 연산을 거치면서 문제가 커질 수 있기에 이 오차가 최대한 발생하지 않게끔 알고리즘을 </a:t>
+          </a:p>
+          <a:p>
+            <a:r>
+              <a:rPr lang="ko-KR" altLang="en-US" dirty="0"/>
+              <a:t>여기서 학습이란</a:t>
+            </a:r>
+            <a:r>
+              <a:rPr lang="en-US" altLang="ko-KR" dirty="0"/>
+              <a:t>,</a:t>
+            </a:r>
+          </a:p>
+          <a:p>
+            <a:r>
+              <a:rPr lang="en-US" altLang="ko-KR" dirty="0"/>
+              <a:t>“</a:t>
+            </a:r>
+            <a:r>
+              <a:rPr lang="ko-KR" altLang="en-US" dirty="0"/>
+              <a:t>과제</a:t>
+            </a:r>
+            <a:r>
+              <a:rPr lang="en-US" altLang="ko-KR" dirty="0"/>
+              <a:t>, </a:t>
+            </a:r>
+            <a:r>
+              <a:rPr lang="ko-KR" altLang="en-US" dirty="0"/>
+              <a:t>성과</a:t>
+            </a:r>
+            <a:r>
+              <a:rPr lang="en-US" altLang="ko-KR" dirty="0"/>
+              <a:t>, </a:t>
+            </a:r>
+            <a:r>
+              <a:rPr lang="ko-KR" altLang="en-US" dirty="0"/>
+              <a:t>경험이라는 </a:t>
+            </a:r>
+            <a:r>
+              <a:rPr lang="en-US" altLang="ko-KR" dirty="0"/>
+              <a:t>3</a:t>
+            </a:r>
+            <a:r>
+              <a:rPr lang="ko-KR" altLang="en-US" dirty="0"/>
+              <a:t>가지 개념이 존재하고</a:t>
+            </a:r>
+            <a:r>
+              <a:rPr lang="en-US" altLang="ko-KR" dirty="0"/>
+              <a:t>, </a:t>
+            </a:r>
+            <a:r>
+              <a:rPr lang="ko-KR" altLang="en-US" dirty="0"/>
+              <a:t>어떠한 과제가 경험에 의해 성과가 개선되었다고 했을 때</a:t>
+            </a:r>
+            <a:r>
+              <a:rPr lang="en-US" altLang="ko-KR" dirty="0"/>
+              <a:t>. </a:t>
+            </a:r>
+            <a:r>
+              <a:rPr lang="ko-KR" altLang="en-US" dirty="0"/>
+              <a:t>이 컴퓨터 프로그램은 </a:t>
             </a:r>
             <a:r>
               <a:rPr lang="ko-KR" altLang="en-US" dirty="0" err="1"/>
-              <a:t>설계해야한다</a:t>
-            </a:r>
-            <a:r>
-              <a:rPr lang="en-US" altLang="ko-KR" dirty="0"/>
-              <a:t>.</a:t>
-            </a:r>
+              <a:t>경험으로부터</a:t>
+            </a:r>
+            <a:r>
+              <a:rPr lang="ko-KR" altLang="en-US" dirty="0"/>
+              <a:t> 학습한다고 한다</a:t>
+            </a:r>
+            <a:r>
+              <a:rPr lang="en-US" altLang="ko-KR" dirty="0"/>
+              <a:t>.”</a:t>
+            </a:r>
+          </a:p>
+          <a:p>
+            <a:endParaRPr lang="en-US" altLang="ko-KR" dirty="0"/>
           </a:p>
         </p:txBody>
       </p:sp>
@@ -693,6 +718,968 @@
     <p:extLst>
       <p:ext uri="{BB962C8B-B14F-4D97-AF65-F5344CB8AC3E}">
         <p14:creationId xmlns:p14="http://schemas.microsoft.com/office/powerpoint/2010/main" val="2883763651"/>
+      </p:ext>
+    </p:extLst>
+  </p:cSld>
+  <p:clrMapOvr>
+    <a:masterClrMapping/>
+  </p:clrMapOvr>
+</p:notes>
+</file>
+
+<file path=ppt/notesSlides/notesSlide3.xml><?xml version="1.0" encoding="utf-8"?>
+<p:notes xmlns:a="http://schemas.openxmlformats.org/drawingml/2006/main" xmlns:r="http://schemas.openxmlformats.org/officeDocument/2006/relationships" xmlns:p="http://schemas.openxmlformats.org/presentationml/2006/main">
+  <p:cSld>
+    <p:spTree>
+      <p:nvGrpSpPr>
+        <p:cNvPr id="1" name=""/>
+        <p:cNvGrpSpPr/>
+        <p:nvPr/>
+      </p:nvGrpSpPr>
+      <p:grpSpPr>
+        <a:xfrm>
+          <a:off x="0" y="0"/>
+          <a:ext cx="0" cy="0"/>
+          <a:chOff x="0" y="0"/>
+          <a:chExt cx="0" cy="0"/>
+        </a:xfrm>
+      </p:grpSpPr>
+      <p:sp>
+        <p:nvSpPr>
+          <p:cNvPr id="2" name="슬라이드 이미지 개체 틀 1"/>
+          <p:cNvSpPr>
+            <a:spLocks noGrp="1" noRot="1" noChangeAspect="1"/>
+          </p:cNvSpPr>
+          <p:nvPr>
+            <p:ph type="sldImg"/>
+          </p:nvPr>
+        </p:nvSpPr>
+        <p:spPr/>
+      </p:sp>
+      <p:sp>
+        <p:nvSpPr>
+          <p:cNvPr id="3" name="슬라이드 노트 개체 틀 2"/>
+          <p:cNvSpPr>
+            <a:spLocks noGrp="1"/>
+          </p:cNvSpPr>
+          <p:nvPr>
+            <p:ph type="body" idx="1"/>
+          </p:nvPr>
+        </p:nvSpPr>
+        <p:spPr/>
+        <p:txBody>
+          <a:bodyPr/>
+          <a:lstStyle/>
+          <a:p>
+            <a:r>
+              <a:rPr lang="ko-KR" altLang="en-US" dirty="0" err="1"/>
+              <a:t>머신러닝</a:t>
+            </a:r>
+            <a:r>
+              <a:rPr lang="ko-KR" altLang="en-US" dirty="0"/>
+              <a:t> 알고리즘은 데이터로부터 무엇인가를 학습하는 능력을 가진 알고리즘임</a:t>
+            </a:r>
+            <a:r>
+              <a:rPr lang="en-US" altLang="ko-KR" dirty="0"/>
+              <a:t>.</a:t>
+            </a:r>
+          </a:p>
+          <a:p>
+            <a:r>
+              <a:rPr lang="ko-KR" altLang="en-US" dirty="0"/>
+              <a:t>여기서 학습이란</a:t>
+            </a:r>
+            <a:r>
+              <a:rPr lang="en-US" altLang="ko-KR" dirty="0"/>
+              <a:t>,</a:t>
+            </a:r>
+          </a:p>
+          <a:p>
+            <a:r>
+              <a:rPr lang="en-US" altLang="ko-KR" dirty="0"/>
+              <a:t>“</a:t>
+            </a:r>
+            <a:r>
+              <a:rPr lang="ko-KR" altLang="en-US" dirty="0"/>
+              <a:t>과제</a:t>
+            </a:r>
+            <a:r>
+              <a:rPr lang="en-US" altLang="ko-KR" dirty="0"/>
+              <a:t>, </a:t>
+            </a:r>
+            <a:r>
+              <a:rPr lang="ko-KR" altLang="en-US" dirty="0"/>
+              <a:t>성과</a:t>
+            </a:r>
+            <a:r>
+              <a:rPr lang="en-US" altLang="ko-KR" dirty="0"/>
+              <a:t>, </a:t>
+            </a:r>
+            <a:r>
+              <a:rPr lang="ko-KR" altLang="en-US" dirty="0"/>
+              <a:t>경험이라는 </a:t>
+            </a:r>
+            <a:r>
+              <a:rPr lang="en-US" altLang="ko-KR" dirty="0"/>
+              <a:t>3</a:t>
+            </a:r>
+            <a:r>
+              <a:rPr lang="ko-KR" altLang="en-US" dirty="0"/>
+              <a:t>가지 개념이 존재하고</a:t>
+            </a:r>
+            <a:r>
+              <a:rPr lang="en-US" altLang="ko-KR" dirty="0"/>
+              <a:t>, </a:t>
+            </a:r>
+            <a:r>
+              <a:rPr lang="ko-KR" altLang="en-US" dirty="0"/>
+              <a:t>어떠한 과제가 경험에 의해 성과가 개선되었다고 했을 때</a:t>
+            </a:r>
+            <a:r>
+              <a:rPr lang="en-US" altLang="ko-KR" dirty="0"/>
+              <a:t>. </a:t>
+            </a:r>
+            <a:r>
+              <a:rPr lang="ko-KR" altLang="en-US" dirty="0"/>
+              <a:t>이 컴퓨터 프로그램은 </a:t>
+            </a:r>
+            <a:r>
+              <a:rPr lang="ko-KR" altLang="en-US" dirty="0" err="1"/>
+              <a:t>경험으로부터</a:t>
+            </a:r>
+            <a:r>
+              <a:rPr lang="ko-KR" altLang="en-US" dirty="0"/>
+              <a:t> 학습한다고 한다</a:t>
+            </a:r>
+            <a:r>
+              <a:rPr lang="en-US" altLang="ko-KR" dirty="0"/>
+              <a:t>.”</a:t>
+            </a:r>
+          </a:p>
+          <a:p>
+            <a:endParaRPr lang="en-US" altLang="ko-KR" dirty="0"/>
+          </a:p>
+        </p:txBody>
+      </p:sp>
+      <p:sp>
+        <p:nvSpPr>
+          <p:cNvPr id="4" name="슬라이드 번호 개체 틀 3"/>
+          <p:cNvSpPr>
+            <a:spLocks noGrp="1"/>
+          </p:cNvSpPr>
+          <p:nvPr>
+            <p:ph type="sldNum" sz="quarter" idx="5"/>
+          </p:nvPr>
+        </p:nvSpPr>
+        <p:spPr/>
+        <p:txBody>
+          <a:bodyPr/>
+          <a:lstStyle/>
+          <a:p>
+            <a:fld id="{DA275FA2-6C42-4D6B-BC32-C1F878E1B2E0}" type="slidenum">
+              <a:rPr lang="ko-KR" altLang="en-US" smtClean="0"/>
+              <a:t>5</a:t>
+            </a:fld>
+            <a:endParaRPr lang="ko-KR" altLang="en-US"/>
+          </a:p>
+        </p:txBody>
+      </p:sp>
+    </p:spTree>
+    <p:extLst>
+      <p:ext uri="{BB962C8B-B14F-4D97-AF65-F5344CB8AC3E}">
+        <p14:creationId xmlns:p14="http://schemas.microsoft.com/office/powerpoint/2010/main" val="913715230"/>
+      </p:ext>
+    </p:extLst>
+  </p:cSld>
+  <p:clrMapOvr>
+    <a:masterClrMapping/>
+  </p:clrMapOvr>
+</p:notes>
+</file>
+
+<file path=ppt/notesSlides/notesSlide4.xml><?xml version="1.0" encoding="utf-8"?>
+<p:notes xmlns:a="http://schemas.openxmlformats.org/drawingml/2006/main" xmlns:r="http://schemas.openxmlformats.org/officeDocument/2006/relationships" xmlns:p="http://schemas.openxmlformats.org/presentationml/2006/main">
+  <p:cSld>
+    <p:spTree>
+      <p:nvGrpSpPr>
+        <p:cNvPr id="1" name=""/>
+        <p:cNvGrpSpPr/>
+        <p:nvPr/>
+      </p:nvGrpSpPr>
+      <p:grpSpPr>
+        <a:xfrm>
+          <a:off x="0" y="0"/>
+          <a:ext cx="0" cy="0"/>
+          <a:chOff x="0" y="0"/>
+          <a:chExt cx="0" cy="0"/>
+        </a:xfrm>
+      </p:grpSpPr>
+      <p:sp>
+        <p:nvSpPr>
+          <p:cNvPr id="2" name="슬라이드 이미지 개체 틀 1"/>
+          <p:cNvSpPr>
+            <a:spLocks noGrp="1" noRot="1" noChangeAspect="1"/>
+          </p:cNvSpPr>
+          <p:nvPr>
+            <p:ph type="sldImg"/>
+          </p:nvPr>
+        </p:nvSpPr>
+        <p:spPr/>
+      </p:sp>
+      <p:sp>
+        <p:nvSpPr>
+          <p:cNvPr id="3" name="슬라이드 노트 개체 틀 2"/>
+          <p:cNvSpPr>
+            <a:spLocks noGrp="1"/>
+          </p:cNvSpPr>
+          <p:nvPr>
+            <p:ph type="body" idx="1"/>
+          </p:nvPr>
+        </p:nvSpPr>
+        <p:spPr/>
+        <p:txBody>
+          <a:bodyPr/>
+          <a:lstStyle/>
+          <a:p>
+            <a:r>
+              <a:rPr lang="ko-KR" altLang="en-US" dirty="0" err="1"/>
+              <a:t>머신러닝</a:t>
+            </a:r>
+            <a:r>
+              <a:rPr lang="ko-KR" altLang="en-US" dirty="0"/>
+              <a:t> 알고리즘은 데이터로부터 무엇인가를 학습하는 능력을 가진 알고리즘임</a:t>
+            </a:r>
+            <a:r>
+              <a:rPr lang="en-US" altLang="ko-KR" dirty="0"/>
+              <a:t>.</a:t>
+            </a:r>
+          </a:p>
+          <a:p>
+            <a:r>
+              <a:rPr lang="ko-KR" altLang="en-US" dirty="0"/>
+              <a:t>여기서 학습이란</a:t>
+            </a:r>
+            <a:r>
+              <a:rPr lang="en-US" altLang="ko-KR" dirty="0"/>
+              <a:t>,</a:t>
+            </a:r>
+          </a:p>
+          <a:p>
+            <a:r>
+              <a:rPr lang="en-US" altLang="ko-KR" dirty="0"/>
+              <a:t>“</a:t>
+            </a:r>
+            <a:r>
+              <a:rPr lang="ko-KR" altLang="en-US" dirty="0"/>
+              <a:t>과제</a:t>
+            </a:r>
+            <a:r>
+              <a:rPr lang="en-US" altLang="ko-KR" dirty="0"/>
+              <a:t>, </a:t>
+            </a:r>
+            <a:r>
+              <a:rPr lang="ko-KR" altLang="en-US" dirty="0"/>
+              <a:t>성과</a:t>
+            </a:r>
+            <a:r>
+              <a:rPr lang="en-US" altLang="ko-KR" dirty="0"/>
+              <a:t>, </a:t>
+            </a:r>
+            <a:r>
+              <a:rPr lang="ko-KR" altLang="en-US" dirty="0"/>
+              <a:t>경험이라는 </a:t>
+            </a:r>
+            <a:r>
+              <a:rPr lang="en-US" altLang="ko-KR" dirty="0"/>
+              <a:t>3</a:t>
+            </a:r>
+            <a:r>
+              <a:rPr lang="ko-KR" altLang="en-US" dirty="0"/>
+              <a:t>가지 개념이 존재하고</a:t>
+            </a:r>
+            <a:r>
+              <a:rPr lang="en-US" altLang="ko-KR" dirty="0"/>
+              <a:t>, </a:t>
+            </a:r>
+            <a:r>
+              <a:rPr lang="ko-KR" altLang="en-US" dirty="0"/>
+              <a:t>어떠한 과제가 경험에 의해 성과가 개선되었다고 했을 때</a:t>
+            </a:r>
+            <a:r>
+              <a:rPr lang="en-US" altLang="ko-KR" dirty="0"/>
+              <a:t>. </a:t>
+            </a:r>
+            <a:r>
+              <a:rPr lang="ko-KR" altLang="en-US" dirty="0"/>
+              <a:t>이 컴퓨터 프로그램은 </a:t>
+            </a:r>
+            <a:r>
+              <a:rPr lang="ko-KR" altLang="en-US" dirty="0" err="1"/>
+              <a:t>경험으로부터</a:t>
+            </a:r>
+            <a:r>
+              <a:rPr lang="ko-KR" altLang="en-US" dirty="0"/>
+              <a:t> 학습한다고 한다</a:t>
+            </a:r>
+            <a:r>
+              <a:rPr lang="en-US" altLang="ko-KR" dirty="0"/>
+              <a:t>.”</a:t>
+            </a:r>
+          </a:p>
+          <a:p>
+            <a:endParaRPr lang="en-US" altLang="ko-KR" dirty="0"/>
+          </a:p>
+        </p:txBody>
+      </p:sp>
+      <p:sp>
+        <p:nvSpPr>
+          <p:cNvPr id="4" name="슬라이드 번호 개체 틀 3"/>
+          <p:cNvSpPr>
+            <a:spLocks noGrp="1"/>
+          </p:cNvSpPr>
+          <p:nvPr>
+            <p:ph type="sldNum" sz="quarter" idx="5"/>
+          </p:nvPr>
+        </p:nvSpPr>
+        <p:spPr/>
+        <p:txBody>
+          <a:bodyPr/>
+          <a:lstStyle/>
+          <a:p>
+            <a:fld id="{DA275FA2-6C42-4D6B-BC32-C1F878E1B2E0}" type="slidenum">
+              <a:rPr lang="ko-KR" altLang="en-US" smtClean="0"/>
+              <a:t>6</a:t>
+            </a:fld>
+            <a:endParaRPr lang="ko-KR" altLang="en-US"/>
+          </a:p>
+        </p:txBody>
+      </p:sp>
+    </p:spTree>
+    <p:extLst>
+      <p:ext uri="{BB962C8B-B14F-4D97-AF65-F5344CB8AC3E}">
+        <p14:creationId xmlns:p14="http://schemas.microsoft.com/office/powerpoint/2010/main" val="2794550483"/>
+      </p:ext>
+    </p:extLst>
+  </p:cSld>
+  <p:clrMapOvr>
+    <a:masterClrMapping/>
+  </p:clrMapOvr>
+</p:notes>
+</file>
+
+<file path=ppt/notesSlides/notesSlide5.xml><?xml version="1.0" encoding="utf-8"?>
+<p:notes xmlns:a="http://schemas.openxmlformats.org/drawingml/2006/main" xmlns:r="http://schemas.openxmlformats.org/officeDocument/2006/relationships" xmlns:p="http://schemas.openxmlformats.org/presentationml/2006/main">
+  <p:cSld>
+    <p:spTree>
+      <p:nvGrpSpPr>
+        <p:cNvPr id="1" name=""/>
+        <p:cNvGrpSpPr/>
+        <p:nvPr/>
+      </p:nvGrpSpPr>
+      <p:grpSpPr>
+        <a:xfrm>
+          <a:off x="0" y="0"/>
+          <a:ext cx="0" cy="0"/>
+          <a:chOff x="0" y="0"/>
+          <a:chExt cx="0" cy="0"/>
+        </a:xfrm>
+      </p:grpSpPr>
+      <p:sp>
+        <p:nvSpPr>
+          <p:cNvPr id="2" name="슬라이드 이미지 개체 틀 1"/>
+          <p:cNvSpPr>
+            <a:spLocks noGrp="1" noRot="1" noChangeAspect="1"/>
+          </p:cNvSpPr>
+          <p:nvPr>
+            <p:ph type="sldImg"/>
+          </p:nvPr>
+        </p:nvSpPr>
+        <p:spPr/>
+      </p:sp>
+      <p:sp>
+        <p:nvSpPr>
+          <p:cNvPr id="3" name="슬라이드 노트 개체 틀 2"/>
+          <p:cNvSpPr>
+            <a:spLocks noGrp="1"/>
+          </p:cNvSpPr>
+          <p:nvPr>
+            <p:ph type="body" idx="1"/>
+          </p:nvPr>
+        </p:nvSpPr>
+        <p:spPr/>
+        <p:txBody>
+          <a:bodyPr/>
+          <a:lstStyle/>
+          <a:p>
+            <a:r>
+              <a:rPr lang="ko-KR" altLang="en-US" dirty="0" err="1"/>
+              <a:t>머신러닝</a:t>
+            </a:r>
+            <a:r>
+              <a:rPr lang="ko-KR" altLang="en-US" dirty="0"/>
+              <a:t> 알고리즘은 데이터로부터 무엇인가를 학습하는 능력을 가진 알고리즘임</a:t>
+            </a:r>
+            <a:r>
+              <a:rPr lang="en-US" altLang="ko-KR" dirty="0"/>
+              <a:t>.</a:t>
+            </a:r>
+          </a:p>
+          <a:p>
+            <a:r>
+              <a:rPr lang="ko-KR" altLang="en-US" dirty="0"/>
+              <a:t>여기서 학습이란</a:t>
+            </a:r>
+            <a:r>
+              <a:rPr lang="en-US" altLang="ko-KR" dirty="0"/>
+              <a:t>,</a:t>
+            </a:r>
+          </a:p>
+          <a:p>
+            <a:r>
+              <a:rPr lang="en-US" altLang="ko-KR" dirty="0"/>
+              <a:t>“</a:t>
+            </a:r>
+            <a:r>
+              <a:rPr lang="ko-KR" altLang="en-US" dirty="0"/>
+              <a:t>과제</a:t>
+            </a:r>
+            <a:r>
+              <a:rPr lang="en-US" altLang="ko-KR" dirty="0"/>
+              <a:t>, </a:t>
+            </a:r>
+            <a:r>
+              <a:rPr lang="ko-KR" altLang="en-US" dirty="0"/>
+              <a:t>성과</a:t>
+            </a:r>
+            <a:r>
+              <a:rPr lang="en-US" altLang="ko-KR" dirty="0"/>
+              <a:t>, </a:t>
+            </a:r>
+            <a:r>
+              <a:rPr lang="ko-KR" altLang="en-US" dirty="0"/>
+              <a:t>경험이라는 </a:t>
+            </a:r>
+            <a:r>
+              <a:rPr lang="en-US" altLang="ko-KR" dirty="0"/>
+              <a:t>3</a:t>
+            </a:r>
+            <a:r>
+              <a:rPr lang="ko-KR" altLang="en-US" dirty="0"/>
+              <a:t>가지 개념이 존재하고</a:t>
+            </a:r>
+            <a:r>
+              <a:rPr lang="en-US" altLang="ko-KR" dirty="0"/>
+              <a:t>, </a:t>
+            </a:r>
+            <a:r>
+              <a:rPr lang="ko-KR" altLang="en-US" dirty="0"/>
+              <a:t>어떠한 과제가 경험에 의해 성과가 개선되었다고 했을 때</a:t>
+            </a:r>
+            <a:r>
+              <a:rPr lang="en-US" altLang="ko-KR" dirty="0"/>
+              <a:t>. </a:t>
+            </a:r>
+            <a:r>
+              <a:rPr lang="ko-KR" altLang="en-US" dirty="0"/>
+              <a:t>이 컴퓨터 프로그램은 </a:t>
+            </a:r>
+            <a:r>
+              <a:rPr lang="ko-KR" altLang="en-US" dirty="0" err="1"/>
+              <a:t>경험으로부터</a:t>
+            </a:r>
+            <a:r>
+              <a:rPr lang="ko-KR" altLang="en-US" dirty="0"/>
+              <a:t> 학습한다고 한다</a:t>
+            </a:r>
+            <a:r>
+              <a:rPr lang="en-US" altLang="ko-KR" dirty="0"/>
+              <a:t>.”</a:t>
+            </a:r>
+          </a:p>
+          <a:p>
+            <a:endParaRPr lang="en-US" altLang="ko-KR" dirty="0"/>
+          </a:p>
+        </p:txBody>
+      </p:sp>
+      <p:sp>
+        <p:nvSpPr>
+          <p:cNvPr id="4" name="슬라이드 번호 개체 틀 3"/>
+          <p:cNvSpPr>
+            <a:spLocks noGrp="1"/>
+          </p:cNvSpPr>
+          <p:nvPr>
+            <p:ph type="sldNum" sz="quarter" idx="5"/>
+          </p:nvPr>
+        </p:nvSpPr>
+        <p:spPr/>
+        <p:txBody>
+          <a:bodyPr/>
+          <a:lstStyle/>
+          <a:p>
+            <a:fld id="{DA275FA2-6C42-4D6B-BC32-C1F878E1B2E0}" type="slidenum">
+              <a:rPr lang="ko-KR" altLang="en-US" smtClean="0"/>
+              <a:t>7</a:t>
+            </a:fld>
+            <a:endParaRPr lang="ko-KR" altLang="en-US"/>
+          </a:p>
+        </p:txBody>
+      </p:sp>
+    </p:spTree>
+    <p:extLst>
+      <p:ext uri="{BB962C8B-B14F-4D97-AF65-F5344CB8AC3E}">
+        <p14:creationId xmlns:p14="http://schemas.microsoft.com/office/powerpoint/2010/main" val="2279581768"/>
+      </p:ext>
+    </p:extLst>
+  </p:cSld>
+  <p:clrMapOvr>
+    <a:masterClrMapping/>
+  </p:clrMapOvr>
+</p:notes>
+</file>
+
+<file path=ppt/notesSlides/notesSlide6.xml><?xml version="1.0" encoding="utf-8"?>
+<p:notes xmlns:a="http://schemas.openxmlformats.org/drawingml/2006/main" xmlns:r="http://schemas.openxmlformats.org/officeDocument/2006/relationships" xmlns:p="http://schemas.openxmlformats.org/presentationml/2006/main">
+  <p:cSld>
+    <p:spTree>
+      <p:nvGrpSpPr>
+        <p:cNvPr id="1" name=""/>
+        <p:cNvGrpSpPr/>
+        <p:nvPr/>
+      </p:nvGrpSpPr>
+      <p:grpSpPr>
+        <a:xfrm>
+          <a:off x="0" y="0"/>
+          <a:ext cx="0" cy="0"/>
+          <a:chOff x="0" y="0"/>
+          <a:chExt cx="0" cy="0"/>
+        </a:xfrm>
+      </p:grpSpPr>
+      <p:sp>
+        <p:nvSpPr>
+          <p:cNvPr id="2" name="슬라이드 이미지 개체 틀 1"/>
+          <p:cNvSpPr>
+            <a:spLocks noGrp="1" noRot="1" noChangeAspect="1"/>
+          </p:cNvSpPr>
+          <p:nvPr>
+            <p:ph type="sldImg"/>
+          </p:nvPr>
+        </p:nvSpPr>
+        <p:spPr/>
+      </p:sp>
+      <p:sp>
+        <p:nvSpPr>
+          <p:cNvPr id="3" name="슬라이드 노트 개체 틀 2"/>
+          <p:cNvSpPr>
+            <a:spLocks noGrp="1"/>
+          </p:cNvSpPr>
+          <p:nvPr>
+            <p:ph type="body" idx="1"/>
+          </p:nvPr>
+        </p:nvSpPr>
+        <p:spPr/>
+        <p:txBody>
+          <a:bodyPr/>
+          <a:lstStyle/>
+          <a:p>
+            <a:r>
+              <a:rPr lang="ko-KR" altLang="en-US" dirty="0" err="1"/>
+              <a:t>머신러닝</a:t>
+            </a:r>
+            <a:r>
+              <a:rPr lang="ko-KR" altLang="en-US" dirty="0"/>
+              <a:t> 알고리즘은 데이터로부터 무엇인가를 학습하는 능력을 가진 알고리즘임</a:t>
+            </a:r>
+            <a:r>
+              <a:rPr lang="en-US" altLang="ko-KR" dirty="0"/>
+              <a:t>.</a:t>
+            </a:r>
+          </a:p>
+          <a:p>
+            <a:r>
+              <a:rPr lang="ko-KR" altLang="en-US" dirty="0"/>
+              <a:t>여기서 학습이란</a:t>
+            </a:r>
+            <a:r>
+              <a:rPr lang="en-US" altLang="ko-KR" dirty="0"/>
+              <a:t>,</a:t>
+            </a:r>
+          </a:p>
+          <a:p>
+            <a:r>
+              <a:rPr lang="en-US" altLang="ko-KR" dirty="0"/>
+              <a:t>“</a:t>
+            </a:r>
+            <a:r>
+              <a:rPr lang="ko-KR" altLang="en-US" dirty="0"/>
+              <a:t>과제</a:t>
+            </a:r>
+            <a:r>
+              <a:rPr lang="en-US" altLang="ko-KR" dirty="0"/>
+              <a:t>, </a:t>
+            </a:r>
+            <a:r>
+              <a:rPr lang="ko-KR" altLang="en-US" dirty="0"/>
+              <a:t>성과</a:t>
+            </a:r>
+            <a:r>
+              <a:rPr lang="en-US" altLang="ko-KR" dirty="0"/>
+              <a:t>, </a:t>
+            </a:r>
+            <a:r>
+              <a:rPr lang="ko-KR" altLang="en-US" dirty="0"/>
+              <a:t>경험이라는 </a:t>
+            </a:r>
+            <a:r>
+              <a:rPr lang="en-US" altLang="ko-KR" dirty="0"/>
+              <a:t>3</a:t>
+            </a:r>
+            <a:r>
+              <a:rPr lang="ko-KR" altLang="en-US" dirty="0"/>
+              <a:t>가지 개념이 존재하고</a:t>
+            </a:r>
+            <a:r>
+              <a:rPr lang="en-US" altLang="ko-KR" dirty="0"/>
+              <a:t>, </a:t>
+            </a:r>
+            <a:r>
+              <a:rPr lang="ko-KR" altLang="en-US" dirty="0"/>
+              <a:t>어떠한 과제가 경험에 의해 성과가 개선되었다고 했을 때</a:t>
+            </a:r>
+            <a:r>
+              <a:rPr lang="en-US" altLang="ko-KR" dirty="0"/>
+              <a:t>. </a:t>
+            </a:r>
+            <a:r>
+              <a:rPr lang="ko-KR" altLang="en-US" dirty="0"/>
+              <a:t>이 컴퓨터 프로그램은 </a:t>
+            </a:r>
+            <a:r>
+              <a:rPr lang="ko-KR" altLang="en-US" dirty="0" err="1"/>
+              <a:t>경험으로부터</a:t>
+            </a:r>
+            <a:r>
+              <a:rPr lang="ko-KR" altLang="en-US" dirty="0"/>
+              <a:t> 학습한다고 한다</a:t>
+            </a:r>
+            <a:r>
+              <a:rPr lang="en-US" altLang="ko-KR" dirty="0"/>
+              <a:t>.”</a:t>
+            </a:r>
+          </a:p>
+          <a:p>
+            <a:endParaRPr lang="en-US" altLang="ko-KR" dirty="0"/>
+          </a:p>
+        </p:txBody>
+      </p:sp>
+      <p:sp>
+        <p:nvSpPr>
+          <p:cNvPr id="4" name="슬라이드 번호 개체 틀 3"/>
+          <p:cNvSpPr>
+            <a:spLocks noGrp="1"/>
+          </p:cNvSpPr>
+          <p:nvPr>
+            <p:ph type="sldNum" sz="quarter" idx="5"/>
+          </p:nvPr>
+        </p:nvSpPr>
+        <p:spPr/>
+        <p:txBody>
+          <a:bodyPr/>
+          <a:lstStyle/>
+          <a:p>
+            <a:fld id="{DA275FA2-6C42-4D6B-BC32-C1F878E1B2E0}" type="slidenum">
+              <a:rPr lang="ko-KR" altLang="en-US" smtClean="0"/>
+              <a:t>8</a:t>
+            </a:fld>
+            <a:endParaRPr lang="ko-KR" altLang="en-US"/>
+          </a:p>
+        </p:txBody>
+      </p:sp>
+    </p:spTree>
+    <p:extLst>
+      <p:ext uri="{BB962C8B-B14F-4D97-AF65-F5344CB8AC3E}">
+        <p14:creationId xmlns:p14="http://schemas.microsoft.com/office/powerpoint/2010/main" val="191899898"/>
+      </p:ext>
+    </p:extLst>
+  </p:cSld>
+  <p:clrMapOvr>
+    <a:masterClrMapping/>
+  </p:clrMapOvr>
+</p:notes>
+</file>
+
+<file path=ppt/notesSlides/notesSlide7.xml><?xml version="1.0" encoding="utf-8"?>
+<p:notes xmlns:a="http://schemas.openxmlformats.org/drawingml/2006/main" xmlns:r="http://schemas.openxmlformats.org/officeDocument/2006/relationships" xmlns:p="http://schemas.openxmlformats.org/presentationml/2006/main">
+  <p:cSld>
+    <p:spTree>
+      <p:nvGrpSpPr>
+        <p:cNvPr id="1" name=""/>
+        <p:cNvGrpSpPr/>
+        <p:nvPr/>
+      </p:nvGrpSpPr>
+      <p:grpSpPr>
+        <a:xfrm>
+          <a:off x="0" y="0"/>
+          <a:ext cx="0" cy="0"/>
+          <a:chOff x="0" y="0"/>
+          <a:chExt cx="0" cy="0"/>
+        </a:xfrm>
+      </p:grpSpPr>
+      <p:sp>
+        <p:nvSpPr>
+          <p:cNvPr id="2" name="슬라이드 이미지 개체 틀 1"/>
+          <p:cNvSpPr>
+            <a:spLocks noGrp="1" noRot="1" noChangeAspect="1"/>
+          </p:cNvSpPr>
+          <p:nvPr>
+            <p:ph type="sldImg"/>
+          </p:nvPr>
+        </p:nvSpPr>
+        <p:spPr/>
+      </p:sp>
+      <p:sp>
+        <p:nvSpPr>
+          <p:cNvPr id="3" name="슬라이드 노트 개체 틀 2"/>
+          <p:cNvSpPr>
+            <a:spLocks noGrp="1"/>
+          </p:cNvSpPr>
+          <p:nvPr>
+            <p:ph type="body" idx="1"/>
+          </p:nvPr>
+        </p:nvSpPr>
+        <p:spPr/>
+        <p:txBody>
+          <a:bodyPr/>
+          <a:lstStyle/>
+          <a:p>
+            <a:r>
+              <a:rPr lang="ko-KR" altLang="en-US" dirty="0" err="1"/>
+              <a:t>포포몬스</a:t>
+            </a:r>
+            <a:r>
+              <a:rPr lang="ko-KR" altLang="en-US" dirty="0"/>
+              <a:t> 지표 </a:t>
+            </a:r>
+            <a:r>
+              <a:rPr lang="en-US" altLang="ko-KR" dirty="0"/>
+              <a:t>P</a:t>
+            </a:r>
+            <a:r>
+              <a:rPr lang="ko-KR" altLang="en-US" dirty="0"/>
+              <a:t>는 과제 </a:t>
+            </a:r>
+            <a:r>
+              <a:rPr lang="en-US" altLang="ko-KR" dirty="0"/>
+              <a:t>T</a:t>
+            </a:r>
+            <a:r>
+              <a:rPr lang="ko-KR" altLang="en-US" dirty="0"/>
+              <a:t>에 따라 다를 수 있다</a:t>
+            </a:r>
+            <a:r>
+              <a:rPr lang="en-US" altLang="ko-KR"/>
+              <a:t>.</a:t>
+            </a:r>
+            <a:endParaRPr lang="en-US" altLang="ko-KR" dirty="0"/>
+          </a:p>
+        </p:txBody>
+      </p:sp>
+      <p:sp>
+        <p:nvSpPr>
+          <p:cNvPr id="4" name="슬라이드 번호 개체 틀 3"/>
+          <p:cNvSpPr>
+            <a:spLocks noGrp="1"/>
+          </p:cNvSpPr>
+          <p:nvPr>
+            <p:ph type="sldNum" sz="quarter" idx="5"/>
+          </p:nvPr>
+        </p:nvSpPr>
+        <p:spPr/>
+        <p:txBody>
+          <a:bodyPr/>
+          <a:lstStyle/>
+          <a:p>
+            <a:fld id="{DA275FA2-6C42-4D6B-BC32-C1F878E1B2E0}" type="slidenum">
+              <a:rPr lang="ko-KR" altLang="en-US" smtClean="0"/>
+              <a:t>9</a:t>
+            </a:fld>
+            <a:endParaRPr lang="ko-KR" altLang="en-US"/>
+          </a:p>
+        </p:txBody>
+      </p:sp>
+    </p:spTree>
+    <p:extLst>
+      <p:ext uri="{BB962C8B-B14F-4D97-AF65-F5344CB8AC3E}">
+        <p14:creationId xmlns:p14="http://schemas.microsoft.com/office/powerpoint/2010/main" val="1632363554"/>
+      </p:ext>
+    </p:extLst>
+  </p:cSld>
+  <p:clrMapOvr>
+    <a:masterClrMapping/>
+  </p:clrMapOvr>
+</p:notes>
+</file>
+
+<file path=ppt/notesSlides/notesSlide8.xml><?xml version="1.0" encoding="utf-8"?>
+<p:notes xmlns:a="http://schemas.openxmlformats.org/drawingml/2006/main" xmlns:r="http://schemas.openxmlformats.org/officeDocument/2006/relationships" xmlns:p="http://schemas.openxmlformats.org/presentationml/2006/main">
+  <p:cSld>
+    <p:spTree>
+      <p:nvGrpSpPr>
+        <p:cNvPr id="1" name=""/>
+        <p:cNvGrpSpPr/>
+        <p:nvPr/>
+      </p:nvGrpSpPr>
+      <p:grpSpPr>
+        <a:xfrm>
+          <a:off x="0" y="0"/>
+          <a:ext cx="0" cy="0"/>
+          <a:chOff x="0" y="0"/>
+          <a:chExt cx="0" cy="0"/>
+        </a:xfrm>
+      </p:grpSpPr>
+      <p:sp>
+        <p:nvSpPr>
+          <p:cNvPr id="2" name="슬라이드 이미지 개체 틀 1"/>
+          <p:cNvSpPr>
+            <a:spLocks noGrp="1" noRot="1" noChangeAspect="1"/>
+          </p:cNvSpPr>
+          <p:nvPr>
+            <p:ph type="sldImg"/>
+          </p:nvPr>
+        </p:nvSpPr>
+        <p:spPr/>
+      </p:sp>
+      <p:sp>
+        <p:nvSpPr>
+          <p:cNvPr id="3" name="슬라이드 노트 개체 틀 2"/>
+          <p:cNvSpPr>
+            <a:spLocks noGrp="1"/>
+          </p:cNvSpPr>
+          <p:nvPr>
+            <p:ph type="body" idx="1"/>
+          </p:nvPr>
+        </p:nvSpPr>
+        <p:spPr/>
+        <p:txBody>
+          <a:bodyPr/>
+          <a:lstStyle/>
+          <a:p>
+            <a:r>
+              <a:rPr lang="ko-KR" altLang="en-US" dirty="0" err="1"/>
+              <a:t>머신러닝</a:t>
+            </a:r>
+            <a:r>
+              <a:rPr lang="ko-KR" altLang="en-US" dirty="0"/>
+              <a:t> 알고리즘은 데이터로부터 무엇인가를 학습하는 능력을 가진 알고리즘임</a:t>
+            </a:r>
+            <a:r>
+              <a:rPr lang="en-US" altLang="ko-KR" dirty="0"/>
+              <a:t>.</a:t>
+            </a:r>
+          </a:p>
+          <a:p>
+            <a:r>
+              <a:rPr lang="ko-KR" altLang="en-US" dirty="0"/>
+              <a:t>여기서 학습이란</a:t>
+            </a:r>
+            <a:r>
+              <a:rPr lang="en-US" altLang="ko-KR" dirty="0"/>
+              <a:t>,</a:t>
+            </a:r>
+          </a:p>
+          <a:p>
+            <a:r>
+              <a:rPr lang="en-US" altLang="ko-KR" dirty="0"/>
+              <a:t>“</a:t>
+            </a:r>
+            <a:r>
+              <a:rPr lang="ko-KR" altLang="en-US" dirty="0"/>
+              <a:t>과제</a:t>
+            </a:r>
+            <a:r>
+              <a:rPr lang="en-US" altLang="ko-KR" dirty="0"/>
+              <a:t>, </a:t>
+            </a:r>
+            <a:r>
+              <a:rPr lang="ko-KR" altLang="en-US" dirty="0"/>
+              <a:t>성과</a:t>
+            </a:r>
+            <a:r>
+              <a:rPr lang="en-US" altLang="ko-KR" dirty="0"/>
+              <a:t>, </a:t>
+            </a:r>
+            <a:r>
+              <a:rPr lang="ko-KR" altLang="en-US" dirty="0"/>
+              <a:t>경험이라는 </a:t>
+            </a:r>
+            <a:r>
+              <a:rPr lang="en-US" altLang="ko-KR" dirty="0"/>
+              <a:t>3</a:t>
+            </a:r>
+            <a:r>
+              <a:rPr lang="ko-KR" altLang="en-US" dirty="0"/>
+              <a:t>가지 개념이 존재하고</a:t>
+            </a:r>
+            <a:r>
+              <a:rPr lang="en-US" altLang="ko-KR" dirty="0"/>
+              <a:t>, </a:t>
+            </a:r>
+            <a:r>
+              <a:rPr lang="ko-KR" altLang="en-US" dirty="0"/>
+              <a:t>어떠한 과제가 경험에 의해 성과가 개선되었다고 했을 때</a:t>
+            </a:r>
+            <a:r>
+              <a:rPr lang="en-US" altLang="ko-KR" dirty="0"/>
+              <a:t>. </a:t>
+            </a:r>
+            <a:r>
+              <a:rPr lang="ko-KR" altLang="en-US" dirty="0"/>
+              <a:t>이 컴퓨터 프로그램은 </a:t>
+            </a:r>
+            <a:r>
+              <a:rPr lang="ko-KR" altLang="en-US" dirty="0" err="1"/>
+              <a:t>경험으로부터</a:t>
+            </a:r>
+            <a:r>
+              <a:rPr lang="ko-KR" altLang="en-US" dirty="0"/>
+              <a:t> 학습한다고 한다</a:t>
+            </a:r>
+            <a:r>
+              <a:rPr lang="en-US" altLang="ko-KR" dirty="0"/>
+              <a:t>.”</a:t>
+            </a:r>
+          </a:p>
+          <a:p>
+            <a:endParaRPr lang="en-US" altLang="ko-KR" dirty="0"/>
+          </a:p>
+        </p:txBody>
+      </p:sp>
+      <p:sp>
+        <p:nvSpPr>
+          <p:cNvPr id="4" name="슬라이드 번호 개체 틀 3"/>
+          <p:cNvSpPr>
+            <a:spLocks noGrp="1"/>
+          </p:cNvSpPr>
+          <p:nvPr>
+            <p:ph type="sldNum" sz="quarter" idx="5"/>
+          </p:nvPr>
+        </p:nvSpPr>
+        <p:spPr/>
+        <p:txBody>
+          <a:bodyPr/>
+          <a:lstStyle/>
+          <a:p>
+            <a:fld id="{DA275FA2-6C42-4D6B-BC32-C1F878E1B2E0}" type="slidenum">
+              <a:rPr lang="ko-KR" altLang="en-US" smtClean="0"/>
+              <a:t>10</a:t>
+            </a:fld>
+            <a:endParaRPr lang="ko-KR" altLang="en-US"/>
+          </a:p>
+        </p:txBody>
+      </p:sp>
+    </p:spTree>
+    <p:extLst>
+      <p:ext uri="{BB962C8B-B14F-4D97-AF65-F5344CB8AC3E}">
+        <p14:creationId xmlns:p14="http://schemas.microsoft.com/office/powerpoint/2010/main" val="658182576"/>
       </p:ext>
     </p:extLst>
   </p:cSld>
@@ -2061,6 +3048,143 @@
 </p:sld>
 </file>
 
+<file path=ppt/slides/slide10.xml><?xml version="1.0" encoding="utf-8"?>
+<p:sld xmlns:a="http://schemas.openxmlformats.org/drawingml/2006/main" xmlns:r="http://schemas.openxmlformats.org/officeDocument/2006/relationships" xmlns:p="http://schemas.openxmlformats.org/presentationml/2006/main">
+  <p:cSld>
+    <p:spTree>
+      <p:nvGrpSpPr>
+        <p:cNvPr id="1" name=""/>
+        <p:cNvGrpSpPr/>
+        <p:nvPr/>
+      </p:nvGrpSpPr>
+      <p:grpSpPr>
+        <a:xfrm>
+          <a:off x="0" y="0"/>
+          <a:ext cx="0" cy="0"/>
+          <a:chOff x="0" y="0"/>
+          <a:chExt cx="0" cy="0"/>
+        </a:xfrm>
+      </p:grpSpPr>
+      <p:sp>
+        <p:nvSpPr>
+          <p:cNvPr id="2" name="제목 1">
+            <a:extLst>
+              <a:ext uri="{FF2B5EF4-FFF2-40B4-BE49-F238E27FC236}">
+                <a16:creationId xmlns:a16="http://schemas.microsoft.com/office/drawing/2014/main" id="{AA92BCFB-E11B-F940-A787-2261CAC8E814}"/>
+              </a:ext>
+            </a:extLst>
+          </p:cNvPr>
+          <p:cNvSpPr>
+            <a:spLocks noGrp="1"/>
+          </p:cNvSpPr>
+          <p:nvPr>
+            <p:ph type="title"/>
+          </p:nvPr>
+        </p:nvSpPr>
+        <p:spPr/>
+        <p:txBody>
+          <a:bodyPr/>
+          <a:lstStyle/>
+          <a:p>
+            <a:r>
+              <a:rPr kumimoji="1" lang="en-US" altLang="en-US" dirty="0"/>
+              <a:t>5.1.3 The Experience, E</a:t>
+            </a:r>
+            <a:endParaRPr kumimoji="1" lang="ko-Kore-KR" altLang="en-US" dirty="0"/>
+          </a:p>
+        </p:txBody>
+      </p:sp>
+      <p:sp>
+        <p:nvSpPr>
+          <p:cNvPr id="3" name="내용 개체 틀 2">
+            <a:extLst>
+              <a:ext uri="{FF2B5EF4-FFF2-40B4-BE49-F238E27FC236}">
+                <a16:creationId xmlns:a16="http://schemas.microsoft.com/office/drawing/2014/main" id="{1725D5B2-2C6C-3B43-B4F2-CA91BE12BB41}"/>
+              </a:ext>
+            </a:extLst>
+          </p:cNvPr>
+          <p:cNvSpPr>
+            <a:spLocks noGrp="1"/>
+          </p:cNvSpPr>
+          <p:nvPr>
+            <p:ph idx="1"/>
+          </p:nvPr>
+        </p:nvSpPr>
+        <p:spPr>
+          <a:xfrm>
+            <a:off x="838200" y="1721803"/>
+            <a:ext cx="10927080" cy="4351338"/>
+          </a:xfrm>
+        </p:spPr>
+        <p:txBody>
+          <a:bodyPr/>
+          <a:lstStyle/>
+          <a:p>
+            <a:r>
+              <a:rPr kumimoji="1" lang="en-US" altLang="en-US" dirty="0"/>
+              <a:t>A machine learning algorithm is an algorithm that is able to learn from data</a:t>
+            </a:r>
+          </a:p>
+          <a:p>
+            <a:r>
+              <a:rPr kumimoji="1" lang="en-US" altLang="en-US" dirty="0"/>
+              <a:t>What is </a:t>
+            </a:r>
+            <a:r>
+              <a:rPr kumimoji="1" lang="en-US" altLang="en-US" b="1" dirty="0"/>
+              <a:t>Learning</a:t>
+            </a:r>
+            <a:r>
+              <a:rPr kumimoji="1" lang="en-US" altLang="en-US" dirty="0"/>
+              <a:t>?</a:t>
+            </a:r>
+          </a:p>
+          <a:p>
+            <a:pPr lvl="1"/>
+            <a:r>
+              <a:rPr kumimoji="1" lang="en-US" altLang="en-US" dirty="0"/>
+              <a:t>A computer program is said to learn from </a:t>
+            </a:r>
+            <a:r>
+              <a:rPr kumimoji="1" lang="en-US" altLang="en-US" b="1" dirty="0"/>
+              <a:t>experience E</a:t>
+            </a:r>
+            <a:r>
+              <a:rPr kumimoji="1" lang="en-US" altLang="en-US" dirty="0"/>
+              <a:t> with respect to some class of </a:t>
+            </a:r>
+            <a:r>
+              <a:rPr kumimoji="1" lang="en-US" altLang="en-US" b="1" dirty="0"/>
+              <a:t>tasks T</a:t>
+            </a:r>
+            <a:r>
+              <a:rPr kumimoji="1" lang="en-US" altLang="en-US" dirty="0"/>
+              <a:t> and </a:t>
+            </a:r>
+            <a:r>
+              <a:rPr kumimoji="1" lang="en-US" altLang="en-US" b="1" dirty="0"/>
+              <a:t>performance measure P</a:t>
+            </a:r>
+            <a:r>
+              <a:rPr kumimoji="1" lang="en-US" altLang="en-US" dirty="0"/>
+              <a:t>, if its performance at tasks in T, as measured by P, improves with experience E.</a:t>
+            </a:r>
+          </a:p>
+        </p:txBody>
+      </p:sp>
+    </p:spTree>
+    <p:extLst>
+      <p:ext uri="{BB962C8B-B14F-4D97-AF65-F5344CB8AC3E}">
+        <p14:creationId xmlns:p14="http://schemas.microsoft.com/office/powerpoint/2010/main" val="2043439295"/>
+      </p:ext>
+    </p:extLst>
+  </p:cSld>
+  <p:clrMapOvr>
+    <a:masterClrMapping/>
+  </p:clrMapOvr>
+</p:sld>
+</file>
+
 <file path=ppt/slides/slide2.xml><?xml version="1.0" encoding="utf-8"?>
 <p:sld xmlns:a="http://schemas.openxmlformats.org/drawingml/2006/main" xmlns:r="http://schemas.openxmlformats.org/officeDocument/2006/relationships" xmlns:p="http://schemas.openxmlformats.org/presentationml/2006/main">
   <p:cSld>
@@ -2367,7 +3491,55 @@
           <a:bodyPr/>
           <a:lstStyle/>
           <a:p>
-            <a:endParaRPr kumimoji="1" lang="en-US" altLang="en-US" dirty="0"/>
+            <a:r>
+              <a:rPr kumimoji="1" lang="en-US" altLang="en-US" dirty="0"/>
+              <a:t>A machine learning algorithm is an algorithm that is able to learn from data</a:t>
+            </a:r>
+          </a:p>
+          <a:p>
+            <a:r>
+              <a:rPr kumimoji="1" lang="en-US" altLang="en-US" dirty="0"/>
+              <a:t>What is </a:t>
+            </a:r>
+            <a:r>
+              <a:rPr kumimoji="1" lang="en-US" altLang="en-US" b="1" dirty="0"/>
+              <a:t>Learning</a:t>
+            </a:r>
+            <a:r>
+              <a:rPr kumimoji="1" lang="en-US" altLang="en-US" dirty="0"/>
+              <a:t>?</a:t>
+            </a:r>
+          </a:p>
+          <a:p>
+            <a:pPr lvl="1"/>
+            <a:r>
+              <a:rPr kumimoji="1" lang="en-US" altLang="en-US" dirty="0"/>
+              <a:t>A computer program is said to learn from </a:t>
+            </a:r>
+            <a:r>
+              <a:rPr kumimoji="1" lang="en-US" altLang="en-US" b="1" dirty="0"/>
+              <a:t>experience E</a:t>
+            </a:r>
+            <a:r>
+              <a:rPr kumimoji="1" lang="en-US" altLang="en-US" dirty="0"/>
+              <a:t> with respect to some class of </a:t>
+            </a:r>
+            <a:r>
+              <a:rPr kumimoji="1" lang="en-US" altLang="en-US" b="1" dirty="0"/>
+              <a:t>tasks T</a:t>
+            </a:r>
+            <a:r>
+              <a:rPr kumimoji="1" lang="en-US" altLang="en-US" dirty="0"/>
+              <a:t> and </a:t>
+            </a:r>
+            <a:r>
+              <a:rPr kumimoji="1" lang="en-US" altLang="en-US" b="1" dirty="0"/>
+              <a:t>performance measure P</a:t>
+            </a:r>
+            <a:r>
+              <a:rPr kumimoji="1" lang="en-US" altLang="en-US" dirty="0"/>
+              <a:t>, if its performance at tasks in T, as measured by P, improves with experience E.</a:t>
+            </a:r>
           </a:p>
         </p:txBody>
       </p:sp>
@@ -2375,6 +3547,555 @@
     <p:extLst>
       <p:ext uri="{BB962C8B-B14F-4D97-AF65-F5344CB8AC3E}">
         <p14:creationId xmlns:p14="http://schemas.microsoft.com/office/powerpoint/2010/main" val="4085238608"/>
+      </p:ext>
+    </p:extLst>
+  </p:cSld>
+  <p:clrMapOvr>
+    <a:masterClrMapping/>
+  </p:clrMapOvr>
+</p:sld>
+</file>
+
+<file path=ppt/slides/slide5.xml><?xml version="1.0" encoding="utf-8"?>
+<p:sld xmlns:a="http://schemas.openxmlformats.org/drawingml/2006/main" xmlns:r="http://schemas.openxmlformats.org/officeDocument/2006/relationships" xmlns:p="http://schemas.openxmlformats.org/presentationml/2006/main">
+  <p:cSld>
+    <p:spTree>
+      <p:nvGrpSpPr>
+        <p:cNvPr id="1" name=""/>
+        <p:cNvGrpSpPr/>
+        <p:nvPr/>
+      </p:nvGrpSpPr>
+      <p:grpSpPr>
+        <a:xfrm>
+          <a:off x="0" y="0"/>
+          <a:ext cx="0" cy="0"/>
+          <a:chOff x="0" y="0"/>
+          <a:chExt cx="0" cy="0"/>
+        </a:xfrm>
+      </p:grpSpPr>
+      <p:sp>
+        <p:nvSpPr>
+          <p:cNvPr id="2" name="제목 1">
+            <a:extLst>
+              <a:ext uri="{FF2B5EF4-FFF2-40B4-BE49-F238E27FC236}">
+                <a16:creationId xmlns:a16="http://schemas.microsoft.com/office/drawing/2014/main" id="{AA92BCFB-E11B-F940-A787-2261CAC8E814}"/>
+              </a:ext>
+            </a:extLst>
+          </p:cNvPr>
+          <p:cNvSpPr>
+            <a:spLocks noGrp="1"/>
+          </p:cNvSpPr>
+          <p:nvPr>
+            <p:ph type="title"/>
+          </p:nvPr>
+        </p:nvSpPr>
+        <p:spPr/>
+        <p:txBody>
+          <a:bodyPr/>
+          <a:lstStyle/>
+          <a:p>
+            <a:r>
+              <a:rPr kumimoji="1" lang="en-US" altLang="en-US" dirty="0"/>
+              <a:t>5.1.1 The Task, T</a:t>
+            </a:r>
+            <a:endParaRPr kumimoji="1" lang="ko-Kore-KR" altLang="en-US" dirty="0"/>
+          </a:p>
+        </p:txBody>
+      </p:sp>
+      <p:sp>
+        <p:nvSpPr>
+          <p:cNvPr id="3" name="내용 개체 틀 2">
+            <a:extLst>
+              <a:ext uri="{FF2B5EF4-FFF2-40B4-BE49-F238E27FC236}">
+                <a16:creationId xmlns:a16="http://schemas.microsoft.com/office/drawing/2014/main" id="{1725D5B2-2C6C-3B43-B4F2-CA91BE12BB41}"/>
+              </a:ext>
+            </a:extLst>
+          </p:cNvPr>
+          <p:cNvSpPr>
+            <a:spLocks noGrp="1"/>
+          </p:cNvSpPr>
+          <p:nvPr>
+            <p:ph idx="1"/>
+          </p:nvPr>
+        </p:nvSpPr>
+        <p:spPr>
+          <a:xfrm>
+            <a:off x="838200" y="1721803"/>
+            <a:ext cx="10927080" cy="4351338"/>
+          </a:xfrm>
+        </p:spPr>
+        <p:txBody>
+          <a:bodyPr/>
+          <a:lstStyle/>
+          <a:p>
+            <a:r>
+              <a:rPr kumimoji="1" lang="en-US" altLang="en-US" dirty="0"/>
+              <a:t>Many Kinds of tasks can be solved with machine learning. Some of the most common ML tasks include the following:</a:t>
+            </a:r>
+          </a:p>
+          <a:p>
+            <a:r>
+              <a:rPr kumimoji="1" lang="en-US" altLang="en-US" b="1" dirty="0"/>
+              <a:t>Classification</a:t>
+            </a:r>
+          </a:p>
+          <a:p>
+            <a:r>
+              <a:rPr kumimoji="1" lang="en-US" altLang="en-US" b="1" dirty="0"/>
+              <a:t>Classification with missing inputs</a:t>
+            </a:r>
+          </a:p>
+          <a:p>
+            <a:endParaRPr kumimoji="1" lang="en-US" altLang="en-US" b="1" dirty="0"/>
+          </a:p>
+          <a:p>
+            <a:endParaRPr kumimoji="1" lang="en-US" altLang="en-US" b="1" dirty="0"/>
+          </a:p>
+        </p:txBody>
+      </p:sp>
+    </p:spTree>
+    <p:extLst>
+      <p:ext uri="{BB962C8B-B14F-4D97-AF65-F5344CB8AC3E}">
+        <p14:creationId xmlns:p14="http://schemas.microsoft.com/office/powerpoint/2010/main" val="4186670988"/>
+      </p:ext>
+    </p:extLst>
+  </p:cSld>
+  <p:clrMapOvr>
+    <a:masterClrMapping/>
+  </p:clrMapOvr>
+</p:sld>
+</file>
+
+<file path=ppt/slides/slide6.xml><?xml version="1.0" encoding="utf-8"?>
+<p:sld xmlns:a="http://schemas.openxmlformats.org/drawingml/2006/main" xmlns:r="http://schemas.openxmlformats.org/officeDocument/2006/relationships" xmlns:p="http://schemas.openxmlformats.org/presentationml/2006/main">
+  <p:cSld>
+    <p:spTree>
+      <p:nvGrpSpPr>
+        <p:cNvPr id="1" name=""/>
+        <p:cNvGrpSpPr/>
+        <p:nvPr/>
+      </p:nvGrpSpPr>
+      <p:grpSpPr>
+        <a:xfrm>
+          <a:off x="0" y="0"/>
+          <a:ext cx="0" cy="0"/>
+          <a:chOff x="0" y="0"/>
+          <a:chExt cx="0" cy="0"/>
+        </a:xfrm>
+      </p:grpSpPr>
+      <p:sp>
+        <p:nvSpPr>
+          <p:cNvPr id="2" name="제목 1">
+            <a:extLst>
+              <a:ext uri="{FF2B5EF4-FFF2-40B4-BE49-F238E27FC236}">
+                <a16:creationId xmlns:a16="http://schemas.microsoft.com/office/drawing/2014/main" id="{AA92BCFB-E11B-F940-A787-2261CAC8E814}"/>
+              </a:ext>
+            </a:extLst>
+          </p:cNvPr>
+          <p:cNvSpPr>
+            <a:spLocks noGrp="1"/>
+          </p:cNvSpPr>
+          <p:nvPr>
+            <p:ph type="title"/>
+          </p:nvPr>
+        </p:nvSpPr>
+        <p:spPr/>
+        <p:txBody>
+          <a:bodyPr/>
+          <a:lstStyle/>
+          <a:p>
+            <a:r>
+              <a:rPr kumimoji="1" lang="en-US" altLang="en-US" dirty="0"/>
+              <a:t>5.1.1 The Task, T</a:t>
+            </a:r>
+            <a:endParaRPr kumimoji="1" lang="ko-Kore-KR" altLang="en-US" dirty="0"/>
+          </a:p>
+        </p:txBody>
+      </p:sp>
+      <p:sp>
+        <p:nvSpPr>
+          <p:cNvPr id="3" name="내용 개체 틀 2">
+            <a:extLst>
+              <a:ext uri="{FF2B5EF4-FFF2-40B4-BE49-F238E27FC236}">
+                <a16:creationId xmlns:a16="http://schemas.microsoft.com/office/drawing/2014/main" id="{1725D5B2-2C6C-3B43-B4F2-CA91BE12BB41}"/>
+              </a:ext>
+            </a:extLst>
+          </p:cNvPr>
+          <p:cNvSpPr>
+            <a:spLocks noGrp="1"/>
+          </p:cNvSpPr>
+          <p:nvPr>
+            <p:ph idx="1"/>
+          </p:nvPr>
+        </p:nvSpPr>
+        <p:spPr>
+          <a:xfrm>
+            <a:off x="838200" y="1721803"/>
+            <a:ext cx="10927080" cy="4351338"/>
+          </a:xfrm>
+        </p:spPr>
+        <p:txBody>
+          <a:bodyPr/>
+          <a:lstStyle/>
+          <a:p>
+            <a:r>
+              <a:rPr kumimoji="1" lang="en-US" altLang="en-US" b="1" dirty="0"/>
+              <a:t>Regression</a:t>
+            </a:r>
+          </a:p>
+          <a:p>
+            <a:r>
+              <a:rPr kumimoji="1" lang="en-US" altLang="en-US" b="1" dirty="0"/>
+              <a:t>Transcription</a:t>
+            </a:r>
+          </a:p>
+          <a:p>
+            <a:r>
+              <a:rPr kumimoji="1" lang="en-US" altLang="en-US" b="1" dirty="0"/>
+              <a:t>Machine translation</a:t>
+            </a:r>
+          </a:p>
+          <a:p>
+            <a:endParaRPr kumimoji="1" lang="en-US" altLang="en-US" b="1" dirty="0"/>
+          </a:p>
+          <a:p>
+            <a:endParaRPr kumimoji="1" lang="en-US" altLang="en-US" b="1" dirty="0"/>
+          </a:p>
+        </p:txBody>
+      </p:sp>
+    </p:spTree>
+    <p:extLst>
+      <p:ext uri="{BB962C8B-B14F-4D97-AF65-F5344CB8AC3E}">
+        <p14:creationId xmlns:p14="http://schemas.microsoft.com/office/powerpoint/2010/main" val="545657737"/>
+      </p:ext>
+    </p:extLst>
+  </p:cSld>
+  <p:clrMapOvr>
+    <a:masterClrMapping/>
+  </p:clrMapOvr>
+</p:sld>
+</file>
+
+<file path=ppt/slides/slide7.xml><?xml version="1.0" encoding="utf-8"?>
+<p:sld xmlns:a="http://schemas.openxmlformats.org/drawingml/2006/main" xmlns:r="http://schemas.openxmlformats.org/officeDocument/2006/relationships" xmlns:p="http://schemas.openxmlformats.org/presentationml/2006/main">
+  <p:cSld>
+    <p:spTree>
+      <p:nvGrpSpPr>
+        <p:cNvPr id="1" name=""/>
+        <p:cNvGrpSpPr/>
+        <p:nvPr/>
+      </p:nvGrpSpPr>
+      <p:grpSpPr>
+        <a:xfrm>
+          <a:off x="0" y="0"/>
+          <a:ext cx="0" cy="0"/>
+          <a:chOff x="0" y="0"/>
+          <a:chExt cx="0" cy="0"/>
+        </a:xfrm>
+      </p:grpSpPr>
+      <p:sp>
+        <p:nvSpPr>
+          <p:cNvPr id="2" name="제목 1">
+            <a:extLst>
+              <a:ext uri="{FF2B5EF4-FFF2-40B4-BE49-F238E27FC236}">
+                <a16:creationId xmlns:a16="http://schemas.microsoft.com/office/drawing/2014/main" id="{AA92BCFB-E11B-F940-A787-2261CAC8E814}"/>
+              </a:ext>
+            </a:extLst>
+          </p:cNvPr>
+          <p:cNvSpPr>
+            <a:spLocks noGrp="1"/>
+          </p:cNvSpPr>
+          <p:nvPr>
+            <p:ph type="title"/>
+          </p:nvPr>
+        </p:nvSpPr>
+        <p:spPr/>
+        <p:txBody>
+          <a:bodyPr/>
+          <a:lstStyle/>
+          <a:p>
+            <a:r>
+              <a:rPr kumimoji="1" lang="en-US" altLang="en-US" dirty="0"/>
+              <a:t>5.1.1 The Task, T</a:t>
+            </a:r>
+            <a:endParaRPr kumimoji="1" lang="ko-Kore-KR" altLang="en-US" dirty="0"/>
+          </a:p>
+        </p:txBody>
+      </p:sp>
+      <p:sp>
+        <p:nvSpPr>
+          <p:cNvPr id="3" name="내용 개체 틀 2">
+            <a:extLst>
+              <a:ext uri="{FF2B5EF4-FFF2-40B4-BE49-F238E27FC236}">
+                <a16:creationId xmlns:a16="http://schemas.microsoft.com/office/drawing/2014/main" id="{1725D5B2-2C6C-3B43-B4F2-CA91BE12BB41}"/>
+              </a:ext>
+            </a:extLst>
+          </p:cNvPr>
+          <p:cNvSpPr>
+            <a:spLocks noGrp="1"/>
+          </p:cNvSpPr>
+          <p:nvPr>
+            <p:ph idx="1"/>
+          </p:nvPr>
+        </p:nvSpPr>
+        <p:spPr>
+          <a:xfrm>
+            <a:off x="838200" y="1721803"/>
+            <a:ext cx="10927080" cy="4351338"/>
+          </a:xfrm>
+        </p:spPr>
+        <p:txBody>
+          <a:bodyPr/>
+          <a:lstStyle/>
+          <a:p>
+            <a:r>
+              <a:rPr kumimoji="1" lang="en-US" altLang="en-US" b="1" dirty="0"/>
+              <a:t>Structured output</a:t>
+            </a:r>
+          </a:p>
+          <a:p>
+            <a:r>
+              <a:rPr kumimoji="1" lang="en-US" altLang="en-US" b="1" dirty="0"/>
+              <a:t>Anomaly detection</a:t>
+            </a:r>
+          </a:p>
+          <a:p>
+            <a:r>
+              <a:rPr kumimoji="1" lang="en-US" altLang="en-US" b="1" dirty="0"/>
+              <a:t>Synthesis and sampling</a:t>
+            </a:r>
+          </a:p>
+          <a:p>
+            <a:endParaRPr kumimoji="1" lang="en-US" altLang="en-US" b="1" dirty="0"/>
+          </a:p>
+        </p:txBody>
+      </p:sp>
+    </p:spTree>
+    <p:extLst>
+      <p:ext uri="{BB962C8B-B14F-4D97-AF65-F5344CB8AC3E}">
+        <p14:creationId xmlns:p14="http://schemas.microsoft.com/office/powerpoint/2010/main" val="57575729"/>
+      </p:ext>
+    </p:extLst>
+  </p:cSld>
+  <p:clrMapOvr>
+    <a:masterClrMapping/>
+  </p:clrMapOvr>
+</p:sld>
+</file>
+
+<file path=ppt/slides/slide8.xml><?xml version="1.0" encoding="utf-8"?>
+<p:sld xmlns:a="http://schemas.openxmlformats.org/drawingml/2006/main" xmlns:r="http://schemas.openxmlformats.org/officeDocument/2006/relationships" xmlns:p="http://schemas.openxmlformats.org/presentationml/2006/main">
+  <p:cSld>
+    <p:spTree>
+      <p:nvGrpSpPr>
+        <p:cNvPr id="1" name=""/>
+        <p:cNvGrpSpPr/>
+        <p:nvPr/>
+      </p:nvGrpSpPr>
+      <p:grpSpPr>
+        <a:xfrm>
+          <a:off x="0" y="0"/>
+          <a:ext cx="0" cy="0"/>
+          <a:chOff x="0" y="0"/>
+          <a:chExt cx="0" cy="0"/>
+        </a:xfrm>
+      </p:grpSpPr>
+      <p:sp>
+        <p:nvSpPr>
+          <p:cNvPr id="2" name="제목 1">
+            <a:extLst>
+              <a:ext uri="{FF2B5EF4-FFF2-40B4-BE49-F238E27FC236}">
+                <a16:creationId xmlns:a16="http://schemas.microsoft.com/office/drawing/2014/main" id="{AA92BCFB-E11B-F940-A787-2261CAC8E814}"/>
+              </a:ext>
+            </a:extLst>
+          </p:cNvPr>
+          <p:cNvSpPr>
+            <a:spLocks noGrp="1"/>
+          </p:cNvSpPr>
+          <p:nvPr>
+            <p:ph type="title"/>
+          </p:nvPr>
+        </p:nvSpPr>
+        <p:spPr/>
+        <p:txBody>
+          <a:bodyPr/>
+          <a:lstStyle/>
+          <a:p>
+            <a:r>
+              <a:rPr kumimoji="1" lang="en-US" altLang="en-US" dirty="0"/>
+              <a:t>5.1.1 The Task, T</a:t>
+            </a:r>
+            <a:endParaRPr kumimoji="1" lang="ko-Kore-KR" altLang="en-US" dirty="0"/>
+          </a:p>
+        </p:txBody>
+      </p:sp>
+      <p:sp>
+        <p:nvSpPr>
+          <p:cNvPr id="3" name="내용 개체 틀 2">
+            <a:extLst>
+              <a:ext uri="{FF2B5EF4-FFF2-40B4-BE49-F238E27FC236}">
+                <a16:creationId xmlns:a16="http://schemas.microsoft.com/office/drawing/2014/main" id="{1725D5B2-2C6C-3B43-B4F2-CA91BE12BB41}"/>
+              </a:ext>
+            </a:extLst>
+          </p:cNvPr>
+          <p:cNvSpPr>
+            <a:spLocks noGrp="1"/>
+          </p:cNvSpPr>
+          <p:nvPr>
+            <p:ph idx="1"/>
+          </p:nvPr>
+        </p:nvSpPr>
+        <p:spPr>
+          <a:xfrm>
+            <a:off x="838200" y="1721803"/>
+            <a:ext cx="10927080" cy="4351338"/>
+          </a:xfrm>
+        </p:spPr>
+        <p:txBody>
+          <a:bodyPr/>
+          <a:lstStyle/>
+          <a:p>
+            <a:r>
+              <a:rPr kumimoji="1" lang="en-US" altLang="en-US" b="1" dirty="0"/>
+              <a:t>Imputation of missing values</a:t>
+            </a:r>
+          </a:p>
+          <a:p>
+            <a:r>
+              <a:rPr kumimoji="1" lang="en-US" altLang="en-US" b="1" dirty="0"/>
+              <a:t>Denoising</a:t>
+            </a:r>
+          </a:p>
+          <a:p>
+            <a:r>
+              <a:rPr kumimoji="1" lang="en-US" altLang="en-US" b="1" dirty="0"/>
+              <a:t>Density estimation</a:t>
+            </a:r>
+          </a:p>
+          <a:p>
+            <a:endParaRPr kumimoji="1" lang="en-US" altLang="en-US" b="1" dirty="0"/>
+          </a:p>
+          <a:p>
+            <a:endParaRPr kumimoji="1" lang="en-US" altLang="en-US" b="1" dirty="0"/>
+          </a:p>
+        </p:txBody>
+      </p:sp>
+    </p:spTree>
+    <p:extLst>
+      <p:ext uri="{BB962C8B-B14F-4D97-AF65-F5344CB8AC3E}">
+        <p14:creationId xmlns:p14="http://schemas.microsoft.com/office/powerpoint/2010/main" val="2385794092"/>
+      </p:ext>
+    </p:extLst>
+  </p:cSld>
+  <p:clrMapOvr>
+    <a:masterClrMapping/>
+  </p:clrMapOvr>
+</p:sld>
+</file>
+
+<file path=ppt/slides/slide9.xml><?xml version="1.0" encoding="utf-8"?>
+<p:sld xmlns:a="http://schemas.openxmlformats.org/drawingml/2006/main" xmlns:r="http://schemas.openxmlformats.org/officeDocument/2006/relationships" xmlns:p="http://schemas.openxmlformats.org/presentationml/2006/main">
+  <p:cSld>
+    <p:spTree>
+      <p:nvGrpSpPr>
+        <p:cNvPr id="1" name=""/>
+        <p:cNvGrpSpPr/>
+        <p:nvPr/>
+      </p:nvGrpSpPr>
+      <p:grpSpPr>
+        <a:xfrm>
+          <a:off x="0" y="0"/>
+          <a:ext cx="0" cy="0"/>
+          <a:chOff x="0" y="0"/>
+          <a:chExt cx="0" cy="0"/>
+        </a:xfrm>
+      </p:grpSpPr>
+      <p:sp>
+        <p:nvSpPr>
+          <p:cNvPr id="2" name="제목 1">
+            <a:extLst>
+              <a:ext uri="{FF2B5EF4-FFF2-40B4-BE49-F238E27FC236}">
+                <a16:creationId xmlns:a16="http://schemas.microsoft.com/office/drawing/2014/main" id="{AA92BCFB-E11B-F940-A787-2261CAC8E814}"/>
+              </a:ext>
+            </a:extLst>
+          </p:cNvPr>
+          <p:cNvSpPr>
+            <a:spLocks noGrp="1"/>
+          </p:cNvSpPr>
+          <p:nvPr>
+            <p:ph type="title"/>
+          </p:nvPr>
+        </p:nvSpPr>
+        <p:spPr/>
+        <p:txBody>
+          <a:bodyPr/>
+          <a:lstStyle/>
+          <a:p>
+            <a:r>
+              <a:rPr kumimoji="1" lang="en-US" altLang="en-US" dirty="0"/>
+              <a:t>5.1.2 The Performance Measure, P</a:t>
+            </a:r>
+            <a:endParaRPr kumimoji="1" lang="ko-Kore-KR" altLang="en-US" dirty="0"/>
+          </a:p>
+        </p:txBody>
+      </p:sp>
+      <p:sp>
+        <p:nvSpPr>
+          <p:cNvPr id="3" name="내용 개체 틀 2">
+            <a:extLst>
+              <a:ext uri="{FF2B5EF4-FFF2-40B4-BE49-F238E27FC236}">
+                <a16:creationId xmlns:a16="http://schemas.microsoft.com/office/drawing/2014/main" id="{1725D5B2-2C6C-3B43-B4F2-CA91BE12BB41}"/>
+              </a:ext>
+            </a:extLst>
+          </p:cNvPr>
+          <p:cNvSpPr>
+            <a:spLocks noGrp="1"/>
+          </p:cNvSpPr>
+          <p:nvPr>
+            <p:ph idx="1"/>
+          </p:nvPr>
+        </p:nvSpPr>
+        <p:spPr>
+          <a:xfrm>
+            <a:off x="838200" y="1721803"/>
+            <a:ext cx="10927080" cy="4351338"/>
+          </a:xfrm>
+        </p:spPr>
+        <p:txBody>
+          <a:bodyPr/>
+          <a:lstStyle/>
+          <a:p>
+            <a:r>
+              <a:rPr kumimoji="1" lang="en-US" altLang="en-US" b="1" dirty="0"/>
+              <a:t>performance measure P</a:t>
+            </a:r>
+            <a:r>
+              <a:rPr kumimoji="1" lang="en-US" altLang="en-US" dirty="0"/>
+              <a:t> </a:t>
+            </a:r>
+            <a:r>
+              <a:rPr kumimoji="1" lang="en-US" altLang="en-US" b="1" dirty="0"/>
+              <a:t>is speciﬁc </a:t>
+            </a:r>
+            <a:r>
+              <a:rPr kumimoji="1" lang="en-US" altLang="en-US" dirty="0"/>
+              <a:t>to the </a:t>
+            </a:r>
+            <a:r>
+              <a:rPr kumimoji="1" lang="en-US" altLang="en-US" b="1" dirty="0"/>
+              <a:t>task T </a:t>
+            </a:r>
+            <a:r>
+              <a:rPr kumimoji="1" lang="en-US" altLang="en-US" dirty="0"/>
+              <a:t>being carried out by the system</a:t>
+            </a:r>
+          </a:p>
+        </p:txBody>
+      </p:sp>
+    </p:spTree>
+    <p:extLst>
+      <p:ext uri="{BB962C8B-B14F-4D97-AF65-F5344CB8AC3E}">
+        <p14:creationId xmlns:p14="http://schemas.microsoft.com/office/powerpoint/2010/main" val="404140599"/>
       </p:ext>
     </p:extLst>
   </p:cSld>

--- a/DeepLearningStudy/5-1. Machine Learning Basics, 230210, 정지운.pptx
+++ b/DeepLearningStudy/5-1. Machine Learning Basics, 230210, 정지운.pptx
@@ -5,7 +5,7 @@
     <p:sldMasterId id="2147483653" r:id="rId1"/>
   </p:sldMasterIdLst>
   <p:notesMasterIdLst>
-    <p:notesMasterId r:id="rId12"/>
+    <p:notesMasterId r:id="rId13"/>
   </p:notesMasterIdLst>
   <p:sldIdLst>
     <p:sldId id="257" r:id="rId2"/>
@@ -17,7 +17,8 @@
     <p:sldId id="284" r:id="rId8"/>
     <p:sldId id="285" r:id="rId9"/>
     <p:sldId id="281" r:id="rId10"/>
-    <p:sldId id="282" r:id="rId11"/>
+    <p:sldId id="286" r:id="rId11"/>
+    <p:sldId id="282" r:id="rId12"/>
   </p:sldIdLst>
   <p:sldSz cx="12192000" cy="6858000"/>
   <p:notesSz cx="6858000" cy="9144000"/>
@@ -206,7 +207,7 @@
           <a:p>
             <a:fld id="{10D429B4-BF05-4CB4-B0D2-67A8610105B3}" type="datetimeFigureOut">
               <a:rPr lang="ko-KR" altLang="en-US" smtClean="0"/>
-              <a:t>2023-02-06</a:t>
+              <a:t>2023-02-08</a:t>
             </a:fld>
             <a:endParaRPr lang="ko-KR" altLang="en-US"/>
           </a:p>
@@ -772,91 +773,27 @@
           <a:lstStyle/>
           <a:p>
             <a:r>
-              <a:rPr lang="ko-KR" altLang="en-US" dirty="0" err="1"/>
-              <a:t>머신러닝</a:t>
-            </a:r>
-            <a:r>
-              <a:rPr lang="ko-KR" altLang="en-US" dirty="0"/>
-              <a:t> 알고리즘은 데이터로부터 무엇인가를 학습하는 능력을 가진 알고리즘임</a:t>
+              <a:rPr lang="ko-KR" altLang="en-US" dirty="0"/>
+              <a:t>여기서 과제 </a:t>
             </a:r>
             <a:r>
               <a:rPr lang="en-US" altLang="ko-KR" dirty="0"/>
-              <a:t>.</a:t>
-            </a:r>
-          </a:p>
-          <a:p>
-            <a:r>
-              <a:rPr lang="ko-KR" altLang="en-US" dirty="0"/>
-              <a:t>여기서 학습이란</a:t>
+              <a:t>T</a:t>
+            </a:r>
+            <a:r>
+              <a:rPr lang="ko-KR" altLang="en-US" dirty="0"/>
+              <a:t>에 대해 말해보자면</a:t>
             </a:r>
             <a:r>
               <a:rPr lang="en-US" altLang="ko-KR" dirty="0"/>
-              <a:t>,</a:t>
-            </a:r>
-          </a:p>
-          <a:p>
-            <a:r>
-              <a:rPr lang="en-US" altLang="ko-KR" dirty="0"/>
-              <a:t>“</a:t>
-            </a:r>
-            <a:r>
-              <a:rPr lang="ko-KR" altLang="en-US" dirty="0"/>
-              <a:t>과제</a:t>
-            </a:r>
-            <a:r>
-              <a:rPr lang="en-US" altLang="ko-KR" dirty="0"/>
-              <a:t>, </a:t>
-            </a:r>
-            <a:r>
-              <a:rPr lang="ko-KR" altLang="en-US" dirty="0"/>
-              <a:t>성과</a:t>
-            </a:r>
-            <a:r>
-              <a:rPr lang="en-US" altLang="ko-KR" dirty="0"/>
-              <a:t>, </a:t>
-            </a:r>
-            <a:r>
-              <a:rPr lang="ko-KR" altLang="en-US" dirty="0"/>
-              <a:t>경험이라는 </a:t>
-            </a:r>
-            <a:r>
-              <a:rPr lang="en-US" altLang="ko-KR" dirty="0"/>
-              <a:t>3</a:t>
-            </a:r>
-            <a:r>
-              <a:rPr lang="ko-KR" altLang="en-US" dirty="0"/>
-              <a:t>가지 개념이 존재하고</a:t>
-            </a:r>
-            <a:r>
-              <a:rPr lang="en-US" altLang="ko-KR" dirty="0"/>
-              <a:t>, </a:t>
-            </a:r>
-            <a:r>
-              <a:rPr lang="ko-KR" altLang="en-US" dirty="0"/>
-              <a:t>어떠한 과제가 경험에 의해 성과가 개선되었다고 했을 때</a:t>
-            </a:r>
-            <a:r>
-              <a:rPr lang="en-US" altLang="ko-KR" dirty="0"/>
-              <a:t>. </a:t>
-            </a:r>
-            <a:r>
-              <a:rPr lang="ko-KR" altLang="en-US" dirty="0"/>
-              <a:t>이 컴퓨터 프로그램은 </a:t>
-            </a:r>
-            <a:r>
-              <a:rPr lang="ko-KR" altLang="en-US" dirty="0" err="1"/>
-              <a:t>경험으로부터</a:t>
-            </a:r>
-            <a:r>
-              <a:rPr lang="ko-KR" altLang="en-US" dirty="0"/>
-              <a:t> 학습한다고 한다</a:t>
-            </a:r>
-            <a:r>
-              <a:rPr lang="en-US" altLang="ko-KR" dirty="0"/>
-              <a:t>.”</a:t>
-            </a:r>
-          </a:p>
-          <a:p>
+              <a:t>,,</a:t>
+            </a:r>
+          </a:p>
+          <a:p>
+            <a:r>
+              <a:rPr lang="ko-KR" altLang="en-US" dirty="0"/>
+              <a:t>분류 문제가 있고</a:t>
+            </a:r>
             <a:endParaRPr lang="en-US" altLang="ko-KR" dirty="0"/>
           </a:p>
         </p:txBody>
@@ -942,22 +879,8 @@
           <a:lstStyle/>
           <a:p>
             <a:r>
-              <a:rPr lang="ko-KR" altLang="en-US" dirty="0" err="1"/>
-              <a:t>머신러닝</a:t>
-            </a:r>
-            <a:r>
-              <a:rPr lang="ko-KR" altLang="en-US" dirty="0"/>
-              <a:t> 알고리즘은 데이터로부터 무엇인가를 학습하는 능력을 가진 알고리즘임</a:t>
-            </a:r>
-            <a:r>
-              <a:rPr lang="en-US" altLang="ko-KR" dirty="0"/>
-              <a:t>.</a:t>
-            </a:r>
-          </a:p>
-          <a:p>
-            <a:r>
-              <a:rPr lang="ko-KR" altLang="en-US" dirty="0"/>
-              <a:t>여기서 학습이란</a:t>
+              <a:rPr lang="ko-KR" altLang="en-US" dirty="0"/>
+              <a:t>회귀 문제</a:t>
             </a:r>
             <a:r>
               <a:rPr lang="en-US" altLang="ko-KR" dirty="0"/>
@@ -966,67 +889,35 @@
           </a:p>
           <a:p>
             <a:r>
+              <a:rPr lang="ko-KR" altLang="en-US" dirty="0"/>
+              <a:t>전사 문제 </a:t>
+            </a:r>
+            <a:r>
               <a:rPr lang="en-US" altLang="ko-KR" dirty="0"/>
-              <a:t>“</a:t>
-            </a:r>
-            <a:r>
-              <a:rPr lang="ko-KR" altLang="en-US" dirty="0"/>
-              <a:t>과제</a:t>
+              <a:t>(</a:t>
+            </a:r>
+            <a:r>
+              <a:rPr lang="ko-KR" altLang="en-US" dirty="0"/>
+              <a:t>옮겨 쓰기</a:t>
             </a:r>
             <a:r>
               <a:rPr lang="en-US" altLang="ko-KR" dirty="0"/>
-              <a:t>, </a:t>
-            </a:r>
-            <a:r>
-              <a:rPr lang="ko-KR" altLang="en-US" dirty="0"/>
-              <a:t>성과</a:t>
+              <a:t>) : OCR </a:t>
+            </a:r>
+            <a:r>
+              <a:rPr lang="ko-KR" altLang="en-US" dirty="0"/>
+              <a:t>등</a:t>
             </a:r>
             <a:r>
               <a:rPr lang="en-US" altLang="ko-KR" dirty="0"/>
-              <a:t>, </a:t>
-            </a:r>
-            <a:r>
-              <a:rPr lang="ko-KR" altLang="en-US" dirty="0"/>
-              <a:t>경험이라는 </a:t>
-            </a:r>
-            <a:r>
-              <a:rPr lang="en-US" altLang="ko-KR" dirty="0"/>
-              <a:t>3</a:t>
-            </a:r>
-            <a:r>
-              <a:rPr lang="ko-KR" altLang="en-US" dirty="0"/>
-              <a:t>가지 개념이 존재하고</a:t>
-            </a:r>
-            <a:r>
-              <a:rPr lang="en-US" altLang="ko-KR" dirty="0"/>
-              <a:t>, </a:t>
-            </a:r>
-            <a:r>
-              <a:rPr lang="ko-KR" altLang="en-US" dirty="0"/>
-              <a:t>어떠한 과제가 경험에 의해 성과가 개선되었다고 했을 때</a:t>
-            </a:r>
-            <a:r>
-              <a:rPr lang="en-US" altLang="ko-KR" dirty="0"/>
-              <a:t>. </a:t>
-            </a:r>
-            <a:r>
-              <a:rPr lang="ko-KR" altLang="en-US" dirty="0"/>
-              <a:t>이 컴퓨터 프로그램은 </a:t>
-            </a:r>
-            <a:r>
-              <a:rPr lang="ko-KR" altLang="en-US" dirty="0" err="1"/>
-              <a:t>경험으로부터</a:t>
-            </a:r>
-            <a:r>
-              <a:rPr lang="ko-KR" altLang="en-US" dirty="0"/>
-              <a:t> 학습한다고 한다</a:t>
-            </a:r>
-            <a:r>
-              <a:rPr lang="en-US" altLang="ko-KR" dirty="0"/>
-              <a:t>.”</a:t>
-            </a:r>
-          </a:p>
-          <a:p>
+              <a:t>..</a:t>
+            </a:r>
+          </a:p>
+          <a:p>
+            <a:r>
+              <a:rPr lang="ko-KR" altLang="en-US" dirty="0"/>
+              <a:t>번역</a:t>
+            </a:r>
             <a:endParaRPr lang="en-US" altLang="ko-KR" dirty="0"/>
           </a:p>
         </p:txBody>
@@ -1112,12 +1003,42 @@
           <a:lstStyle/>
           <a:p>
             <a:r>
-              <a:rPr lang="ko-KR" altLang="en-US" dirty="0" err="1"/>
-              <a:t>머신러닝</a:t>
-            </a:r>
-            <a:r>
-              <a:rPr lang="ko-KR" altLang="en-US" dirty="0"/>
-              <a:t> 알고리즘은 데이터로부터 무엇인가를 학습하는 능력을 가진 알고리즘임</a:t>
+              <a:rPr lang="ko-KR" altLang="en-US" dirty="0"/>
+              <a:t>구조적 번역 </a:t>
+            </a:r>
+            <a:r>
+              <a:rPr lang="en-US" altLang="ko-KR" dirty="0"/>
+              <a:t>=&gt; </a:t>
+            </a:r>
+            <a:r>
+              <a:rPr lang="ko-KR" altLang="en-US" dirty="0"/>
+              <a:t>구문분석</a:t>
+            </a:r>
+            <a:r>
+              <a:rPr lang="en-US" altLang="ko-KR" dirty="0"/>
+              <a:t>, </a:t>
+            </a:r>
+            <a:r>
+              <a:rPr lang="ko-KR" altLang="en-US" dirty="0"/>
+              <a:t>이미지</a:t>
+            </a:r>
+            <a:r>
+              <a:rPr lang="en-US" altLang="ko-KR" dirty="0"/>
+              <a:t> to title</a:t>
+            </a:r>
+            <a:r>
+              <a:rPr lang="ko-KR" altLang="en-US" dirty="0"/>
+              <a:t> 등</a:t>
+            </a:r>
+            <a:r>
+              <a:rPr lang="en-US" altLang="ko-KR" dirty="0"/>
+              <a:t>..</a:t>
+            </a:r>
+          </a:p>
+          <a:p>
+            <a:r>
+              <a:rPr lang="ko-KR" altLang="en-US" dirty="0"/>
+              <a:t>이상치 탐지</a:t>
             </a:r>
             <a:r>
               <a:rPr lang="en-US" altLang="ko-KR" dirty="0"/>
@@ -1127,76 +1048,8 @@
           <a:p>
             <a:r>
               <a:rPr lang="ko-KR" altLang="en-US" dirty="0"/>
-              <a:t>여기서 학습이란</a:t>
-            </a:r>
-            <a:r>
-              <a:rPr lang="en-US" altLang="ko-KR" dirty="0"/>
-              <a:t>,</a:t>
-            </a:r>
-          </a:p>
-          <a:p>
-            <a:r>
-              <a:rPr lang="en-US" altLang="ko-KR" dirty="0"/>
-              <a:t>“</a:t>
-            </a:r>
-            <a:r>
-              <a:rPr lang="ko-KR" altLang="en-US" dirty="0"/>
-              <a:t>과제</a:t>
-            </a:r>
-            <a:r>
-              <a:rPr lang="en-US" altLang="ko-KR" dirty="0"/>
-              <a:t>, </a:t>
-            </a:r>
-            <a:r>
-              <a:rPr lang="ko-KR" altLang="en-US" dirty="0"/>
-              <a:t>성과</a:t>
-            </a:r>
-            <a:r>
-              <a:rPr lang="en-US" altLang="ko-KR" dirty="0"/>
-              <a:t>, </a:t>
-            </a:r>
-            <a:r>
-              <a:rPr lang="ko-KR" altLang="en-US" dirty="0"/>
-              <a:t>경험이라는 </a:t>
-            </a:r>
-            <a:r>
-              <a:rPr lang="en-US" altLang="ko-KR" dirty="0"/>
-              <a:t>3</a:t>
-            </a:r>
-            <a:r>
-              <a:rPr lang="ko-KR" altLang="en-US" dirty="0"/>
-              <a:t>가지 개념이 존재하고</a:t>
-            </a:r>
-            <a:r>
-              <a:rPr lang="en-US" altLang="ko-KR" dirty="0"/>
-              <a:t>, </a:t>
-            </a:r>
-            <a:r>
-              <a:rPr lang="ko-KR" altLang="en-US" dirty="0"/>
-              <a:t>어떠한 과제가 경험에 의해 성과가 개선되었다고 했을 때</a:t>
-            </a:r>
-            <a:r>
-              <a:rPr lang="en-US" altLang="ko-KR" dirty="0"/>
-              <a:t>. </a:t>
-            </a:r>
-            <a:r>
-              <a:rPr lang="ko-KR" altLang="en-US" dirty="0"/>
-              <a:t>이 컴퓨터 프로그램은 </a:t>
-            </a:r>
-            <a:r>
-              <a:rPr lang="ko-KR" altLang="en-US" dirty="0" err="1"/>
-              <a:t>경험으로부터</a:t>
-            </a:r>
-            <a:r>
-              <a:rPr lang="ko-KR" altLang="en-US" dirty="0"/>
-              <a:t> 학습한다고 한다</a:t>
-            </a:r>
-            <a:r>
-              <a:rPr lang="en-US" altLang="ko-KR" dirty="0"/>
-              <a:t>.”</a:t>
-            </a:r>
-          </a:p>
-          <a:p>
+              <a:t>합성과 표본 추출</a:t>
+            </a:r>
             <a:endParaRPr lang="en-US" altLang="ko-KR" dirty="0"/>
           </a:p>
         </p:txBody>
@@ -1283,91 +1136,37 @@
           <a:p>
             <a:r>
               <a:rPr lang="ko-KR" altLang="en-US" dirty="0" err="1"/>
-              <a:t>머신러닝</a:t>
-            </a:r>
-            <a:r>
-              <a:rPr lang="ko-KR" altLang="en-US" dirty="0"/>
-              <a:t> 알고리즘은 데이터로부터 무엇인가를 학습하는 능력을 가진 알고리즘임</a:t>
+              <a:t>결측값</a:t>
+            </a:r>
+            <a:r>
+              <a:rPr lang="ko-KR" altLang="en-US" dirty="0"/>
+              <a:t> 대체</a:t>
+            </a:r>
+            <a:endParaRPr lang="en-US" altLang="ko-KR" dirty="0"/>
+          </a:p>
+          <a:p>
+            <a:r>
+              <a:rPr lang="ko-KR" altLang="en-US" dirty="0"/>
+              <a:t>잡음 제거</a:t>
+            </a:r>
+            <a:endParaRPr lang="en-US" altLang="ko-KR" dirty="0"/>
+          </a:p>
+          <a:p>
+            <a:r>
+              <a:rPr lang="ko-KR" altLang="en-US" dirty="0"/>
+              <a:t>밀도추정</a:t>
+            </a:r>
+            <a:endParaRPr lang="en-US" altLang="ko-KR" dirty="0"/>
+          </a:p>
+          <a:p>
+            <a:r>
+              <a:rPr lang="ko-KR" altLang="en-US" dirty="0"/>
+              <a:t>등에 대한 태스크가 있음</a:t>
             </a:r>
             <a:r>
               <a:rPr lang="en-US" altLang="ko-KR" dirty="0"/>
               <a:t>.</a:t>
             </a:r>
-          </a:p>
-          <a:p>
-            <a:r>
-              <a:rPr lang="ko-KR" altLang="en-US" dirty="0"/>
-              <a:t>여기서 학습이란</a:t>
-            </a:r>
-            <a:r>
-              <a:rPr lang="en-US" altLang="ko-KR" dirty="0"/>
-              <a:t>,</a:t>
-            </a:r>
-          </a:p>
-          <a:p>
-            <a:r>
-              <a:rPr lang="en-US" altLang="ko-KR" dirty="0"/>
-              <a:t>“</a:t>
-            </a:r>
-            <a:r>
-              <a:rPr lang="ko-KR" altLang="en-US" dirty="0"/>
-              <a:t>과제</a:t>
-            </a:r>
-            <a:r>
-              <a:rPr lang="en-US" altLang="ko-KR" dirty="0"/>
-              <a:t>, </a:t>
-            </a:r>
-            <a:r>
-              <a:rPr lang="ko-KR" altLang="en-US" dirty="0"/>
-              <a:t>성과</a:t>
-            </a:r>
-            <a:r>
-              <a:rPr lang="en-US" altLang="ko-KR" dirty="0"/>
-              <a:t>, </a:t>
-            </a:r>
-            <a:r>
-              <a:rPr lang="ko-KR" altLang="en-US" dirty="0"/>
-              <a:t>경험이라는 </a:t>
-            </a:r>
-            <a:r>
-              <a:rPr lang="en-US" altLang="ko-KR" dirty="0"/>
-              <a:t>3</a:t>
-            </a:r>
-            <a:r>
-              <a:rPr lang="ko-KR" altLang="en-US" dirty="0"/>
-              <a:t>가지 개념이 존재하고</a:t>
-            </a:r>
-            <a:r>
-              <a:rPr lang="en-US" altLang="ko-KR" dirty="0"/>
-              <a:t>, </a:t>
-            </a:r>
-            <a:r>
-              <a:rPr lang="ko-KR" altLang="en-US" dirty="0"/>
-              <a:t>어떠한 과제가 경험에 의해 성과가 개선되었다고 했을 때</a:t>
-            </a:r>
-            <a:r>
-              <a:rPr lang="en-US" altLang="ko-KR" dirty="0"/>
-              <a:t>. </a:t>
-            </a:r>
-            <a:r>
-              <a:rPr lang="ko-KR" altLang="en-US" dirty="0"/>
-              <a:t>이 컴퓨터 프로그램은 </a:t>
-            </a:r>
-            <a:r>
-              <a:rPr lang="ko-KR" altLang="en-US" dirty="0" err="1"/>
-              <a:t>경험으로부터</a:t>
-            </a:r>
-            <a:r>
-              <a:rPr lang="ko-KR" altLang="en-US" dirty="0"/>
-              <a:t> 학습한다고 한다</a:t>
-            </a:r>
-            <a:r>
-              <a:rPr lang="en-US" altLang="ko-KR" dirty="0"/>
-              <a:t>.”</a:t>
-            </a:r>
-          </a:p>
-          <a:p>
-            <a:endParaRPr lang="en-US" altLang="ko-KR" dirty="0"/>
           </a:p>
         </p:txBody>
       </p:sp>
@@ -1476,10 +1275,129 @@
               <a:t>에 따라 다를 수 있다</a:t>
             </a:r>
             <a:r>
-              <a:rPr lang="en-US" altLang="ko-KR"/>
+              <a:rPr lang="en-US" altLang="ko-KR" dirty="0"/>
               <a:t>.</a:t>
             </a:r>
+          </a:p>
+          <a:p>
             <a:endParaRPr lang="en-US" altLang="ko-KR" dirty="0"/>
+          </a:p>
+          <a:p>
+            <a:r>
+              <a:rPr lang="ko-KR" altLang="en-US" dirty="0"/>
+              <a:t>분류문제</a:t>
+            </a:r>
+            <a:r>
+              <a:rPr lang="en-US" altLang="ko-KR" dirty="0"/>
+              <a:t>, </a:t>
+            </a:r>
+            <a:r>
+              <a:rPr lang="ko-KR" altLang="en-US" dirty="0"/>
+              <a:t>전사</a:t>
+            </a:r>
+            <a:r>
+              <a:rPr lang="en-US" altLang="ko-KR" dirty="0"/>
+              <a:t>(OCR) </a:t>
+            </a:r>
+            <a:r>
+              <a:rPr lang="ko-KR" altLang="en-US" dirty="0"/>
+              <a:t>같은 문제는 정확도 또는 오류율을 사용한다</a:t>
+            </a:r>
+            <a:r>
+              <a:rPr lang="en-US" altLang="ko-KR" dirty="0"/>
+              <a:t>.</a:t>
+            </a:r>
+          </a:p>
+          <a:p>
+            <a:endParaRPr lang="en-US" altLang="ko-KR" dirty="0"/>
+          </a:p>
+          <a:p>
+            <a:r>
+              <a:rPr lang="ko-KR" altLang="en-US" dirty="0" err="1"/>
+              <a:t>밀도추정같은</a:t>
+            </a:r>
+            <a:r>
+              <a:rPr lang="ko-KR" altLang="en-US" dirty="0"/>
+              <a:t> 문제에서는 평균 로그 확률</a:t>
+            </a:r>
+            <a:endParaRPr lang="en-US" altLang="ko-KR" dirty="0"/>
+          </a:p>
+          <a:p>
+            <a:endParaRPr lang="en-US" altLang="ko-KR" dirty="0"/>
+          </a:p>
+          <a:p>
+            <a:r>
+              <a:rPr lang="ko-KR" altLang="en-US" dirty="0"/>
+              <a:t>성과 척도 가중치도 생각해야함</a:t>
+            </a:r>
+            <a:r>
+              <a:rPr lang="en-US" altLang="ko-KR" dirty="0"/>
+              <a:t>,</a:t>
+            </a:r>
+          </a:p>
+          <a:p>
+            <a:r>
+              <a:rPr lang="ko-KR" altLang="en-US" dirty="0" err="1"/>
+              <a:t>예를들어</a:t>
+            </a:r>
+            <a:r>
+              <a:rPr lang="ko-KR" altLang="en-US" dirty="0"/>
+              <a:t> 회귀 문제에서</a:t>
+            </a:r>
+            <a:r>
+              <a:rPr lang="en-US" altLang="ko-KR" dirty="0"/>
+              <a:t>… </a:t>
+            </a:r>
+            <a:r>
+              <a:rPr lang="ko-KR" altLang="en-US" dirty="0"/>
+              <a:t>중간 정도의 </a:t>
+            </a:r>
+            <a:r>
+              <a:rPr lang="en-US" altLang="ko-KR" dirty="0"/>
+              <a:t>loss</a:t>
+            </a:r>
+            <a:r>
+              <a:rPr lang="ko-KR" altLang="en-US" dirty="0"/>
+              <a:t>에 대해 더 가중치를 부여할 수 있고</a:t>
+            </a:r>
+            <a:r>
+              <a:rPr lang="en-US" altLang="ko-KR" dirty="0"/>
+              <a:t>, </a:t>
+            </a:r>
+            <a:r>
+              <a:rPr lang="ko-KR" altLang="en-US" dirty="0"/>
+              <a:t>큰 크기의 </a:t>
+            </a:r>
+            <a:r>
+              <a:rPr lang="en-US" altLang="ko-KR" dirty="0"/>
+              <a:t>loss</a:t>
+            </a:r>
+            <a:r>
+              <a:rPr lang="ko-KR" altLang="en-US" dirty="0"/>
+              <a:t>에 더 큰 가중치를 부여할 수 있다</a:t>
+            </a:r>
+            <a:r>
+              <a:rPr lang="en-US" altLang="ko-KR" dirty="0"/>
+              <a:t>.</a:t>
+            </a:r>
+          </a:p>
+          <a:p>
+            <a:r>
+              <a:rPr lang="ko-KR" altLang="en-US" dirty="0"/>
+              <a:t>즉</a:t>
+            </a:r>
+            <a:r>
+              <a:rPr lang="en-US" altLang="ko-KR" dirty="0"/>
+              <a:t>, </a:t>
+            </a:r>
+            <a:r>
+              <a:rPr lang="ko-KR" altLang="en-US" dirty="0"/>
+              <a:t>이는 모델의 설계상 고려사항으로 작용한다</a:t>
+            </a:r>
+            <a:r>
+              <a:rPr lang="en-US" altLang="ko-KR" dirty="0"/>
+              <a:t>.</a:t>
+            </a:r>
           </a:p>
         </p:txBody>
       </p:sp>
@@ -1564,12 +1482,24 @@
           <a:lstStyle/>
           <a:p>
             <a:r>
-              <a:rPr lang="ko-KR" altLang="en-US" dirty="0" err="1"/>
-              <a:t>머신러닝</a:t>
-            </a:r>
-            <a:r>
-              <a:rPr lang="ko-KR" altLang="en-US" dirty="0"/>
-              <a:t> 알고리즘은 데이터로부터 무엇인가를 학습하는 능력을 가진 알고리즘임</a:t>
+              <a:rPr lang="ko-KR" altLang="en-US" dirty="0"/>
+              <a:t>성과척도에 관해서</a:t>
+            </a:r>
+            <a:r>
+              <a:rPr lang="en-US" altLang="ko-KR" dirty="0"/>
+              <a:t>, </a:t>
+            </a:r>
+            <a:r>
+              <a:rPr lang="ko-KR" altLang="en-US" dirty="0"/>
+              <a:t>그 측도를 별 어려움 없이 객관적으로 선택할 수도 있지만</a:t>
+            </a:r>
+            <a:r>
+              <a:rPr lang="en-US" altLang="ko-KR" dirty="0"/>
+              <a:t>, </a:t>
+            </a:r>
+            <a:r>
+              <a:rPr lang="ko-KR" altLang="en-US" dirty="0"/>
+              <a:t>시스템에 따라 선택이 어려울 수도 있다</a:t>
             </a:r>
             <a:r>
               <a:rPr lang="en-US" altLang="ko-KR" dirty="0"/>
@@ -1577,9 +1507,12 @@
             </a:r>
           </a:p>
           <a:p>
-            <a:r>
-              <a:rPr lang="ko-KR" altLang="en-US" dirty="0"/>
-              <a:t>여기서 학습이란</a:t>
+            <a:endParaRPr lang="en-US" altLang="ko-KR" dirty="0"/>
+          </a:p>
+          <a:p>
+            <a:r>
+              <a:rPr lang="ko-KR" altLang="en-US" dirty="0"/>
+              <a:t>성과 척도 가중치도 생각해야함</a:t>
             </a:r>
             <a:r>
               <a:rPr lang="en-US" altLang="ko-KR" dirty="0"/>
@@ -1588,12 +1521,28 @@
           </a:p>
           <a:p>
             <a:r>
+              <a:rPr lang="ko-KR" altLang="en-US" dirty="0" err="1"/>
+              <a:t>예를들어</a:t>
+            </a:r>
+            <a:r>
+              <a:rPr lang="ko-KR" altLang="en-US" dirty="0"/>
+              <a:t> 회귀 문제에서</a:t>
+            </a:r>
+            <a:r>
               <a:rPr lang="en-US" altLang="ko-KR" dirty="0"/>
-              <a:t>“</a:t>
-            </a:r>
-            <a:r>
-              <a:rPr lang="ko-KR" altLang="en-US" dirty="0"/>
-              <a:t>과제</a:t>
+              <a:t>… </a:t>
+            </a:r>
+            <a:r>
+              <a:rPr lang="ko-KR" altLang="en-US" dirty="0"/>
+              <a:t>중간 정도의 </a:t>
+            </a:r>
+            <a:r>
+              <a:rPr lang="en-US" altLang="ko-KR" dirty="0"/>
+              <a:t>loss</a:t>
+            </a:r>
+            <a:r>
+              <a:rPr lang="ko-KR" altLang="en-US" dirty="0"/>
+              <a:t>에 대해 더 가중치를 부여할 수 있고</a:t>
             </a:r>
             <a:r>
               <a:rPr lang="en-US" altLang="ko-KR" dirty="0"/>
@@ -1601,7 +1550,25 @@
             </a:r>
             <a:r>
               <a:rPr lang="ko-KR" altLang="en-US" dirty="0"/>
-              <a:t>성과</a:t>
+              <a:t>큰 크기의 </a:t>
+            </a:r>
+            <a:r>
+              <a:rPr lang="en-US" altLang="ko-KR" dirty="0"/>
+              <a:t>loss</a:t>
+            </a:r>
+            <a:r>
+              <a:rPr lang="ko-KR" altLang="en-US" dirty="0"/>
+              <a:t>에 더 큰 가중치를 부여할 수 있다</a:t>
+            </a:r>
+            <a:r>
+              <a:rPr lang="en-US" altLang="ko-KR" dirty="0"/>
+              <a:t>.</a:t>
+            </a:r>
+          </a:p>
+          <a:p>
+            <a:r>
+              <a:rPr lang="ko-KR" altLang="en-US" dirty="0"/>
+              <a:t>즉</a:t>
             </a:r>
             <a:r>
               <a:rPr lang="en-US" altLang="ko-KR" dirty="0"/>
@@ -1609,47 +1576,12 @@
             </a:r>
             <a:r>
               <a:rPr lang="ko-KR" altLang="en-US" dirty="0"/>
-              <a:t>경험이라는 </a:t>
+              <a:t>이는 모델의 설계상 고려사항으로 작용한다</a:t>
             </a:r>
             <a:r>
               <a:rPr lang="en-US" altLang="ko-KR" dirty="0"/>
-              <a:t>3</a:t>
-            </a:r>
-            <a:r>
-              <a:rPr lang="ko-KR" altLang="en-US" dirty="0"/>
-              <a:t>가지 개념이 존재하고</a:t>
-            </a:r>
-            <a:r>
-              <a:rPr lang="en-US" altLang="ko-KR" dirty="0"/>
-              <a:t>, </a:t>
-            </a:r>
-            <a:r>
-              <a:rPr lang="ko-KR" altLang="en-US" dirty="0"/>
-              <a:t>어떠한 과제가 경험에 의해 성과가 개선되었다고 했을 때</a:t>
-            </a:r>
-            <a:r>
-              <a:rPr lang="en-US" altLang="ko-KR" dirty="0"/>
-              <a:t>. </a:t>
-            </a:r>
-            <a:r>
-              <a:rPr lang="ko-KR" altLang="en-US" dirty="0"/>
-              <a:t>이 컴퓨터 프로그램은 </a:t>
-            </a:r>
-            <a:r>
-              <a:rPr lang="ko-KR" altLang="en-US" dirty="0" err="1"/>
-              <a:t>경험으로부터</a:t>
-            </a:r>
-            <a:r>
-              <a:rPr lang="ko-KR" altLang="en-US" dirty="0"/>
-              <a:t> 학습한다고 한다</a:t>
-            </a:r>
-            <a:r>
-              <a:rPr lang="en-US" altLang="ko-KR" dirty="0"/>
-              <a:t>.”</a:t>
-            </a:r>
-          </a:p>
-          <a:p>
-            <a:endParaRPr lang="en-US" altLang="ko-KR" dirty="0"/>
+              <a:t>.</a:t>
+            </a:r>
           </a:p>
         </p:txBody>
       </p:sp>
@@ -1671,6 +1603,110 @@
             <a:fld id="{DA275FA2-6C42-4D6B-BC32-C1F878E1B2E0}" type="slidenum">
               <a:rPr lang="ko-KR" altLang="en-US" smtClean="0"/>
               <a:t>10</a:t>
+            </a:fld>
+            <a:endParaRPr lang="ko-KR" altLang="en-US"/>
+          </a:p>
+        </p:txBody>
+      </p:sp>
+    </p:spTree>
+    <p:extLst>
+      <p:ext uri="{BB962C8B-B14F-4D97-AF65-F5344CB8AC3E}">
+        <p14:creationId xmlns:p14="http://schemas.microsoft.com/office/powerpoint/2010/main" val="1641542438"/>
+      </p:ext>
+    </p:extLst>
+  </p:cSld>
+  <p:clrMapOvr>
+    <a:masterClrMapping/>
+  </p:clrMapOvr>
+</p:notes>
+</file>
+
+<file path=ppt/notesSlides/notesSlide9.xml><?xml version="1.0" encoding="utf-8"?>
+<p:notes xmlns:a="http://schemas.openxmlformats.org/drawingml/2006/main" xmlns:r="http://schemas.openxmlformats.org/officeDocument/2006/relationships" xmlns:p="http://schemas.openxmlformats.org/presentationml/2006/main">
+  <p:cSld>
+    <p:spTree>
+      <p:nvGrpSpPr>
+        <p:cNvPr id="1" name=""/>
+        <p:cNvGrpSpPr/>
+        <p:nvPr/>
+      </p:nvGrpSpPr>
+      <p:grpSpPr>
+        <a:xfrm>
+          <a:off x="0" y="0"/>
+          <a:ext cx="0" cy="0"/>
+          <a:chOff x="0" y="0"/>
+          <a:chExt cx="0" cy="0"/>
+        </a:xfrm>
+      </p:grpSpPr>
+      <p:sp>
+        <p:nvSpPr>
+          <p:cNvPr id="2" name="슬라이드 이미지 개체 틀 1"/>
+          <p:cNvSpPr>
+            <a:spLocks noGrp="1" noRot="1" noChangeAspect="1"/>
+          </p:cNvSpPr>
+          <p:nvPr>
+            <p:ph type="sldImg"/>
+          </p:nvPr>
+        </p:nvSpPr>
+        <p:spPr/>
+      </p:sp>
+      <p:sp>
+        <p:nvSpPr>
+          <p:cNvPr id="3" name="슬라이드 노트 개체 틀 2"/>
+          <p:cNvSpPr>
+            <a:spLocks noGrp="1"/>
+          </p:cNvSpPr>
+          <p:nvPr>
+            <p:ph type="body" idx="1"/>
+          </p:nvPr>
+        </p:nvSpPr>
+        <p:spPr/>
+        <p:txBody>
+          <a:bodyPr/>
+          <a:lstStyle/>
+          <a:p>
+            <a:r>
+              <a:rPr lang="ko-KR" altLang="en-US" dirty="0" err="1"/>
+              <a:t>머신러닝의</a:t>
+            </a:r>
+            <a:r>
+              <a:rPr lang="ko-KR" altLang="en-US" dirty="0"/>
+              <a:t> 경험 종류에 따라 비지도 학습</a:t>
+            </a:r>
+            <a:r>
+              <a:rPr lang="en-US" altLang="ko-KR" dirty="0"/>
+              <a:t>, </a:t>
+            </a:r>
+            <a:r>
+              <a:rPr lang="ko-KR" altLang="en-US" dirty="0"/>
+              <a:t>지도 학습으로 나눌 수 있다</a:t>
+            </a:r>
+            <a:r>
+              <a:rPr lang="en-US" altLang="ko-KR"/>
+              <a:t>.</a:t>
+            </a:r>
+            <a:endParaRPr lang="en-US" altLang="ko-KR" dirty="0"/>
+          </a:p>
+        </p:txBody>
+      </p:sp>
+      <p:sp>
+        <p:nvSpPr>
+          <p:cNvPr id="4" name="슬라이드 번호 개체 틀 3"/>
+          <p:cNvSpPr>
+            <a:spLocks noGrp="1"/>
+          </p:cNvSpPr>
+          <p:nvPr>
+            <p:ph type="sldNum" sz="quarter" idx="5"/>
+          </p:nvPr>
+        </p:nvSpPr>
+        <p:spPr/>
+        <p:txBody>
+          <a:bodyPr/>
+          <a:lstStyle/>
+          <a:p>
+            <a:fld id="{DA275FA2-6C42-4D6B-BC32-C1F878E1B2E0}" type="slidenum">
+              <a:rPr lang="ko-KR" altLang="en-US" smtClean="0"/>
+              <a:t>11</a:t>
             </a:fld>
             <a:endParaRPr lang="ko-KR" altLang="en-US"/>
           </a:p>
@@ -2531,7 +2567,7 @@
           <a:p>
             <a:fld id="{7E5AEA8A-4A3A-3A4A-AF89-A7FE62BAFD7C}" type="datetimeFigureOut">
               <a:rPr kumimoji="1" lang="ko-Kore-KR" altLang="en-US" smtClean="0"/>
-              <a:t>02/06/2023</a:t>
+              <a:t>02/08/2023</a:t>
             </a:fld>
             <a:endParaRPr kumimoji="1" lang="ko-Kore-KR" altLang="en-US"/>
           </a:p>
@@ -3088,7 +3124,7 @@
           <a:p>
             <a:r>
               <a:rPr kumimoji="1" lang="en-US" altLang="en-US" dirty="0"/>
-              <a:t>5.1.3 The Experience, E</a:t>
+              <a:t>5.1.2 The Performance Measure, P</a:t>
             </a:r>
             <a:endParaRPr kumimoji="1" lang="ko-Kore-KR" altLang="en-US" dirty="0"/>
           </a:p>
@@ -3122,52 +3158,125 @@
           <a:p>
             <a:r>
               <a:rPr kumimoji="1" lang="en-US" altLang="en-US" dirty="0"/>
-              <a:t>A machine learning algorithm is an algorithm that is able to learn from data</a:t>
+              <a:t>The choice of performance measure may seem straightforward and objective, but it is often </a:t>
+            </a:r>
+            <a:r>
+              <a:rPr kumimoji="1" lang="en-US" altLang="en-US" b="1" dirty="0"/>
+              <a:t>diﬃcult to choose a performance measure that corresponds well to the desired behavior of the system</a:t>
             </a:r>
           </a:p>
           <a:p>
             <a:r>
               <a:rPr kumimoji="1" lang="en-US" altLang="en-US" dirty="0"/>
-              <a:t>What is </a:t>
+              <a:t>When performing a regression task, should we penalize the system more if it frequently makes medium-sized mistakes or if it rarely makes very large mistakes? These kinds of design choices depend on the application</a:t>
+            </a:r>
+          </a:p>
+        </p:txBody>
+      </p:sp>
+    </p:spTree>
+    <p:extLst>
+      <p:ext uri="{BB962C8B-B14F-4D97-AF65-F5344CB8AC3E}">
+        <p14:creationId xmlns:p14="http://schemas.microsoft.com/office/powerpoint/2010/main" val="1747255946"/>
+      </p:ext>
+    </p:extLst>
+  </p:cSld>
+  <p:clrMapOvr>
+    <a:masterClrMapping/>
+  </p:clrMapOvr>
+</p:sld>
+</file>
+
+<file path=ppt/slides/slide11.xml><?xml version="1.0" encoding="utf-8"?>
+<p:sld xmlns:a="http://schemas.openxmlformats.org/drawingml/2006/main" xmlns:r="http://schemas.openxmlformats.org/officeDocument/2006/relationships" xmlns:p="http://schemas.openxmlformats.org/presentationml/2006/main">
+  <p:cSld>
+    <p:spTree>
+      <p:nvGrpSpPr>
+        <p:cNvPr id="1" name=""/>
+        <p:cNvGrpSpPr/>
+        <p:nvPr/>
+      </p:nvGrpSpPr>
+      <p:grpSpPr>
+        <a:xfrm>
+          <a:off x="0" y="0"/>
+          <a:ext cx="0" cy="0"/>
+          <a:chOff x="0" y="0"/>
+          <a:chExt cx="0" cy="0"/>
+        </a:xfrm>
+      </p:grpSpPr>
+      <p:sp>
+        <p:nvSpPr>
+          <p:cNvPr id="2" name="제목 1">
+            <a:extLst>
+              <a:ext uri="{FF2B5EF4-FFF2-40B4-BE49-F238E27FC236}">
+                <a16:creationId xmlns:a16="http://schemas.microsoft.com/office/drawing/2014/main" id="{AA92BCFB-E11B-F940-A787-2261CAC8E814}"/>
+              </a:ext>
+            </a:extLst>
+          </p:cNvPr>
+          <p:cNvSpPr>
+            <a:spLocks noGrp="1"/>
+          </p:cNvSpPr>
+          <p:nvPr>
+            <p:ph type="title"/>
+          </p:nvPr>
+        </p:nvSpPr>
+        <p:spPr/>
+        <p:txBody>
+          <a:bodyPr/>
+          <a:lstStyle/>
+          <a:p>
+            <a:r>
+              <a:rPr kumimoji="1" lang="en-US" altLang="en-US" dirty="0"/>
+              <a:t>5.1.3 The Experience, E</a:t>
+            </a:r>
+            <a:endParaRPr kumimoji="1" lang="ko-Kore-KR" altLang="en-US" dirty="0"/>
+          </a:p>
+        </p:txBody>
+      </p:sp>
+      <p:sp>
+        <p:nvSpPr>
+          <p:cNvPr id="3" name="내용 개체 틀 2">
+            <a:extLst>
+              <a:ext uri="{FF2B5EF4-FFF2-40B4-BE49-F238E27FC236}">
+                <a16:creationId xmlns:a16="http://schemas.microsoft.com/office/drawing/2014/main" id="{1725D5B2-2C6C-3B43-B4F2-CA91BE12BB41}"/>
+              </a:ext>
+            </a:extLst>
+          </p:cNvPr>
+          <p:cNvSpPr>
+            <a:spLocks noGrp="1"/>
+          </p:cNvSpPr>
+          <p:nvPr>
+            <p:ph idx="1"/>
+          </p:nvPr>
+        </p:nvSpPr>
+        <p:spPr>
+          <a:xfrm>
+            <a:off x="838200" y="1721803"/>
+            <a:ext cx="10927080" cy="4351338"/>
+          </a:xfrm>
+        </p:spPr>
+        <p:txBody>
+          <a:bodyPr/>
+          <a:lstStyle/>
+          <a:p>
+            <a:r>
+              <a:rPr kumimoji="1" lang="en-US" altLang="en-US" dirty="0"/>
+              <a:t>Machine learning algorithms can be broadly categorized as </a:t>
             </a:r>
             <a:r>
               <a:rPr kumimoji="1" lang="en-US" altLang="en-US" b="1" dirty="0"/>
-              <a:t>Learning</a:t>
+              <a:t>unsupervised</a:t>
             </a:r>
             <a:r>
               <a:rPr kumimoji="1" lang="en-US" altLang="en-US" dirty="0"/>
-              <a:t>?</a:t>
-            </a:r>
-          </a:p>
-          <a:p>
-            <a:pPr lvl="1"/>
+              <a:t> or </a:t>
+            </a:r>
+            <a:r>
+              <a:rPr kumimoji="1" lang="en-US" altLang="en-US" b="1" dirty="0"/>
+              <a:t>supervised</a:t>
+            </a:r>
             <a:r>
               <a:rPr kumimoji="1" lang="en-US" altLang="en-US" dirty="0"/>
-              <a:t>A computer program is said to learn from </a:t>
-            </a:r>
-            <a:r>
-              <a:rPr kumimoji="1" lang="en-US" altLang="en-US" b="1" dirty="0"/>
-              <a:t>experience E</a:t>
-            </a:r>
-            <a:r>
-              <a:rPr kumimoji="1" lang="en-US" altLang="en-US" dirty="0"/>
-              <a:t> with respect to some class of </a:t>
-            </a:r>
-            <a:r>
-              <a:rPr kumimoji="1" lang="en-US" altLang="en-US" b="1" dirty="0"/>
-              <a:t>tasks T</a:t>
-            </a:r>
-            <a:r>
-              <a:rPr kumimoji="1" lang="en-US" altLang="en-US" dirty="0"/>
-              <a:t> and </a:t>
-            </a:r>
-            <a:r>
-              <a:rPr kumimoji="1" lang="en-US" altLang="en-US" b="1" dirty="0"/>
-              <a:t>performance measure P</a:t>
-            </a:r>
-            <a:r>
-              <a:rPr kumimoji="1" lang="en-US" altLang="en-US" dirty="0"/>
-              <a:t>, if its performance at tasks in T, as measured by P, improves with experience E.</a:t>
+              <a:t> by what kind of experience they are allowed to have during the learning process.</a:t>
             </a:r>
           </a:p>
         </p:txBody>
@@ -3763,6 +3872,130 @@
           </a:p>
         </p:txBody>
       </p:sp>
+      <p:pic>
+        <p:nvPicPr>
+          <p:cNvPr id="1026" name="Picture 2">
+            <a:extLst>
+              <a:ext uri="{FF2B5EF4-FFF2-40B4-BE49-F238E27FC236}">
+                <a16:creationId xmlns:a16="http://schemas.microsoft.com/office/drawing/2014/main" id="{EDBDA3ED-7AFD-667B-CEE9-7827EA24EC99}"/>
+              </a:ext>
+            </a:extLst>
+          </p:cNvPr>
+          <p:cNvPicPr>
+            <a:picLocks noChangeAspect="1" noChangeArrowheads="1"/>
+          </p:cNvPicPr>
+          <p:nvPr/>
+        </p:nvPicPr>
+        <p:blipFill>
+          <a:blip r:embed="rId3">
+            <a:extLst>
+              <a:ext uri="{28A0092B-C50C-407E-A947-70E740481C1C}">
+                <a14:useLocalDpi xmlns:a14="http://schemas.microsoft.com/office/drawing/2010/main" val="0"/>
+              </a:ext>
+            </a:extLst>
+          </a:blip>
+          <a:srcRect/>
+          <a:stretch>
+            <a:fillRect/>
+          </a:stretch>
+        </p:blipFill>
+        <p:spPr bwMode="auto">
+          <a:xfrm>
+            <a:off x="6725920" y="784859"/>
+            <a:ext cx="2857500" cy="2352675"/>
+          </a:xfrm>
+          <a:prstGeom prst="rect">
+            <a:avLst/>
+          </a:prstGeom>
+          <a:noFill/>
+          <a:extLst>
+            <a:ext uri="{909E8E84-426E-40DD-AFC4-6F175D3DCCD1}">
+              <a14:hiddenFill xmlns:a14="http://schemas.microsoft.com/office/drawing/2010/main">
+                <a:solidFill>
+                  <a:srgbClr val="FFFFFF"/>
+                </a:solidFill>
+              </a14:hiddenFill>
+            </a:ext>
+          </a:extLst>
+        </p:spPr>
+      </p:pic>
+      <p:pic>
+        <p:nvPicPr>
+          <p:cNvPr id="1028" name="Picture 4" descr="네이버 클라우드 플랫폼 OCR">
+            <a:extLst>
+              <a:ext uri="{FF2B5EF4-FFF2-40B4-BE49-F238E27FC236}">
+                <a16:creationId xmlns:a16="http://schemas.microsoft.com/office/drawing/2014/main" id="{A612327C-EFE1-E265-D9EA-D0EA63AB4ADC}"/>
+              </a:ext>
+            </a:extLst>
+          </p:cNvPr>
+          <p:cNvPicPr>
+            <a:picLocks noChangeAspect="1" noChangeArrowheads="1"/>
+          </p:cNvPicPr>
+          <p:nvPr/>
+        </p:nvPicPr>
+        <p:blipFill>
+          <a:blip r:embed="rId4">
+            <a:extLst>
+              <a:ext uri="{28A0092B-C50C-407E-A947-70E740481C1C}">
+                <a14:useLocalDpi xmlns:a14="http://schemas.microsoft.com/office/drawing/2010/main" val="0"/>
+              </a:ext>
+            </a:extLst>
+          </a:blip>
+          <a:srcRect/>
+          <a:stretch>
+            <a:fillRect/>
+          </a:stretch>
+        </p:blipFill>
+        <p:spPr bwMode="auto">
+          <a:xfrm>
+            <a:off x="6096000" y="3602737"/>
+            <a:ext cx="4117340" cy="2470404"/>
+          </a:xfrm>
+          <a:prstGeom prst="rect">
+            <a:avLst/>
+          </a:prstGeom>
+          <a:noFill/>
+          <a:extLst>
+            <a:ext uri="{909E8E84-426E-40DD-AFC4-6F175D3DCCD1}">
+              <a14:hiddenFill xmlns:a14="http://schemas.microsoft.com/office/drawing/2010/main">
+                <a:solidFill>
+                  <a:srgbClr val="FFFFFF"/>
+                </a:solidFill>
+              </a14:hiddenFill>
+            </a:ext>
+          </a:extLst>
+        </p:spPr>
+      </p:pic>
+      <p:pic>
+        <p:nvPicPr>
+          <p:cNvPr id="5" name="그림 4">
+            <a:extLst>
+              <a:ext uri="{FF2B5EF4-FFF2-40B4-BE49-F238E27FC236}">
+                <a16:creationId xmlns:a16="http://schemas.microsoft.com/office/drawing/2014/main" id="{C541CBAB-F5D0-9CBD-CBCB-1C4EFF8DF0B0}"/>
+              </a:ext>
+            </a:extLst>
+          </p:cNvPr>
+          <p:cNvPicPr>
+            <a:picLocks noChangeAspect="1"/>
+          </p:cNvPicPr>
+          <p:nvPr/>
+        </p:nvPicPr>
+        <p:blipFill>
+          <a:blip r:embed="rId5"/>
+          <a:stretch>
+            <a:fillRect/>
+          </a:stretch>
+        </p:blipFill>
+        <p:spPr>
+          <a:xfrm>
+            <a:off x="1037519" y="4064866"/>
+            <a:ext cx="3839281" cy="1080928"/>
+          </a:xfrm>
+          <a:prstGeom prst="rect">
+            <a:avLst/>
+          </a:prstGeom>
+        </p:spPr>
+      </p:pic>
     </p:spTree>
     <p:extLst>
       <p:ext uri="{BB962C8B-B14F-4D97-AF65-F5344CB8AC3E}">
@@ -3870,6 +4103,36 @@
           </a:p>
         </p:txBody>
       </p:sp>
+      <p:pic>
+        <p:nvPicPr>
+          <p:cNvPr id="5" name="그림 4">
+            <a:extLst>
+              <a:ext uri="{FF2B5EF4-FFF2-40B4-BE49-F238E27FC236}">
+                <a16:creationId xmlns:a16="http://schemas.microsoft.com/office/drawing/2014/main" id="{2849ED63-D072-7076-B261-DA0D9F4F4B44}"/>
+              </a:ext>
+            </a:extLst>
+          </p:cNvPr>
+          <p:cNvPicPr>
+            <a:picLocks noChangeAspect="1"/>
+          </p:cNvPicPr>
+          <p:nvPr/>
+        </p:nvPicPr>
+        <p:blipFill>
+          <a:blip r:embed="rId3"/>
+          <a:stretch>
+            <a:fillRect/>
+          </a:stretch>
+        </p:blipFill>
+        <p:spPr>
+          <a:xfrm>
+            <a:off x="7521767" y="1211618"/>
+            <a:ext cx="3832033" cy="2311305"/>
+          </a:xfrm>
+          <a:prstGeom prst="rect">
+            <a:avLst/>
+          </a:prstGeom>
+        </p:spPr>
+      </p:pic>
     </p:spTree>
     <p:extLst>
       <p:ext uri="{BB962C8B-B14F-4D97-AF65-F5344CB8AC3E}">
@@ -4088,6 +4351,62 @@
             <a:r>
               <a:rPr kumimoji="1" lang="en-US" altLang="en-US" dirty="0"/>
               <a:t>being carried out by the system</a:t>
+            </a:r>
+          </a:p>
+          <a:p>
+            <a:r>
+              <a:rPr kumimoji="1" lang="en-US" altLang="en-US" dirty="0"/>
+              <a:t>For tasks such as </a:t>
+            </a:r>
+            <a:r>
+              <a:rPr kumimoji="1" lang="en-US" altLang="en-US" b="1" dirty="0"/>
+              <a:t>classiﬁcation</a:t>
+            </a:r>
+            <a:r>
+              <a:rPr kumimoji="1" lang="en-US" altLang="en-US" dirty="0"/>
+              <a:t>, </a:t>
+            </a:r>
+            <a:r>
+              <a:rPr kumimoji="1" lang="en-US" altLang="en-US" b="1" dirty="0"/>
+              <a:t>transcription </a:t>
+            </a:r>
+            <a:r>
+              <a:rPr kumimoji="1" lang="en-US" altLang="en-US" dirty="0"/>
+              <a:t>we often measure the </a:t>
+            </a:r>
+            <a:r>
+              <a:rPr kumimoji="1" lang="en-US" altLang="en-US" b="1" dirty="0"/>
+              <a:t>accuracy </a:t>
+            </a:r>
+            <a:r>
+              <a:rPr kumimoji="1" lang="en-US" altLang="ko-KR" b="1" dirty="0"/>
+              <a:t>or error rate </a:t>
+            </a:r>
+            <a:r>
+              <a:rPr kumimoji="1" lang="en-US" altLang="en-US" dirty="0"/>
+              <a:t>of the model.</a:t>
+            </a:r>
+          </a:p>
+          <a:p>
+            <a:r>
+              <a:rPr kumimoji="1" lang="en-US" altLang="en-US" dirty="0"/>
+              <a:t>The most common approach for </a:t>
+            </a:r>
+            <a:r>
+              <a:rPr kumimoji="1" lang="en-US" altLang="en-US" b="1" dirty="0"/>
+              <a:t>density estimation</a:t>
+            </a:r>
+            <a:r>
+              <a:rPr kumimoji="1" lang="en-US" altLang="en-US" dirty="0"/>
+              <a:t> is to report the </a:t>
+            </a:r>
+            <a:r>
+              <a:rPr kumimoji="1" lang="en-US" altLang="en-US" b="1" dirty="0"/>
+              <a:t>average log-probability </a:t>
+            </a:r>
+            <a:r>
+              <a:rPr kumimoji="1" lang="en-US" altLang="en-US" dirty="0"/>
+              <a:t>the model assigns to some examples</a:t>
             </a:r>
           </a:p>
         </p:txBody>

--- a/DeepLearningStudy/5-1. Machine Learning Basics, 230210, 정지운.pptx
+++ b/DeepLearningStudy/5-1. Machine Learning Basics, 230210, 정지운.pptx
@@ -5,7 +5,7 @@
     <p:sldMasterId id="2147483653" r:id="rId1"/>
   </p:sldMasterIdLst>
   <p:notesMasterIdLst>
-    <p:notesMasterId r:id="rId13"/>
+    <p:notesMasterId r:id="rId24"/>
   </p:notesMasterIdLst>
   <p:sldIdLst>
     <p:sldId id="257" r:id="rId2"/>
@@ -19,6 +19,17 @@
     <p:sldId id="281" r:id="rId10"/>
     <p:sldId id="286" r:id="rId11"/>
     <p:sldId id="282" r:id="rId12"/>
+    <p:sldId id="287" r:id="rId13"/>
+    <p:sldId id="288" r:id="rId14"/>
+    <p:sldId id="289" r:id="rId15"/>
+    <p:sldId id="290" r:id="rId16"/>
+    <p:sldId id="291" r:id="rId17"/>
+    <p:sldId id="292" r:id="rId18"/>
+    <p:sldId id="293" r:id="rId19"/>
+    <p:sldId id="294" r:id="rId20"/>
+    <p:sldId id="295" r:id="rId21"/>
+    <p:sldId id="297" r:id="rId22"/>
+    <p:sldId id="296" r:id="rId23"/>
   </p:sldIdLst>
   <p:sldSz cx="12192000" cy="6858000"/>
   <p:notesSz cx="6858000" cy="9144000"/>
@@ -558,6 +569,2190 @@
 </p:notes>
 </file>
 
+<file path=ppt/notesSlides/notesSlide10.xml><?xml version="1.0" encoding="utf-8"?>
+<p:notes xmlns:a="http://schemas.openxmlformats.org/drawingml/2006/main" xmlns:r="http://schemas.openxmlformats.org/officeDocument/2006/relationships" xmlns:p="http://schemas.openxmlformats.org/presentationml/2006/main">
+  <p:cSld>
+    <p:spTree>
+      <p:nvGrpSpPr>
+        <p:cNvPr id="1" name=""/>
+        <p:cNvGrpSpPr/>
+        <p:nvPr/>
+      </p:nvGrpSpPr>
+      <p:grpSpPr>
+        <a:xfrm>
+          <a:off x="0" y="0"/>
+          <a:ext cx="0" cy="0"/>
+          <a:chOff x="0" y="0"/>
+          <a:chExt cx="0" cy="0"/>
+        </a:xfrm>
+      </p:grpSpPr>
+      <p:sp>
+        <p:nvSpPr>
+          <p:cNvPr id="2" name="슬라이드 이미지 개체 틀 1"/>
+          <p:cNvSpPr>
+            <a:spLocks noGrp="1" noRot="1" noChangeAspect="1"/>
+          </p:cNvSpPr>
+          <p:nvPr>
+            <p:ph type="sldImg"/>
+          </p:nvPr>
+        </p:nvSpPr>
+        <p:spPr/>
+      </p:sp>
+      <p:sp>
+        <p:nvSpPr>
+          <p:cNvPr id="3" name="슬라이드 노트 개체 틀 2"/>
+          <p:cNvSpPr>
+            <a:spLocks noGrp="1"/>
+          </p:cNvSpPr>
+          <p:nvPr>
+            <p:ph type="body" idx="1"/>
+          </p:nvPr>
+        </p:nvSpPr>
+        <p:spPr/>
+        <p:txBody>
+          <a:bodyPr/>
+          <a:lstStyle/>
+          <a:p>
+            <a:r>
+              <a:rPr lang="ko-KR" altLang="en-US" dirty="0"/>
+              <a:t>비지도학습은 많은 특징을 가진 데이터셋에서 구조가 가진 유용한 속성을 학습한다</a:t>
+            </a:r>
+            <a:r>
+              <a:rPr lang="en-US" altLang="ko-KR" dirty="0"/>
+              <a:t>.</a:t>
+            </a:r>
+          </a:p>
+          <a:p>
+            <a:r>
+              <a:rPr lang="ko-KR" altLang="en-US" dirty="0" err="1"/>
+              <a:t>예를들면</a:t>
+            </a:r>
+            <a:r>
+              <a:rPr lang="en-US" altLang="ko-KR" dirty="0"/>
+              <a:t>..</a:t>
+            </a:r>
+          </a:p>
+          <a:p>
+            <a:r>
+              <a:rPr lang="ko-KR" altLang="en-US" dirty="0"/>
+              <a:t>데이터셋으로부터 확률 분포를 학습하는 일</a:t>
+            </a:r>
+            <a:r>
+              <a:rPr lang="en-US" altLang="ko-KR" dirty="0"/>
+              <a:t>.</a:t>
+            </a:r>
+          </a:p>
+          <a:p>
+            <a:r>
+              <a:rPr lang="ko-KR" altLang="en-US" dirty="0"/>
+              <a:t>비슷한 것들끼리 </a:t>
+            </a:r>
+            <a:r>
+              <a:rPr lang="ko-KR" altLang="en-US" dirty="0" err="1"/>
+              <a:t>군집화하는</a:t>
+            </a:r>
+            <a:r>
+              <a:rPr lang="ko-KR" altLang="en-US" dirty="0"/>
+              <a:t> 일</a:t>
+            </a:r>
+            <a:endParaRPr lang="en-US" altLang="ko-KR" dirty="0"/>
+          </a:p>
+        </p:txBody>
+      </p:sp>
+      <p:sp>
+        <p:nvSpPr>
+          <p:cNvPr id="4" name="슬라이드 번호 개체 틀 3"/>
+          <p:cNvSpPr>
+            <a:spLocks noGrp="1"/>
+          </p:cNvSpPr>
+          <p:nvPr>
+            <p:ph type="sldNum" sz="quarter" idx="5"/>
+          </p:nvPr>
+        </p:nvSpPr>
+        <p:spPr/>
+        <p:txBody>
+          <a:bodyPr/>
+          <a:lstStyle/>
+          <a:p>
+            <a:fld id="{DA275FA2-6C42-4D6B-BC32-C1F878E1B2E0}" type="slidenum">
+              <a:rPr lang="ko-KR" altLang="en-US" smtClean="0"/>
+              <a:t>12</a:t>
+            </a:fld>
+            <a:endParaRPr lang="ko-KR" altLang="en-US"/>
+          </a:p>
+        </p:txBody>
+      </p:sp>
+    </p:spTree>
+    <p:extLst>
+      <p:ext uri="{BB962C8B-B14F-4D97-AF65-F5344CB8AC3E}">
+        <p14:creationId xmlns:p14="http://schemas.microsoft.com/office/powerpoint/2010/main" val="1388082417"/>
+      </p:ext>
+    </p:extLst>
+  </p:cSld>
+  <p:clrMapOvr>
+    <a:masterClrMapping/>
+  </p:clrMapOvr>
+</p:notes>
+</file>
+
+<file path=ppt/notesSlides/notesSlide11.xml><?xml version="1.0" encoding="utf-8"?>
+<p:notes xmlns:a="http://schemas.openxmlformats.org/drawingml/2006/main" xmlns:r="http://schemas.openxmlformats.org/officeDocument/2006/relationships" xmlns:p="http://schemas.openxmlformats.org/presentationml/2006/main">
+  <p:cSld>
+    <p:spTree>
+      <p:nvGrpSpPr>
+        <p:cNvPr id="1" name=""/>
+        <p:cNvGrpSpPr/>
+        <p:nvPr/>
+      </p:nvGrpSpPr>
+      <p:grpSpPr>
+        <a:xfrm>
+          <a:off x="0" y="0"/>
+          <a:ext cx="0" cy="0"/>
+          <a:chOff x="0" y="0"/>
+          <a:chExt cx="0" cy="0"/>
+        </a:xfrm>
+      </p:grpSpPr>
+      <p:sp>
+        <p:nvSpPr>
+          <p:cNvPr id="2" name="슬라이드 이미지 개체 틀 1"/>
+          <p:cNvSpPr>
+            <a:spLocks noGrp="1" noRot="1" noChangeAspect="1"/>
+          </p:cNvSpPr>
+          <p:nvPr>
+            <p:ph type="sldImg"/>
+          </p:nvPr>
+        </p:nvSpPr>
+        <p:spPr/>
+      </p:sp>
+      <p:sp>
+        <p:nvSpPr>
+          <p:cNvPr id="3" name="슬라이드 노트 개체 틀 2"/>
+          <p:cNvSpPr>
+            <a:spLocks noGrp="1"/>
+          </p:cNvSpPr>
+          <p:nvPr>
+            <p:ph type="body" idx="1"/>
+          </p:nvPr>
+        </p:nvSpPr>
+        <p:spPr/>
+        <p:txBody>
+          <a:bodyPr/>
+          <a:lstStyle/>
+          <a:p>
+            <a:r>
+              <a:rPr lang="ko-KR" altLang="en-US" dirty="0"/>
+              <a:t>지도학습 역시 특징을 가진 데이터를 받지만</a:t>
+            </a:r>
+            <a:r>
+              <a:rPr lang="en-US" altLang="ko-KR" dirty="0"/>
+              <a:t>, </a:t>
+            </a:r>
+            <a:r>
+              <a:rPr lang="ko-KR" altLang="en-US" dirty="0"/>
+              <a:t>각 데이터는 레이블이 있음</a:t>
+            </a:r>
+            <a:r>
+              <a:rPr lang="en-US" altLang="ko-KR" dirty="0"/>
+              <a:t>.</a:t>
+            </a:r>
+          </a:p>
+          <a:p>
+            <a:endParaRPr lang="en-US" altLang="ko-KR" dirty="0"/>
+          </a:p>
+          <a:p>
+            <a:r>
+              <a:rPr lang="ko-KR" altLang="en-US" dirty="0" err="1"/>
+              <a:t>예륻</a:t>
+            </a:r>
+            <a:r>
+              <a:rPr lang="ko-KR" altLang="en-US" dirty="0"/>
+              <a:t> 들어 붓꽃 분류 문제가 있음</a:t>
+            </a:r>
+            <a:r>
+              <a:rPr lang="en-US" altLang="ko-KR" dirty="0"/>
+              <a:t>. </a:t>
+            </a:r>
+            <a:r>
+              <a:rPr lang="ko-KR" altLang="en-US" dirty="0"/>
+              <a:t>각 붓꽃 속 식물 종 이름이 있고 이를 학습함으로써 어떤 종의 붓꽃인지 분류하는 것임</a:t>
+            </a:r>
+            <a:r>
+              <a:rPr lang="en-US" altLang="ko-KR" dirty="0"/>
+              <a:t>..</a:t>
+            </a:r>
+          </a:p>
+        </p:txBody>
+      </p:sp>
+      <p:sp>
+        <p:nvSpPr>
+          <p:cNvPr id="4" name="슬라이드 번호 개체 틀 3"/>
+          <p:cNvSpPr>
+            <a:spLocks noGrp="1"/>
+          </p:cNvSpPr>
+          <p:nvPr>
+            <p:ph type="sldNum" sz="quarter" idx="5"/>
+          </p:nvPr>
+        </p:nvSpPr>
+        <p:spPr/>
+        <p:txBody>
+          <a:bodyPr/>
+          <a:lstStyle/>
+          <a:p>
+            <a:fld id="{DA275FA2-6C42-4D6B-BC32-C1F878E1B2E0}" type="slidenum">
+              <a:rPr lang="ko-KR" altLang="en-US" smtClean="0"/>
+              <a:t>13</a:t>
+            </a:fld>
+            <a:endParaRPr lang="ko-KR" altLang="en-US"/>
+          </a:p>
+        </p:txBody>
+      </p:sp>
+    </p:spTree>
+    <p:extLst>
+      <p:ext uri="{BB962C8B-B14F-4D97-AF65-F5344CB8AC3E}">
+        <p14:creationId xmlns:p14="http://schemas.microsoft.com/office/powerpoint/2010/main" val="2422981177"/>
+      </p:ext>
+    </p:extLst>
+  </p:cSld>
+  <p:clrMapOvr>
+    <a:masterClrMapping/>
+  </p:clrMapOvr>
+</p:notes>
+</file>
+
+<file path=ppt/notesSlides/notesSlide12.xml><?xml version="1.0" encoding="utf-8"?>
+<p:notes xmlns:a="http://schemas.openxmlformats.org/drawingml/2006/main" xmlns:r="http://schemas.openxmlformats.org/officeDocument/2006/relationships" xmlns:p="http://schemas.openxmlformats.org/presentationml/2006/main">
+  <p:cSld>
+    <p:spTree>
+      <p:nvGrpSpPr>
+        <p:cNvPr id="1" name=""/>
+        <p:cNvGrpSpPr/>
+        <p:nvPr/>
+      </p:nvGrpSpPr>
+      <p:grpSpPr>
+        <a:xfrm>
+          <a:off x="0" y="0"/>
+          <a:ext cx="0" cy="0"/>
+          <a:chOff x="0" y="0"/>
+          <a:chExt cx="0" cy="0"/>
+        </a:xfrm>
+      </p:grpSpPr>
+      <p:sp>
+        <p:nvSpPr>
+          <p:cNvPr id="2" name="슬라이드 이미지 개체 틀 1"/>
+          <p:cNvSpPr>
+            <a:spLocks noGrp="1" noRot="1" noChangeAspect="1"/>
+          </p:cNvSpPr>
+          <p:nvPr>
+            <p:ph type="sldImg"/>
+          </p:nvPr>
+        </p:nvSpPr>
+        <p:spPr/>
+      </p:sp>
+      <p:sp>
+        <p:nvSpPr>
+          <p:cNvPr id="3" name="슬라이드 노트 개체 틀 2"/>
+          <p:cNvSpPr>
+            <a:spLocks noGrp="1"/>
+          </p:cNvSpPr>
+          <p:nvPr>
+            <p:ph type="body" idx="1"/>
+          </p:nvPr>
+        </p:nvSpPr>
+        <p:spPr/>
+        <p:txBody>
+          <a:bodyPr/>
+          <a:lstStyle/>
+          <a:p>
+            <a:pPr algn="l">
+              <a:buFont typeface="Arial" panose="020B0604020202020204" pitchFamily="34" charset="0"/>
+              <a:buChar char="•"/>
+            </a:pPr>
+            <a:r>
+              <a:rPr lang="ko-KR" altLang="en-US" b="0" i="0" dirty="0">
+                <a:solidFill>
+                  <a:srgbClr val="666666"/>
+                </a:solidFill>
+                <a:effectLst/>
+                <a:latin typeface="Noto Sans KR"/>
+              </a:rPr>
+              <a:t>기계학습 모형을 훈련할 때 사용했던 입력이 아닌 새로운 입력에 대해서도 알고리즘이 잘 작동해야 한다는 점이 기계학습이 어려운 이유다</a:t>
+            </a:r>
+            <a:r>
+              <a:rPr lang="en-US" altLang="ko-KR" b="0" i="0" dirty="0">
+                <a:solidFill>
+                  <a:srgbClr val="666666"/>
+                </a:solidFill>
+                <a:effectLst/>
+                <a:latin typeface="Noto Sans KR"/>
+              </a:rPr>
+              <a:t>.  </a:t>
+            </a:r>
+          </a:p>
+          <a:p>
+            <a:pPr marL="742950" lvl="1" indent="-285750" algn="l">
+              <a:buFont typeface="Arial" panose="020B0604020202020204" pitchFamily="34" charset="0"/>
+              <a:buChar char="•"/>
+            </a:pPr>
+            <a:r>
+              <a:rPr lang="ko-KR" altLang="en-US" b="0" i="0" dirty="0">
+                <a:solidFill>
+                  <a:srgbClr val="666666"/>
+                </a:solidFill>
+                <a:effectLst/>
+                <a:latin typeface="Noto Sans KR"/>
+              </a:rPr>
+              <a:t>이전에 관측한 적이 없는 입력에 대해 잘 작동하는 능력을 일반화</a:t>
+            </a:r>
+            <a:r>
+              <a:rPr lang="en-US" altLang="ko-KR" b="0" i="0" dirty="0">
+                <a:solidFill>
+                  <a:srgbClr val="666666"/>
+                </a:solidFill>
+                <a:effectLst/>
+                <a:latin typeface="Noto Sans KR"/>
+              </a:rPr>
+              <a:t>(generalization)</a:t>
+            </a:r>
+            <a:r>
+              <a:rPr lang="ko-KR" altLang="en-US" b="0" i="0" dirty="0">
+                <a:solidFill>
+                  <a:srgbClr val="666666"/>
+                </a:solidFill>
+                <a:effectLst/>
+                <a:latin typeface="Noto Sans KR"/>
+              </a:rPr>
+              <a:t>라고 부른다</a:t>
+            </a:r>
+            <a:r>
+              <a:rPr lang="en-US" altLang="ko-KR" b="0" i="0" dirty="0">
+                <a:solidFill>
+                  <a:srgbClr val="666666"/>
+                </a:solidFill>
+                <a:effectLst/>
+                <a:latin typeface="Noto Sans KR"/>
+              </a:rPr>
+              <a:t>. </a:t>
+            </a:r>
+          </a:p>
+        </p:txBody>
+      </p:sp>
+      <p:sp>
+        <p:nvSpPr>
+          <p:cNvPr id="4" name="슬라이드 번호 개체 틀 3"/>
+          <p:cNvSpPr>
+            <a:spLocks noGrp="1"/>
+          </p:cNvSpPr>
+          <p:nvPr>
+            <p:ph type="sldNum" sz="quarter" idx="5"/>
+          </p:nvPr>
+        </p:nvSpPr>
+        <p:spPr/>
+        <p:txBody>
+          <a:bodyPr/>
+          <a:lstStyle/>
+          <a:p>
+            <a:fld id="{DA275FA2-6C42-4D6B-BC32-C1F878E1B2E0}" type="slidenum">
+              <a:rPr lang="ko-KR" altLang="en-US" smtClean="0"/>
+              <a:t>14</a:t>
+            </a:fld>
+            <a:endParaRPr lang="ko-KR" altLang="en-US"/>
+          </a:p>
+        </p:txBody>
+      </p:sp>
+    </p:spTree>
+    <p:extLst>
+      <p:ext uri="{BB962C8B-B14F-4D97-AF65-F5344CB8AC3E}">
+        <p14:creationId xmlns:p14="http://schemas.microsoft.com/office/powerpoint/2010/main" val="2236453631"/>
+      </p:ext>
+    </p:extLst>
+  </p:cSld>
+  <p:clrMapOvr>
+    <a:masterClrMapping/>
+  </p:clrMapOvr>
+</p:notes>
+</file>
+
+<file path=ppt/notesSlides/notesSlide13.xml><?xml version="1.0" encoding="utf-8"?>
+<p:notes xmlns:a="http://schemas.openxmlformats.org/drawingml/2006/main" xmlns:r="http://schemas.openxmlformats.org/officeDocument/2006/relationships" xmlns:p="http://schemas.openxmlformats.org/presentationml/2006/main">
+  <p:cSld>
+    <p:spTree>
+      <p:nvGrpSpPr>
+        <p:cNvPr id="1" name=""/>
+        <p:cNvGrpSpPr/>
+        <p:nvPr/>
+      </p:nvGrpSpPr>
+      <p:grpSpPr>
+        <a:xfrm>
+          <a:off x="0" y="0"/>
+          <a:ext cx="0" cy="0"/>
+          <a:chOff x="0" y="0"/>
+          <a:chExt cx="0" cy="0"/>
+        </a:xfrm>
+      </p:grpSpPr>
+      <p:sp>
+        <p:nvSpPr>
+          <p:cNvPr id="2" name="슬라이드 이미지 개체 틀 1"/>
+          <p:cNvSpPr>
+            <a:spLocks noGrp="1" noRot="1" noChangeAspect="1"/>
+          </p:cNvSpPr>
+          <p:nvPr>
+            <p:ph type="sldImg"/>
+          </p:nvPr>
+        </p:nvSpPr>
+        <p:spPr/>
+      </p:sp>
+      <p:sp>
+        <p:nvSpPr>
+          <p:cNvPr id="3" name="슬라이드 노트 개체 틀 2"/>
+          <p:cNvSpPr>
+            <a:spLocks noGrp="1"/>
+          </p:cNvSpPr>
+          <p:nvPr>
+            <p:ph type="body" idx="1"/>
+          </p:nvPr>
+        </p:nvSpPr>
+        <p:spPr/>
+        <p:txBody>
+          <a:bodyPr/>
+          <a:lstStyle/>
+          <a:p>
+            <a:pPr algn="l">
+              <a:buFont typeface="Arial" panose="020B0604020202020204" pitchFamily="34" charset="0"/>
+              <a:buChar char="•"/>
+            </a:pPr>
+            <a:r>
+              <a:rPr lang="ko-KR" altLang="en-US" b="0" i="0" dirty="0">
+                <a:solidFill>
+                  <a:srgbClr val="666666"/>
+                </a:solidFill>
+                <a:effectLst/>
+                <a:latin typeface="Noto Sans KR"/>
+              </a:rPr>
+              <a:t>기계학습 모형을 훈련할 때는 모형이 예측한 값과 훈련 집합에 있는 참값 사이의 오차를 측정할 수 있고</a:t>
+            </a:r>
+            <a:r>
+              <a:rPr lang="en-US" altLang="ko-KR" b="0" i="0" dirty="0">
+                <a:solidFill>
+                  <a:srgbClr val="666666"/>
+                </a:solidFill>
+                <a:effectLst/>
+                <a:latin typeface="Noto Sans KR"/>
+              </a:rPr>
+              <a:t>, </a:t>
+            </a:r>
+            <a:r>
+              <a:rPr lang="ko-KR" altLang="en-US" b="0" i="0" dirty="0">
+                <a:solidFill>
+                  <a:srgbClr val="666666"/>
+                </a:solidFill>
+                <a:effectLst/>
+                <a:latin typeface="Noto Sans KR"/>
+              </a:rPr>
+              <a:t>이를 훈련 오차</a:t>
+            </a:r>
+            <a:r>
+              <a:rPr lang="en-US" altLang="ko-KR" b="0" i="0" dirty="0">
+                <a:solidFill>
+                  <a:srgbClr val="666666"/>
+                </a:solidFill>
+                <a:effectLst/>
+                <a:latin typeface="Noto Sans KR"/>
+              </a:rPr>
+              <a:t>(training error)</a:t>
+            </a:r>
+            <a:r>
+              <a:rPr lang="ko-KR" altLang="en-US" b="0" i="0" dirty="0">
+                <a:solidFill>
+                  <a:srgbClr val="666666"/>
+                </a:solidFill>
+                <a:effectLst/>
+                <a:latin typeface="Noto Sans KR"/>
+              </a:rPr>
+              <a:t>라고 부른다</a:t>
+            </a:r>
+            <a:r>
+              <a:rPr lang="en-US" altLang="ko-KR" b="0" i="0" dirty="0">
+                <a:solidFill>
+                  <a:srgbClr val="666666"/>
+                </a:solidFill>
+                <a:effectLst/>
+                <a:latin typeface="Noto Sans KR"/>
+              </a:rPr>
+              <a:t>. </a:t>
+            </a:r>
+            <a:r>
+              <a:rPr lang="ko-KR" altLang="en-US" b="0" i="0" dirty="0">
+                <a:solidFill>
+                  <a:srgbClr val="666666"/>
+                </a:solidFill>
+                <a:effectLst/>
+                <a:latin typeface="Noto Sans KR"/>
+              </a:rPr>
+              <a:t>훈련 오차는 작을수록 좋다</a:t>
+            </a:r>
+            <a:r>
+              <a:rPr lang="en-US" altLang="ko-KR" b="0" i="0" dirty="0">
+                <a:solidFill>
+                  <a:srgbClr val="666666"/>
+                </a:solidFill>
+                <a:effectLst/>
+                <a:latin typeface="Noto Sans KR"/>
+              </a:rPr>
+              <a:t>. </a:t>
+            </a:r>
+          </a:p>
+          <a:p>
+            <a:pPr algn="l">
+              <a:buFont typeface="Arial" panose="020B0604020202020204" pitchFamily="34" charset="0"/>
+              <a:buChar char="•"/>
+            </a:pPr>
+            <a:r>
+              <a:rPr lang="ko-KR" altLang="en-US" b="0" i="0" dirty="0">
+                <a:solidFill>
+                  <a:srgbClr val="666666"/>
+                </a:solidFill>
+                <a:effectLst/>
+                <a:latin typeface="Noto Sans KR"/>
+              </a:rPr>
+              <a:t>기계학습이 최적화와 다른 점 하나는</a:t>
+            </a:r>
+            <a:r>
+              <a:rPr lang="en-US" altLang="ko-KR" b="0" i="0" dirty="0">
+                <a:solidFill>
+                  <a:srgbClr val="666666"/>
+                </a:solidFill>
+                <a:effectLst/>
+                <a:latin typeface="Noto Sans KR"/>
+              </a:rPr>
+              <a:t>, </a:t>
+            </a:r>
+            <a:r>
+              <a:rPr lang="ko-KR" altLang="en-US" b="0" i="0" dirty="0">
+                <a:solidFill>
+                  <a:srgbClr val="666666"/>
+                </a:solidFill>
+                <a:effectLst/>
+                <a:latin typeface="Noto Sans KR"/>
+              </a:rPr>
+              <a:t>훈련 </a:t>
+            </a:r>
+            <a:r>
+              <a:rPr lang="ko-KR" altLang="en-US" b="0" i="0" dirty="0" err="1">
+                <a:solidFill>
+                  <a:srgbClr val="666666"/>
+                </a:solidFill>
+                <a:effectLst/>
+                <a:latin typeface="Noto Sans KR"/>
+              </a:rPr>
+              <a:t>오차뿐만</a:t>
+            </a:r>
+            <a:r>
+              <a:rPr lang="ko-KR" altLang="en-US" b="0" i="0" dirty="0">
+                <a:solidFill>
+                  <a:srgbClr val="666666"/>
+                </a:solidFill>
+                <a:effectLst/>
+                <a:latin typeface="Noto Sans KR"/>
+              </a:rPr>
+              <a:t> 아니라 일반화 오차</a:t>
+            </a:r>
+            <a:r>
+              <a:rPr lang="en-US" altLang="ko-KR" b="0" i="0" dirty="0">
+                <a:solidFill>
+                  <a:srgbClr val="666666"/>
+                </a:solidFill>
+                <a:effectLst/>
+                <a:latin typeface="Noto Sans KR"/>
+              </a:rPr>
+              <a:t>(generalization error)</a:t>
+            </a:r>
+            <a:r>
+              <a:rPr lang="ko-KR" altLang="en-US" b="0" i="0" dirty="0">
+                <a:solidFill>
+                  <a:srgbClr val="666666"/>
+                </a:solidFill>
+                <a:effectLst/>
+                <a:latin typeface="Noto Sans KR"/>
+              </a:rPr>
+              <a:t>도 줄여야 한다는 것이다</a:t>
+            </a:r>
+            <a:r>
+              <a:rPr lang="en-US" altLang="ko-KR" b="0" i="0" dirty="0">
+                <a:solidFill>
+                  <a:srgbClr val="666666"/>
+                </a:solidFill>
+                <a:effectLst/>
+                <a:latin typeface="Noto Sans KR"/>
+              </a:rPr>
+              <a:t>.</a:t>
+            </a:r>
+          </a:p>
+        </p:txBody>
+      </p:sp>
+      <p:sp>
+        <p:nvSpPr>
+          <p:cNvPr id="4" name="슬라이드 번호 개체 틀 3"/>
+          <p:cNvSpPr>
+            <a:spLocks noGrp="1"/>
+          </p:cNvSpPr>
+          <p:nvPr>
+            <p:ph type="sldNum" sz="quarter" idx="5"/>
+          </p:nvPr>
+        </p:nvSpPr>
+        <p:spPr/>
+        <p:txBody>
+          <a:bodyPr/>
+          <a:lstStyle/>
+          <a:p>
+            <a:fld id="{DA275FA2-6C42-4D6B-BC32-C1F878E1B2E0}" type="slidenum">
+              <a:rPr lang="ko-KR" altLang="en-US" smtClean="0"/>
+              <a:t>15</a:t>
+            </a:fld>
+            <a:endParaRPr lang="ko-KR" altLang="en-US"/>
+          </a:p>
+        </p:txBody>
+      </p:sp>
+    </p:spTree>
+    <p:extLst>
+      <p:ext uri="{BB962C8B-B14F-4D97-AF65-F5344CB8AC3E}">
+        <p14:creationId xmlns:p14="http://schemas.microsoft.com/office/powerpoint/2010/main" val="2060235395"/>
+      </p:ext>
+    </p:extLst>
+  </p:cSld>
+  <p:clrMapOvr>
+    <a:masterClrMapping/>
+  </p:clrMapOvr>
+</p:notes>
+</file>
+
+<file path=ppt/notesSlides/notesSlide14.xml><?xml version="1.0" encoding="utf-8"?>
+<p:notes xmlns:a="http://schemas.openxmlformats.org/drawingml/2006/main" xmlns:r="http://schemas.openxmlformats.org/officeDocument/2006/relationships" xmlns:p="http://schemas.openxmlformats.org/presentationml/2006/main">
+  <p:cSld>
+    <p:spTree>
+      <p:nvGrpSpPr>
+        <p:cNvPr id="1" name=""/>
+        <p:cNvGrpSpPr/>
+        <p:nvPr/>
+      </p:nvGrpSpPr>
+      <p:grpSpPr>
+        <a:xfrm>
+          <a:off x="0" y="0"/>
+          <a:ext cx="0" cy="0"/>
+          <a:chOff x="0" y="0"/>
+          <a:chExt cx="0" cy="0"/>
+        </a:xfrm>
+      </p:grpSpPr>
+      <p:sp>
+        <p:nvSpPr>
+          <p:cNvPr id="2" name="슬라이드 이미지 개체 틀 1"/>
+          <p:cNvSpPr>
+            <a:spLocks noGrp="1" noRot="1" noChangeAspect="1"/>
+          </p:cNvSpPr>
+          <p:nvPr>
+            <p:ph type="sldImg"/>
+          </p:nvPr>
+        </p:nvSpPr>
+        <p:spPr/>
+      </p:sp>
+      <p:sp>
+        <p:nvSpPr>
+          <p:cNvPr id="3" name="슬라이드 노트 개체 틀 2"/>
+          <p:cNvSpPr>
+            <a:spLocks noGrp="1"/>
+          </p:cNvSpPr>
+          <p:nvPr>
+            <p:ph type="body" idx="1"/>
+          </p:nvPr>
+        </p:nvSpPr>
+        <p:spPr/>
+        <p:txBody>
+          <a:bodyPr/>
+          <a:lstStyle/>
+          <a:p>
+            <a:pPr algn="l">
+              <a:buFont typeface="Arial" panose="020B0604020202020204" pitchFamily="34" charset="0"/>
+              <a:buChar char="•"/>
+            </a:pPr>
+            <a:r>
+              <a:rPr lang="ko-KR" altLang="en-US" b="0" i="0" dirty="0">
+                <a:solidFill>
+                  <a:srgbClr val="666666"/>
+                </a:solidFill>
+                <a:effectLst/>
+                <a:latin typeface="Noto Sans KR"/>
+              </a:rPr>
+              <a:t>기계학습 알고리즘의 성과는 알고리즘의 다음과 같은 두 가지 능력으로 결정된다</a:t>
+            </a:r>
+            <a:r>
+              <a:rPr lang="en-US" altLang="ko-KR" b="0" i="0" dirty="0">
+                <a:solidFill>
+                  <a:srgbClr val="666666"/>
+                </a:solidFill>
+                <a:effectLst/>
+                <a:latin typeface="Noto Sans KR"/>
+              </a:rPr>
+              <a:t>. </a:t>
+            </a:r>
+          </a:p>
+          <a:p>
+            <a:pPr marL="742950" lvl="1" indent="-285750" algn="l">
+              <a:buFont typeface="Arial" panose="020B0604020202020204" pitchFamily="34" charset="0"/>
+              <a:buChar char="•"/>
+            </a:pPr>
+            <a:r>
+              <a:rPr lang="en-US" altLang="ko-KR" b="0" i="0" dirty="0">
+                <a:solidFill>
+                  <a:srgbClr val="666666"/>
+                </a:solidFill>
+                <a:effectLst/>
+                <a:latin typeface="Noto Sans KR"/>
+              </a:rPr>
+              <a:t>1) </a:t>
+            </a:r>
+            <a:r>
+              <a:rPr lang="ko-KR" altLang="en-US" b="0" i="0" dirty="0">
+                <a:solidFill>
+                  <a:srgbClr val="666666"/>
+                </a:solidFill>
+                <a:effectLst/>
+                <a:latin typeface="Noto Sans KR"/>
+              </a:rPr>
+              <a:t>훈련 오차를 작게 만드는 능력</a:t>
+            </a:r>
+            <a:r>
+              <a:rPr lang="en-US" altLang="ko-KR" b="0" i="0" dirty="0">
+                <a:solidFill>
+                  <a:srgbClr val="666666"/>
+                </a:solidFill>
+                <a:effectLst/>
+                <a:latin typeface="Noto Sans KR"/>
+              </a:rPr>
+              <a:t>, 2) </a:t>
+            </a:r>
+            <a:r>
+              <a:rPr lang="ko-KR" altLang="en-US" b="0" i="0" dirty="0">
+                <a:solidFill>
+                  <a:srgbClr val="666666"/>
+                </a:solidFill>
+                <a:effectLst/>
+                <a:latin typeface="Noto Sans KR"/>
+              </a:rPr>
+              <a:t>훈련 오차와 시험 오차의 차이를 작게 만드는 능력</a:t>
+            </a:r>
+          </a:p>
+        </p:txBody>
+      </p:sp>
+      <p:sp>
+        <p:nvSpPr>
+          <p:cNvPr id="4" name="슬라이드 번호 개체 틀 3"/>
+          <p:cNvSpPr>
+            <a:spLocks noGrp="1"/>
+          </p:cNvSpPr>
+          <p:nvPr>
+            <p:ph type="sldNum" sz="quarter" idx="5"/>
+          </p:nvPr>
+        </p:nvSpPr>
+        <p:spPr/>
+        <p:txBody>
+          <a:bodyPr/>
+          <a:lstStyle/>
+          <a:p>
+            <a:fld id="{DA275FA2-6C42-4D6B-BC32-C1F878E1B2E0}" type="slidenum">
+              <a:rPr lang="ko-KR" altLang="en-US" smtClean="0"/>
+              <a:t>16</a:t>
+            </a:fld>
+            <a:endParaRPr lang="ko-KR" altLang="en-US"/>
+          </a:p>
+        </p:txBody>
+      </p:sp>
+    </p:spTree>
+    <p:extLst>
+      <p:ext uri="{BB962C8B-B14F-4D97-AF65-F5344CB8AC3E}">
+        <p14:creationId xmlns:p14="http://schemas.microsoft.com/office/powerpoint/2010/main" val="3481263207"/>
+      </p:ext>
+    </p:extLst>
+  </p:cSld>
+  <p:clrMapOvr>
+    <a:masterClrMapping/>
+  </p:clrMapOvr>
+</p:notes>
+</file>
+
+<file path=ppt/notesSlides/notesSlide15.xml><?xml version="1.0" encoding="utf-8"?>
+<p:notes xmlns:a="http://schemas.openxmlformats.org/drawingml/2006/main" xmlns:r="http://schemas.openxmlformats.org/officeDocument/2006/relationships" xmlns:p="http://schemas.openxmlformats.org/presentationml/2006/main">
+  <p:cSld>
+    <p:spTree>
+      <p:nvGrpSpPr>
+        <p:cNvPr id="1" name=""/>
+        <p:cNvGrpSpPr/>
+        <p:nvPr/>
+      </p:nvGrpSpPr>
+      <p:grpSpPr>
+        <a:xfrm>
+          <a:off x="0" y="0"/>
+          <a:ext cx="0" cy="0"/>
+          <a:chOff x="0" y="0"/>
+          <a:chExt cx="0" cy="0"/>
+        </a:xfrm>
+      </p:grpSpPr>
+      <p:sp>
+        <p:nvSpPr>
+          <p:cNvPr id="2" name="슬라이드 이미지 개체 틀 1"/>
+          <p:cNvSpPr>
+            <a:spLocks noGrp="1" noRot="1" noChangeAspect="1"/>
+          </p:cNvSpPr>
+          <p:nvPr>
+            <p:ph type="sldImg"/>
+          </p:nvPr>
+        </p:nvSpPr>
+        <p:spPr/>
+      </p:sp>
+      <p:sp>
+        <p:nvSpPr>
+          <p:cNvPr id="3" name="슬라이드 노트 개체 틀 2"/>
+          <p:cNvSpPr>
+            <a:spLocks noGrp="1"/>
+          </p:cNvSpPr>
+          <p:nvPr>
+            <p:ph type="body" idx="1"/>
+          </p:nvPr>
+        </p:nvSpPr>
+        <p:spPr/>
+        <p:txBody>
+          <a:bodyPr/>
+          <a:lstStyle/>
+          <a:p>
+            <a:pPr algn="l">
+              <a:buFont typeface="Arial" panose="020B0604020202020204" pitchFamily="34" charset="0"/>
+              <a:buChar char="•"/>
+            </a:pPr>
+            <a:r>
+              <a:rPr lang="ko-KR" altLang="en-US" b="0" i="0" dirty="0">
+                <a:solidFill>
+                  <a:srgbClr val="666666"/>
+                </a:solidFill>
+                <a:effectLst/>
+                <a:latin typeface="Noto Sans KR"/>
+              </a:rPr>
+              <a:t>이 두 요인은 각각 기계 학습의 두 가지 주요 장애물에 대응된다</a:t>
+            </a:r>
+            <a:r>
+              <a:rPr lang="en-US" altLang="ko-KR" b="0" i="0" dirty="0">
+                <a:solidFill>
+                  <a:srgbClr val="666666"/>
+                </a:solidFill>
+                <a:effectLst/>
+                <a:latin typeface="Noto Sans KR"/>
+              </a:rPr>
+              <a:t>. </a:t>
+            </a:r>
+          </a:p>
+          <a:p>
+            <a:pPr marL="742950" lvl="1" indent="-285750" algn="l">
+              <a:buFont typeface="Arial" panose="020B0604020202020204" pitchFamily="34" charset="0"/>
+              <a:buChar char="•"/>
+            </a:pPr>
+            <a:r>
+              <a:rPr lang="en-US" altLang="ko-KR" b="0" i="0" dirty="0">
+                <a:solidFill>
+                  <a:srgbClr val="666666"/>
+                </a:solidFill>
+                <a:effectLst/>
+                <a:latin typeface="Noto Sans KR"/>
+              </a:rPr>
+              <a:t>1) </a:t>
+            </a:r>
+            <a:r>
+              <a:rPr lang="ko-KR" altLang="en-US" b="0" i="0" dirty="0">
+                <a:solidFill>
+                  <a:srgbClr val="666666"/>
+                </a:solidFill>
+                <a:effectLst/>
+                <a:latin typeface="Noto Sans KR"/>
+              </a:rPr>
+              <a:t>과소적합</a:t>
+            </a:r>
+            <a:r>
+              <a:rPr lang="en-US" altLang="ko-KR" b="0" i="0" dirty="0">
+                <a:solidFill>
+                  <a:srgbClr val="666666"/>
+                </a:solidFill>
+                <a:effectLst/>
+                <a:latin typeface="Noto Sans KR"/>
+              </a:rPr>
+              <a:t>(underfitting), 2) </a:t>
+            </a:r>
+            <a:r>
+              <a:rPr lang="ko-KR" altLang="en-US" b="0" i="0" dirty="0">
+                <a:solidFill>
+                  <a:srgbClr val="666666"/>
+                </a:solidFill>
+                <a:effectLst/>
+                <a:latin typeface="Noto Sans KR"/>
+              </a:rPr>
+              <a:t>과대적합</a:t>
+            </a:r>
+            <a:r>
+              <a:rPr lang="en-US" altLang="ko-KR" b="0" i="0" dirty="0">
+                <a:solidFill>
+                  <a:srgbClr val="666666"/>
+                </a:solidFill>
+                <a:effectLst/>
+                <a:latin typeface="Noto Sans KR"/>
+              </a:rPr>
+              <a:t>(overfitting)</a:t>
+            </a:r>
+          </a:p>
+          <a:p>
+            <a:pPr marL="742950" lvl="1" indent="-285750" algn="l">
+              <a:buFont typeface="Arial" panose="020B0604020202020204" pitchFamily="34" charset="0"/>
+              <a:buChar char="•"/>
+            </a:pPr>
+            <a:endParaRPr lang="en-US" altLang="ko-KR" b="0" i="0" dirty="0">
+              <a:solidFill>
+                <a:srgbClr val="666666"/>
+              </a:solidFill>
+              <a:effectLst/>
+              <a:latin typeface="Noto Sans KR"/>
+            </a:endParaRPr>
+          </a:p>
+          <a:p>
+            <a:pPr marL="742950" lvl="1" indent="-285750" algn="l">
+              <a:buFont typeface="Arial" panose="020B0604020202020204" pitchFamily="34" charset="0"/>
+              <a:buChar char="•"/>
+            </a:pPr>
+            <a:r>
+              <a:rPr lang="ko-KR" altLang="en-US" b="0" i="0" dirty="0" err="1">
+                <a:solidFill>
+                  <a:srgbClr val="666666"/>
+                </a:solidFill>
+                <a:effectLst/>
+                <a:latin typeface="Noto Sans KR"/>
+              </a:rPr>
+              <a:t>언더피팅은</a:t>
+            </a:r>
+            <a:r>
+              <a:rPr lang="ko-KR" altLang="en-US" b="0" i="0" dirty="0">
+                <a:solidFill>
+                  <a:srgbClr val="666666"/>
+                </a:solidFill>
+                <a:effectLst/>
+                <a:latin typeface="Noto Sans KR"/>
+              </a:rPr>
+              <a:t> 훈련 오차를 충분히 작게 만들지 못하는 상태</a:t>
+            </a:r>
+            <a:endParaRPr lang="en-US" altLang="ko-KR" b="0" i="0" dirty="0">
+              <a:solidFill>
+                <a:srgbClr val="666666"/>
+              </a:solidFill>
+              <a:effectLst/>
+              <a:latin typeface="Noto Sans KR"/>
+            </a:endParaRPr>
+          </a:p>
+          <a:p>
+            <a:pPr marL="742950" lvl="1" indent="-285750" algn="l">
+              <a:buFont typeface="Arial" panose="020B0604020202020204" pitchFamily="34" charset="0"/>
+              <a:buChar char="•"/>
+            </a:pPr>
+            <a:r>
+              <a:rPr lang="ko-KR" altLang="en-US" b="0" i="0" dirty="0">
+                <a:solidFill>
+                  <a:srgbClr val="666666"/>
+                </a:solidFill>
+                <a:effectLst/>
+                <a:latin typeface="Noto Sans KR"/>
+              </a:rPr>
+              <a:t>과대적합은 훈련 오차와 시험오차의 갭이 너무 </a:t>
+            </a:r>
+            <a:r>
+              <a:rPr lang="ko-KR" altLang="en-US" b="0" i="0" dirty="0" err="1">
+                <a:solidFill>
+                  <a:srgbClr val="666666"/>
+                </a:solidFill>
+                <a:effectLst/>
+                <a:latin typeface="Noto Sans KR"/>
+              </a:rPr>
+              <a:t>클때</a:t>
+            </a:r>
+            <a:r>
+              <a:rPr lang="ko-KR" altLang="en-US" b="0" i="0" dirty="0">
+                <a:solidFill>
+                  <a:srgbClr val="666666"/>
+                </a:solidFill>
+                <a:effectLst/>
+                <a:latin typeface="Noto Sans KR"/>
+              </a:rPr>
+              <a:t> 발생</a:t>
+            </a:r>
+            <a:endParaRPr lang="en-US" altLang="ko-KR" b="0" i="0" dirty="0">
+              <a:solidFill>
+                <a:srgbClr val="666666"/>
+              </a:solidFill>
+              <a:effectLst/>
+              <a:latin typeface="Noto Sans KR"/>
+            </a:endParaRPr>
+          </a:p>
+        </p:txBody>
+      </p:sp>
+      <p:sp>
+        <p:nvSpPr>
+          <p:cNvPr id="4" name="슬라이드 번호 개체 틀 3"/>
+          <p:cNvSpPr>
+            <a:spLocks noGrp="1"/>
+          </p:cNvSpPr>
+          <p:nvPr>
+            <p:ph type="sldNum" sz="quarter" idx="5"/>
+          </p:nvPr>
+        </p:nvSpPr>
+        <p:spPr/>
+        <p:txBody>
+          <a:bodyPr/>
+          <a:lstStyle/>
+          <a:p>
+            <a:fld id="{DA275FA2-6C42-4D6B-BC32-C1F878E1B2E0}" type="slidenum">
+              <a:rPr lang="ko-KR" altLang="en-US" smtClean="0"/>
+              <a:t>17</a:t>
+            </a:fld>
+            <a:endParaRPr lang="ko-KR" altLang="en-US"/>
+          </a:p>
+        </p:txBody>
+      </p:sp>
+    </p:spTree>
+    <p:extLst>
+      <p:ext uri="{BB962C8B-B14F-4D97-AF65-F5344CB8AC3E}">
+        <p14:creationId xmlns:p14="http://schemas.microsoft.com/office/powerpoint/2010/main" val="3796163553"/>
+      </p:ext>
+    </p:extLst>
+  </p:cSld>
+  <p:clrMapOvr>
+    <a:masterClrMapping/>
+  </p:clrMapOvr>
+</p:notes>
+</file>
+
+<file path=ppt/notesSlides/notesSlide16.xml><?xml version="1.0" encoding="utf-8"?>
+<p:notes xmlns:a="http://schemas.openxmlformats.org/drawingml/2006/main" xmlns:r="http://schemas.openxmlformats.org/officeDocument/2006/relationships" xmlns:p="http://schemas.openxmlformats.org/presentationml/2006/main">
+  <p:cSld>
+    <p:spTree>
+      <p:nvGrpSpPr>
+        <p:cNvPr id="1" name=""/>
+        <p:cNvGrpSpPr/>
+        <p:nvPr/>
+      </p:nvGrpSpPr>
+      <p:grpSpPr>
+        <a:xfrm>
+          <a:off x="0" y="0"/>
+          <a:ext cx="0" cy="0"/>
+          <a:chOff x="0" y="0"/>
+          <a:chExt cx="0" cy="0"/>
+        </a:xfrm>
+      </p:grpSpPr>
+      <p:sp>
+        <p:nvSpPr>
+          <p:cNvPr id="2" name="슬라이드 이미지 개체 틀 1"/>
+          <p:cNvSpPr>
+            <a:spLocks noGrp="1" noRot="1" noChangeAspect="1"/>
+          </p:cNvSpPr>
+          <p:nvPr>
+            <p:ph type="sldImg"/>
+          </p:nvPr>
+        </p:nvSpPr>
+        <p:spPr/>
+      </p:sp>
+      <p:sp>
+        <p:nvSpPr>
+          <p:cNvPr id="3" name="슬라이드 노트 개체 틀 2"/>
+          <p:cNvSpPr>
+            <a:spLocks noGrp="1"/>
+          </p:cNvSpPr>
+          <p:nvPr>
+            <p:ph type="body" idx="1"/>
+          </p:nvPr>
+        </p:nvSpPr>
+        <p:spPr/>
+        <p:txBody>
+          <a:bodyPr/>
+          <a:lstStyle/>
+          <a:p>
+            <a:pPr algn="l">
+              <a:buFont typeface="Arial" panose="020B0604020202020204" pitchFamily="34" charset="0"/>
+              <a:buChar char="•"/>
+            </a:pPr>
+            <a:r>
+              <a:rPr lang="ko-KR" altLang="en-US" b="0" i="0" dirty="0">
+                <a:solidFill>
+                  <a:srgbClr val="666666"/>
+                </a:solidFill>
+                <a:effectLst/>
+                <a:latin typeface="Noto Sans KR"/>
+              </a:rPr>
+              <a:t>주어진 학습 모형의 과대적합 또는 과소적합 가능성은 모형의 수용력</a:t>
+            </a:r>
+            <a:r>
+              <a:rPr lang="en-US" altLang="ko-KR" b="0" i="0" dirty="0">
+                <a:solidFill>
+                  <a:srgbClr val="666666"/>
+                </a:solidFill>
+                <a:effectLst/>
+                <a:latin typeface="Noto Sans KR"/>
+              </a:rPr>
+              <a:t>(capacity)</a:t>
+            </a:r>
+            <a:r>
+              <a:rPr lang="ko-KR" altLang="en-US" b="0" i="0" dirty="0">
+                <a:solidFill>
+                  <a:srgbClr val="666666"/>
+                </a:solidFill>
+                <a:effectLst/>
+                <a:latin typeface="Noto Sans KR"/>
+              </a:rPr>
+              <a:t>을 바꾸어서 제어할 수 있다</a:t>
+            </a:r>
+            <a:r>
+              <a:rPr lang="en-US" altLang="ko-KR" b="0" i="0" dirty="0">
+                <a:solidFill>
+                  <a:srgbClr val="666666"/>
+                </a:solidFill>
+                <a:effectLst/>
+                <a:latin typeface="Noto Sans KR"/>
+              </a:rPr>
+              <a:t>. </a:t>
+            </a:r>
+          </a:p>
+          <a:p>
+            <a:pPr marL="742950" lvl="1" indent="-285750" algn="l">
+              <a:buFont typeface="Arial" panose="020B0604020202020204" pitchFamily="34" charset="0"/>
+              <a:buChar char="•"/>
+            </a:pPr>
+            <a:r>
+              <a:rPr lang="ko-KR" altLang="en-US" b="0" i="0" dirty="0">
+                <a:solidFill>
+                  <a:srgbClr val="666666"/>
+                </a:solidFill>
+                <a:effectLst/>
+                <a:latin typeface="Noto Sans KR"/>
+              </a:rPr>
+              <a:t>학습 알고리즘의 수용력을 제어하는 한 가지 방법은 알고리즘의 가설 공간</a:t>
+            </a:r>
+            <a:r>
+              <a:rPr lang="en-US" altLang="ko-KR" b="0" i="0" dirty="0">
+                <a:solidFill>
+                  <a:srgbClr val="666666"/>
+                </a:solidFill>
+                <a:effectLst/>
+                <a:latin typeface="Noto Sans KR"/>
+              </a:rPr>
+              <a:t>(hypothesis space)</a:t>
+            </a:r>
+            <a:r>
+              <a:rPr lang="ko-KR" altLang="en-US" b="0" i="0" dirty="0">
+                <a:solidFill>
+                  <a:srgbClr val="666666"/>
+                </a:solidFill>
+                <a:effectLst/>
+                <a:latin typeface="Noto Sans KR"/>
+              </a:rPr>
+              <a:t>을 적절히 선택하는 것이다</a:t>
+            </a:r>
+            <a:r>
+              <a:rPr lang="en-US" altLang="ko-KR" b="0" i="0" dirty="0">
+                <a:solidFill>
+                  <a:srgbClr val="666666"/>
+                </a:solidFill>
+                <a:effectLst/>
+                <a:latin typeface="Noto Sans KR"/>
+              </a:rPr>
+              <a:t>. </a:t>
+            </a:r>
+          </a:p>
+          <a:p>
+            <a:pPr marL="742950" lvl="1" indent="-285750" algn="l">
+              <a:buFont typeface="Arial" panose="020B0604020202020204" pitchFamily="34" charset="0"/>
+              <a:buChar char="•"/>
+            </a:pPr>
+            <a:r>
+              <a:rPr lang="ko-KR" altLang="en-US" b="0" i="0" dirty="0" err="1">
+                <a:solidFill>
+                  <a:srgbClr val="666666"/>
+                </a:solidFill>
+                <a:effectLst/>
+                <a:latin typeface="Noto Sans KR"/>
+              </a:rPr>
+              <a:t>가설공간이란</a:t>
+            </a:r>
+            <a:r>
+              <a:rPr lang="ko-KR" altLang="en-US" b="0" i="0" dirty="0">
+                <a:solidFill>
+                  <a:srgbClr val="666666"/>
+                </a:solidFill>
+                <a:effectLst/>
+                <a:latin typeface="Noto Sans KR"/>
+              </a:rPr>
+              <a:t> 학습 알고리즘이 하나의 해답으로 선택할 수 있는 함수들의 집합이다</a:t>
+            </a:r>
+            <a:r>
+              <a:rPr lang="en-US" altLang="ko-KR" b="0" i="0" dirty="0">
+                <a:solidFill>
+                  <a:srgbClr val="666666"/>
+                </a:solidFill>
+                <a:effectLst/>
+                <a:latin typeface="Noto Sans KR"/>
+              </a:rPr>
+              <a:t>. </a:t>
+            </a:r>
+          </a:p>
+          <a:p>
+            <a:pPr marL="742950" lvl="1" indent="-285750" algn="l">
+              <a:buFont typeface="Arial" panose="020B0604020202020204" pitchFamily="34" charset="0"/>
+              <a:buChar char="•"/>
+            </a:pPr>
+            <a:endParaRPr lang="en-US" altLang="ko-KR" b="0" i="0" dirty="0">
+              <a:solidFill>
+                <a:srgbClr val="666666"/>
+              </a:solidFill>
+              <a:effectLst/>
+              <a:latin typeface="Noto Sans KR"/>
+            </a:endParaRPr>
+          </a:p>
+          <a:p>
+            <a:pPr marL="742950" lvl="1" indent="-285750" algn="l">
+              <a:buFont typeface="Arial" panose="020B0604020202020204" pitchFamily="34" charset="0"/>
+              <a:buChar char="•"/>
+            </a:pPr>
+            <a:r>
+              <a:rPr lang="ko-KR" altLang="en-US" b="0" i="0" dirty="0">
+                <a:solidFill>
+                  <a:srgbClr val="666666"/>
+                </a:solidFill>
+                <a:effectLst/>
+                <a:latin typeface="Noto Sans KR"/>
+              </a:rPr>
+              <a:t>그림은 이를 보여주는 예시</a:t>
+            </a:r>
+            <a:r>
+              <a:rPr lang="en-US" altLang="ko-KR" b="0" i="0" dirty="0">
+                <a:solidFill>
+                  <a:srgbClr val="666666"/>
+                </a:solidFill>
+                <a:effectLst/>
+                <a:latin typeface="Noto Sans KR"/>
+              </a:rPr>
+              <a:t>, </a:t>
+            </a:r>
+            <a:r>
+              <a:rPr lang="ko-KR" altLang="en-US" b="0" i="0" dirty="0">
+                <a:solidFill>
+                  <a:srgbClr val="666666"/>
+                </a:solidFill>
+                <a:effectLst/>
+                <a:latin typeface="Noto Sans KR"/>
+              </a:rPr>
+              <a:t>왼쪽부터 </a:t>
+            </a:r>
+            <a:r>
+              <a:rPr lang="en-US" altLang="ko-KR" b="0" i="0" dirty="0">
+                <a:solidFill>
+                  <a:srgbClr val="666666"/>
+                </a:solidFill>
+                <a:effectLst/>
+                <a:latin typeface="Noto Sans KR"/>
+              </a:rPr>
+              <a:t>1</a:t>
+            </a:r>
+            <a:r>
+              <a:rPr lang="ko-KR" altLang="en-US" b="0" i="0" dirty="0">
+                <a:solidFill>
+                  <a:srgbClr val="666666"/>
+                </a:solidFill>
+                <a:effectLst/>
+                <a:latin typeface="Noto Sans KR"/>
+              </a:rPr>
+              <a:t>차</a:t>
+            </a:r>
+            <a:r>
+              <a:rPr lang="en-US" altLang="ko-KR" b="0" i="0" dirty="0">
+                <a:solidFill>
+                  <a:srgbClr val="666666"/>
+                </a:solidFill>
+                <a:effectLst/>
+                <a:latin typeface="Noto Sans KR"/>
+              </a:rPr>
+              <a:t>, 2</a:t>
+            </a:r>
+            <a:r>
+              <a:rPr lang="ko-KR" altLang="en-US" b="0" i="0" dirty="0">
+                <a:solidFill>
+                  <a:srgbClr val="666666"/>
+                </a:solidFill>
+                <a:effectLst/>
+                <a:latin typeface="Noto Sans KR"/>
+              </a:rPr>
+              <a:t>차 </a:t>
+            </a:r>
+            <a:r>
+              <a:rPr lang="en-US" altLang="ko-KR" b="0" i="0" dirty="0">
+                <a:solidFill>
+                  <a:srgbClr val="666666"/>
+                </a:solidFill>
+                <a:effectLst/>
+                <a:latin typeface="Noto Sans KR"/>
+              </a:rPr>
+              <a:t>9</a:t>
+            </a:r>
+            <a:r>
+              <a:rPr lang="ko-KR" altLang="en-US" b="0" i="0" dirty="0">
+                <a:solidFill>
+                  <a:srgbClr val="666666"/>
+                </a:solidFill>
+                <a:effectLst/>
+                <a:latin typeface="Noto Sans KR"/>
+              </a:rPr>
+              <a:t>차 모형으로 선택했을 때임</a:t>
+            </a:r>
+            <a:r>
+              <a:rPr lang="en-US" altLang="ko-KR" b="0" i="0" dirty="0">
+                <a:solidFill>
+                  <a:srgbClr val="666666"/>
+                </a:solidFill>
+                <a:effectLst/>
+                <a:latin typeface="Noto Sans KR"/>
+              </a:rPr>
+              <a:t>. </a:t>
+            </a:r>
+            <a:r>
+              <a:rPr lang="ko-KR" altLang="en-US" b="0" i="0" dirty="0">
+                <a:solidFill>
+                  <a:srgbClr val="666666"/>
+                </a:solidFill>
+                <a:effectLst/>
+                <a:latin typeface="Noto Sans KR"/>
+              </a:rPr>
+              <a:t>암튼 이 가설 공간을 잘 선택해야 </a:t>
+            </a:r>
+            <a:r>
+              <a:rPr lang="ko-KR" altLang="en-US" b="0" i="0" dirty="0" err="1">
+                <a:solidFill>
+                  <a:srgbClr val="666666"/>
+                </a:solidFill>
+                <a:effectLst/>
+                <a:latin typeface="Noto Sans KR"/>
+              </a:rPr>
+              <a:t>됌</a:t>
+            </a:r>
+            <a:endParaRPr lang="en-US" altLang="ko-KR" b="0" i="0" dirty="0">
+              <a:solidFill>
+                <a:srgbClr val="666666"/>
+              </a:solidFill>
+              <a:effectLst/>
+              <a:latin typeface="Noto Sans KR"/>
+            </a:endParaRPr>
+          </a:p>
+        </p:txBody>
+      </p:sp>
+      <p:sp>
+        <p:nvSpPr>
+          <p:cNvPr id="4" name="슬라이드 번호 개체 틀 3"/>
+          <p:cNvSpPr>
+            <a:spLocks noGrp="1"/>
+          </p:cNvSpPr>
+          <p:nvPr>
+            <p:ph type="sldNum" sz="quarter" idx="5"/>
+          </p:nvPr>
+        </p:nvSpPr>
+        <p:spPr/>
+        <p:txBody>
+          <a:bodyPr/>
+          <a:lstStyle/>
+          <a:p>
+            <a:fld id="{DA275FA2-6C42-4D6B-BC32-C1F878E1B2E0}" type="slidenum">
+              <a:rPr lang="ko-KR" altLang="en-US" smtClean="0"/>
+              <a:t>18</a:t>
+            </a:fld>
+            <a:endParaRPr lang="ko-KR" altLang="en-US"/>
+          </a:p>
+        </p:txBody>
+      </p:sp>
+    </p:spTree>
+    <p:extLst>
+      <p:ext uri="{BB962C8B-B14F-4D97-AF65-F5344CB8AC3E}">
+        <p14:creationId xmlns:p14="http://schemas.microsoft.com/office/powerpoint/2010/main" val="3247905981"/>
+      </p:ext>
+    </p:extLst>
+  </p:cSld>
+  <p:clrMapOvr>
+    <a:masterClrMapping/>
+  </p:clrMapOvr>
+</p:notes>
+</file>
+
+<file path=ppt/notesSlides/notesSlide17.xml><?xml version="1.0" encoding="utf-8"?>
+<p:notes xmlns:a="http://schemas.openxmlformats.org/drawingml/2006/main" xmlns:r="http://schemas.openxmlformats.org/officeDocument/2006/relationships" xmlns:p="http://schemas.openxmlformats.org/presentationml/2006/main">
+  <p:cSld>
+    <p:spTree>
+      <p:nvGrpSpPr>
+        <p:cNvPr id="1" name=""/>
+        <p:cNvGrpSpPr/>
+        <p:nvPr/>
+      </p:nvGrpSpPr>
+      <p:grpSpPr>
+        <a:xfrm>
+          <a:off x="0" y="0"/>
+          <a:ext cx="0" cy="0"/>
+          <a:chOff x="0" y="0"/>
+          <a:chExt cx="0" cy="0"/>
+        </a:xfrm>
+      </p:grpSpPr>
+      <p:sp>
+        <p:nvSpPr>
+          <p:cNvPr id="2" name="슬라이드 이미지 개체 틀 1"/>
+          <p:cNvSpPr>
+            <a:spLocks noGrp="1" noRot="1" noChangeAspect="1"/>
+          </p:cNvSpPr>
+          <p:nvPr>
+            <p:ph type="sldImg"/>
+          </p:nvPr>
+        </p:nvSpPr>
+        <p:spPr/>
+      </p:sp>
+      <p:sp>
+        <p:nvSpPr>
+          <p:cNvPr id="3" name="슬라이드 노트 개체 틀 2"/>
+          <p:cNvSpPr>
+            <a:spLocks noGrp="1"/>
+          </p:cNvSpPr>
+          <p:nvPr>
+            <p:ph type="body" idx="1"/>
+          </p:nvPr>
+        </p:nvSpPr>
+        <p:spPr/>
+        <p:txBody>
+          <a:bodyPr/>
+          <a:lstStyle/>
+          <a:p>
+            <a:pPr algn="l">
+              <a:buFont typeface="Arial" panose="020B0604020202020204" pitchFamily="34" charset="0"/>
+              <a:buChar char="•"/>
+            </a:pPr>
+            <a:r>
+              <a:rPr lang="ko-KR" altLang="en-US" b="0" i="0" dirty="0">
+                <a:solidFill>
+                  <a:srgbClr val="666666"/>
+                </a:solidFill>
+                <a:effectLst/>
+                <a:latin typeface="Noto Sans KR"/>
+              </a:rPr>
+              <a:t>일반적으로 기계 학습 알고리즘은 그 수용력이 수행할 과제의 진정한 복잡도와 주어진 </a:t>
+            </a:r>
+            <a:r>
+              <a:rPr lang="ko-KR" altLang="en-US" b="0" i="0" dirty="0" err="1">
+                <a:solidFill>
+                  <a:srgbClr val="666666"/>
+                </a:solidFill>
+                <a:effectLst/>
+                <a:latin typeface="Noto Sans KR"/>
+              </a:rPr>
+              <a:t>혼련</a:t>
+            </a:r>
+            <a:r>
+              <a:rPr lang="ko-KR" altLang="en-US" b="0" i="0" dirty="0">
+                <a:solidFill>
+                  <a:srgbClr val="666666"/>
+                </a:solidFill>
+                <a:effectLst/>
+                <a:latin typeface="Noto Sans KR"/>
+              </a:rPr>
+              <a:t> 자료의 양에 잘 맞을 때 최고의 성과를 거둔다</a:t>
+            </a:r>
+            <a:r>
+              <a:rPr lang="en-US" altLang="ko-KR" b="0" i="0" dirty="0">
+                <a:solidFill>
+                  <a:srgbClr val="666666"/>
+                </a:solidFill>
+                <a:effectLst/>
+                <a:latin typeface="Noto Sans KR"/>
+              </a:rPr>
+              <a:t>.</a:t>
+            </a:r>
+          </a:p>
+          <a:p>
+            <a:pPr marL="742950" lvl="1" indent="-285750" algn="l">
+              <a:buFont typeface="Arial" panose="020B0604020202020204" pitchFamily="34" charset="0"/>
+              <a:buChar char="•"/>
+            </a:pPr>
+            <a:r>
+              <a:rPr lang="ko-KR" altLang="en-US" b="0" i="0" dirty="0">
+                <a:solidFill>
+                  <a:srgbClr val="666666"/>
+                </a:solidFill>
+                <a:effectLst/>
+                <a:latin typeface="Noto Sans KR"/>
+              </a:rPr>
+              <a:t>주어진 과제를 푸는데 필요한 수준보다 수용력이 부족하면 과소적합</a:t>
+            </a:r>
+            <a:r>
+              <a:rPr lang="en-US" altLang="ko-KR" b="0" i="0" dirty="0">
+                <a:solidFill>
+                  <a:srgbClr val="666666"/>
+                </a:solidFill>
+                <a:effectLst/>
+                <a:latin typeface="Noto Sans KR"/>
+              </a:rPr>
+              <a:t>, </a:t>
+            </a:r>
+            <a:r>
+              <a:rPr lang="ko-KR" altLang="en-US" b="0" i="0" dirty="0">
+                <a:solidFill>
+                  <a:srgbClr val="666666"/>
+                </a:solidFill>
+                <a:effectLst/>
+                <a:latin typeface="Noto Sans KR"/>
+              </a:rPr>
+              <a:t>수용력이 너무 높으면 </a:t>
+            </a:r>
+            <a:r>
+              <a:rPr lang="ko-KR" altLang="en-US" b="0" i="0" dirty="0" err="1">
+                <a:solidFill>
+                  <a:srgbClr val="666666"/>
+                </a:solidFill>
+                <a:effectLst/>
+                <a:latin typeface="Noto Sans KR"/>
+              </a:rPr>
+              <a:t>과대적합할</a:t>
+            </a:r>
+            <a:r>
+              <a:rPr lang="ko-KR" altLang="en-US" b="0" i="0" dirty="0">
+                <a:solidFill>
+                  <a:srgbClr val="666666"/>
+                </a:solidFill>
+                <a:effectLst/>
+                <a:latin typeface="Noto Sans KR"/>
+              </a:rPr>
+              <a:t> 가능성이 있다</a:t>
+            </a:r>
+            <a:r>
+              <a:rPr lang="en-US" altLang="ko-KR" b="0" i="0" dirty="0">
+                <a:solidFill>
+                  <a:srgbClr val="666666"/>
+                </a:solidFill>
+                <a:effectLst/>
+                <a:latin typeface="Noto Sans KR"/>
+              </a:rPr>
+              <a:t>. </a:t>
+            </a:r>
+          </a:p>
+        </p:txBody>
+      </p:sp>
+      <p:sp>
+        <p:nvSpPr>
+          <p:cNvPr id="4" name="슬라이드 번호 개체 틀 3"/>
+          <p:cNvSpPr>
+            <a:spLocks noGrp="1"/>
+          </p:cNvSpPr>
+          <p:nvPr>
+            <p:ph type="sldNum" sz="quarter" idx="5"/>
+          </p:nvPr>
+        </p:nvSpPr>
+        <p:spPr/>
+        <p:txBody>
+          <a:bodyPr/>
+          <a:lstStyle/>
+          <a:p>
+            <a:fld id="{DA275FA2-6C42-4D6B-BC32-C1F878E1B2E0}" type="slidenum">
+              <a:rPr lang="ko-KR" altLang="en-US" smtClean="0"/>
+              <a:t>19</a:t>
+            </a:fld>
+            <a:endParaRPr lang="ko-KR" altLang="en-US"/>
+          </a:p>
+        </p:txBody>
+      </p:sp>
+    </p:spTree>
+    <p:extLst>
+      <p:ext uri="{BB962C8B-B14F-4D97-AF65-F5344CB8AC3E}">
+        <p14:creationId xmlns:p14="http://schemas.microsoft.com/office/powerpoint/2010/main" val="2873909588"/>
+      </p:ext>
+    </p:extLst>
+  </p:cSld>
+  <p:clrMapOvr>
+    <a:masterClrMapping/>
+  </p:clrMapOvr>
+</p:notes>
+</file>
+
+<file path=ppt/notesSlides/notesSlide18.xml><?xml version="1.0" encoding="utf-8"?>
+<p:notes xmlns:a="http://schemas.openxmlformats.org/drawingml/2006/main" xmlns:r="http://schemas.openxmlformats.org/officeDocument/2006/relationships" xmlns:p="http://schemas.openxmlformats.org/presentationml/2006/main">
+  <p:cSld>
+    <p:spTree>
+      <p:nvGrpSpPr>
+        <p:cNvPr id="1" name=""/>
+        <p:cNvGrpSpPr/>
+        <p:nvPr/>
+      </p:nvGrpSpPr>
+      <p:grpSpPr>
+        <a:xfrm>
+          <a:off x="0" y="0"/>
+          <a:ext cx="0" cy="0"/>
+          <a:chOff x="0" y="0"/>
+          <a:chExt cx="0" cy="0"/>
+        </a:xfrm>
+      </p:grpSpPr>
+      <p:sp>
+        <p:nvSpPr>
+          <p:cNvPr id="2" name="슬라이드 이미지 개체 틀 1"/>
+          <p:cNvSpPr>
+            <a:spLocks noGrp="1" noRot="1" noChangeAspect="1"/>
+          </p:cNvSpPr>
+          <p:nvPr>
+            <p:ph type="sldImg"/>
+          </p:nvPr>
+        </p:nvSpPr>
+        <p:spPr/>
+      </p:sp>
+      <p:sp>
+        <p:nvSpPr>
+          <p:cNvPr id="3" name="슬라이드 노트 개체 틀 2"/>
+          <p:cNvSpPr>
+            <a:spLocks noGrp="1"/>
+          </p:cNvSpPr>
+          <p:nvPr>
+            <p:ph type="body" idx="1"/>
+          </p:nvPr>
+        </p:nvSpPr>
+        <p:spPr/>
+        <p:txBody>
+          <a:bodyPr/>
+          <a:lstStyle/>
+          <a:p>
+            <a:pPr algn="l">
+              <a:buFont typeface="Arial" panose="020B0604020202020204" pitchFamily="34" charset="0"/>
+              <a:buChar char="•"/>
+            </a:pPr>
+            <a:r>
+              <a:rPr lang="ko-KR" altLang="en-US" b="0" i="0" dirty="0">
+                <a:solidFill>
+                  <a:srgbClr val="666666"/>
+                </a:solidFill>
+                <a:effectLst/>
+                <a:latin typeface="Noto Sans KR"/>
+              </a:rPr>
+              <a:t>실제 응용에서 학습 알고리즘은 최적의 함수를 찾으려 드는 대신</a:t>
+            </a:r>
+            <a:r>
+              <a:rPr lang="en-US" altLang="ko-KR" b="0" i="0" dirty="0">
+                <a:solidFill>
+                  <a:srgbClr val="666666"/>
+                </a:solidFill>
+                <a:effectLst/>
+                <a:latin typeface="Noto Sans KR"/>
+              </a:rPr>
+              <a:t>, </a:t>
+            </a:r>
+            <a:r>
+              <a:rPr lang="ko-KR" altLang="en-US" b="0" i="0" dirty="0">
+                <a:solidFill>
+                  <a:srgbClr val="666666"/>
+                </a:solidFill>
+                <a:effectLst/>
+                <a:latin typeface="Noto Sans KR"/>
+              </a:rPr>
+              <a:t>그냥 훈련 오차가 현저히 줄어드는 함수를 선택하는 것으로 만족한다</a:t>
+            </a:r>
+            <a:r>
+              <a:rPr lang="en-US" altLang="ko-KR" b="0" i="0" dirty="0">
+                <a:solidFill>
+                  <a:srgbClr val="666666"/>
+                </a:solidFill>
+                <a:effectLst/>
+                <a:latin typeface="Noto Sans KR"/>
+              </a:rPr>
+              <a:t>. </a:t>
+            </a:r>
+          </a:p>
+          <a:p>
+            <a:pPr marL="742950" lvl="1" indent="-285750" algn="l">
+              <a:buFont typeface="Arial" panose="020B0604020202020204" pitchFamily="34" charset="0"/>
+              <a:buChar char="•"/>
+            </a:pPr>
+            <a:r>
+              <a:rPr lang="ko-KR" altLang="en-US" b="0" i="0" dirty="0">
+                <a:solidFill>
+                  <a:srgbClr val="666666"/>
+                </a:solidFill>
+                <a:effectLst/>
+                <a:latin typeface="Noto Sans KR"/>
+              </a:rPr>
+              <a:t>함수가 단순할수록 더 잘 일반화되는 경향이 있긴 하지만</a:t>
+            </a:r>
+            <a:r>
+              <a:rPr lang="en-US" altLang="ko-KR" b="0" i="0" dirty="0">
+                <a:solidFill>
+                  <a:srgbClr val="666666"/>
+                </a:solidFill>
+                <a:effectLst/>
+                <a:latin typeface="Noto Sans KR"/>
+              </a:rPr>
+              <a:t>, </a:t>
+            </a:r>
+            <a:r>
+              <a:rPr lang="ko-KR" altLang="en-US" b="0" i="0" dirty="0">
+                <a:solidFill>
+                  <a:srgbClr val="666666"/>
+                </a:solidFill>
+                <a:effectLst/>
+                <a:latin typeface="Noto Sans KR"/>
+              </a:rPr>
+              <a:t>훈련 오차를 줄이려면 충분히 복잡한 가설을 선택해야 한다는 점을 기억하기 바란다</a:t>
+            </a:r>
+            <a:r>
+              <a:rPr lang="en-US" altLang="ko-KR" b="0" i="0" dirty="0">
+                <a:solidFill>
+                  <a:srgbClr val="666666"/>
+                </a:solidFill>
+                <a:effectLst/>
+                <a:latin typeface="Noto Sans KR"/>
+              </a:rPr>
+              <a:t>.</a:t>
+            </a:r>
+          </a:p>
+          <a:p>
+            <a:pPr marL="742950" lvl="1" indent="-285750" algn="l">
+              <a:buFont typeface="Arial" panose="020B0604020202020204" pitchFamily="34" charset="0"/>
+              <a:buChar char="•"/>
+            </a:pPr>
+            <a:endParaRPr lang="en-US" altLang="ko-KR" b="0" i="0" dirty="0">
+              <a:solidFill>
+                <a:srgbClr val="666666"/>
+              </a:solidFill>
+              <a:effectLst/>
+              <a:latin typeface="Noto Sans KR"/>
+            </a:endParaRPr>
+          </a:p>
+          <a:p>
+            <a:pPr marL="742950" lvl="1" indent="-285750" algn="l">
+              <a:buFont typeface="Arial" panose="020B0604020202020204" pitchFamily="34" charset="0"/>
+              <a:buChar char="•"/>
+            </a:pPr>
+            <a:r>
+              <a:rPr lang="ko-KR" altLang="en-US" b="0" i="0" dirty="0">
+                <a:solidFill>
+                  <a:srgbClr val="666666"/>
+                </a:solidFill>
+                <a:effectLst/>
+                <a:latin typeface="Noto Sans KR"/>
+              </a:rPr>
+              <a:t>한마디로 가설공간도 적당히 복잡한 것으로</a:t>
+            </a:r>
+            <a:r>
+              <a:rPr lang="en-US" altLang="ko-KR" b="0" i="0" dirty="0">
+                <a:solidFill>
+                  <a:srgbClr val="666666"/>
+                </a:solidFill>
+                <a:effectLst/>
+                <a:latin typeface="Noto Sans KR"/>
+              </a:rPr>
+              <a:t> </a:t>
+            </a:r>
+            <a:r>
+              <a:rPr lang="ko-KR" altLang="en-US" b="0" i="0" dirty="0">
+                <a:solidFill>
+                  <a:srgbClr val="666666"/>
+                </a:solidFill>
+                <a:effectLst/>
+                <a:latin typeface="Noto Sans KR"/>
+              </a:rPr>
+              <a:t>적절히 잘 </a:t>
+            </a:r>
+            <a:r>
+              <a:rPr lang="ko-KR" altLang="en-US" b="0" i="0" dirty="0" err="1">
+                <a:solidFill>
+                  <a:srgbClr val="666666"/>
+                </a:solidFill>
+                <a:effectLst/>
+                <a:latin typeface="Noto Sans KR"/>
+              </a:rPr>
+              <a:t>선택해야됌</a:t>
+            </a:r>
+            <a:r>
+              <a:rPr lang="en-US" altLang="ko-KR" b="0" i="0" dirty="0">
+                <a:solidFill>
+                  <a:srgbClr val="666666"/>
+                </a:solidFill>
+                <a:effectLst/>
+                <a:latin typeface="Noto Sans KR"/>
+              </a:rPr>
+              <a:t>.</a:t>
+            </a:r>
+          </a:p>
+        </p:txBody>
+      </p:sp>
+      <p:sp>
+        <p:nvSpPr>
+          <p:cNvPr id="4" name="슬라이드 번호 개체 틀 3"/>
+          <p:cNvSpPr>
+            <a:spLocks noGrp="1"/>
+          </p:cNvSpPr>
+          <p:nvPr>
+            <p:ph type="sldNum" sz="quarter" idx="5"/>
+          </p:nvPr>
+        </p:nvSpPr>
+        <p:spPr/>
+        <p:txBody>
+          <a:bodyPr/>
+          <a:lstStyle/>
+          <a:p>
+            <a:fld id="{DA275FA2-6C42-4D6B-BC32-C1F878E1B2E0}" type="slidenum">
+              <a:rPr lang="ko-KR" altLang="en-US" smtClean="0"/>
+              <a:t>20</a:t>
+            </a:fld>
+            <a:endParaRPr lang="ko-KR" altLang="en-US"/>
+          </a:p>
+        </p:txBody>
+      </p:sp>
+    </p:spTree>
+    <p:extLst>
+      <p:ext uri="{BB962C8B-B14F-4D97-AF65-F5344CB8AC3E}">
+        <p14:creationId xmlns:p14="http://schemas.microsoft.com/office/powerpoint/2010/main" val="913053140"/>
+      </p:ext>
+    </p:extLst>
+  </p:cSld>
+  <p:clrMapOvr>
+    <a:masterClrMapping/>
+  </p:clrMapOvr>
+</p:notes>
+</file>
+
+<file path=ppt/notesSlides/notesSlide19.xml><?xml version="1.0" encoding="utf-8"?>
+<p:notes xmlns:a="http://schemas.openxmlformats.org/drawingml/2006/main" xmlns:r="http://schemas.openxmlformats.org/officeDocument/2006/relationships" xmlns:p="http://schemas.openxmlformats.org/presentationml/2006/main">
+  <p:cSld>
+    <p:spTree>
+      <p:nvGrpSpPr>
+        <p:cNvPr id="1" name=""/>
+        <p:cNvGrpSpPr/>
+        <p:nvPr/>
+      </p:nvGrpSpPr>
+      <p:grpSpPr>
+        <a:xfrm>
+          <a:off x="0" y="0"/>
+          <a:ext cx="0" cy="0"/>
+          <a:chOff x="0" y="0"/>
+          <a:chExt cx="0" cy="0"/>
+        </a:xfrm>
+      </p:grpSpPr>
+      <p:sp>
+        <p:nvSpPr>
+          <p:cNvPr id="2" name="슬라이드 이미지 개체 틀 1"/>
+          <p:cNvSpPr>
+            <a:spLocks noGrp="1" noRot="1" noChangeAspect="1"/>
+          </p:cNvSpPr>
+          <p:nvPr>
+            <p:ph type="sldImg"/>
+          </p:nvPr>
+        </p:nvSpPr>
+        <p:spPr/>
+      </p:sp>
+      <p:sp>
+        <p:nvSpPr>
+          <p:cNvPr id="3" name="슬라이드 노트 개체 틀 2"/>
+          <p:cNvSpPr>
+            <a:spLocks noGrp="1"/>
+          </p:cNvSpPr>
+          <p:nvPr>
+            <p:ph type="body" idx="1"/>
+          </p:nvPr>
+        </p:nvSpPr>
+        <p:spPr/>
+        <p:txBody>
+          <a:bodyPr/>
+          <a:lstStyle/>
+          <a:p>
+            <a:pPr algn="l">
+              <a:buFont typeface="Arial" panose="020B0604020202020204" pitchFamily="34" charset="0"/>
+              <a:buChar char="•"/>
+            </a:pPr>
+            <a:r>
+              <a:rPr lang="ko-KR" altLang="en-US" b="0" i="0" dirty="0">
+                <a:solidFill>
+                  <a:srgbClr val="666666"/>
+                </a:solidFill>
+                <a:effectLst/>
+                <a:latin typeface="Noto Sans KR"/>
+              </a:rPr>
+              <a:t>기계 학습의 연구 목표는 어떤 보편적인 학습 알고리즘이나 절대적으로 최고인 학습 알고리즘을 찾는 것이 아니다</a:t>
+            </a:r>
+            <a:r>
+              <a:rPr lang="en-US" altLang="ko-KR" b="0" i="0" dirty="0">
+                <a:solidFill>
+                  <a:srgbClr val="666666"/>
+                </a:solidFill>
+                <a:effectLst/>
+                <a:latin typeface="Noto Sans KR"/>
+              </a:rPr>
+              <a:t>. </a:t>
+            </a:r>
+            <a:r>
+              <a:rPr lang="ko-KR" altLang="en-US" b="0" i="0" dirty="0">
+                <a:solidFill>
+                  <a:srgbClr val="666666"/>
+                </a:solidFill>
+                <a:effectLst/>
+                <a:latin typeface="Noto Sans KR"/>
+              </a:rPr>
+              <a:t>목표는</a:t>
+            </a:r>
+            <a:r>
+              <a:rPr lang="en-US" altLang="ko-KR" b="0" i="0" dirty="0">
+                <a:solidFill>
+                  <a:srgbClr val="666666"/>
+                </a:solidFill>
+                <a:effectLst/>
+                <a:latin typeface="Noto Sans KR"/>
+              </a:rPr>
+              <a:t>, </a:t>
+            </a:r>
+            <a:r>
+              <a:rPr lang="ko-KR" altLang="en-US" b="0" i="0" dirty="0">
+                <a:solidFill>
+                  <a:srgbClr val="666666"/>
+                </a:solidFill>
+                <a:effectLst/>
+                <a:latin typeface="Noto Sans KR"/>
+              </a:rPr>
+              <a:t>인공지능 에이전트가 경험할 </a:t>
+            </a:r>
+            <a:r>
+              <a:rPr lang="en-US" altLang="ko-KR" b="0" i="0" dirty="0">
+                <a:solidFill>
+                  <a:srgbClr val="666666"/>
+                </a:solidFill>
+                <a:effectLst/>
+                <a:latin typeface="Noto Sans KR"/>
+              </a:rPr>
+              <a:t>'</a:t>
+            </a:r>
+            <a:r>
+              <a:rPr lang="ko-KR" altLang="en-US" b="0" i="0" dirty="0">
+                <a:solidFill>
+                  <a:srgbClr val="666666"/>
+                </a:solidFill>
+                <a:effectLst/>
+                <a:latin typeface="Noto Sans KR"/>
+              </a:rPr>
+              <a:t>현실세계</a:t>
+            </a:r>
+            <a:r>
+              <a:rPr lang="en-US" altLang="ko-KR" b="0" i="0" dirty="0">
+                <a:solidFill>
+                  <a:srgbClr val="666666"/>
+                </a:solidFill>
+                <a:effectLst/>
+                <a:latin typeface="Noto Sans KR"/>
+              </a:rPr>
+              <a:t>'</a:t>
+            </a:r>
+            <a:r>
+              <a:rPr lang="ko-KR" altLang="en-US" b="0" i="0" dirty="0">
+                <a:solidFill>
+                  <a:srgbClr val="666666"/>
+                </a:solidFill>
+                <a:effectLst/>
+                <a:latin typeface="Noto Sans KR"/>
+              </a:rPr>
+              <a:t>에서 어떤 종류의 분포들이 의미가 있는지</a:t>
+            </a:r>
+            <a:r>
+              <a:rPr lang="en-US" altLang="ko-KR" b="0" i="0" dirty="0">
+                <a:solidFill>
+                  <a:srgbClr val="666666"/>
+                </a:solidFill>
+                <a:effectLst/>
+                <a:latin typeface="Noto Sans KR"/>
+              </a:rPr>
+              <a:t>, </a:t>
+            </a:r>
+            <a:r>
+              <a:rPr lang="ko-KR" altLang="en-US" b="0" i="0" dirty="0">
+                <a:solidFill>
+                  <a:srgbClr val="666666"/>
+                </a:solidFill>
+                <a:effectLst/>
+                <a:latin typeface="Noto Sans KR"/>
+              </a:rPr>
+              <a:t>그리고 그런 종류의 자료 생성 </a:t>
+            </a:r>
+            <a:r>
+              <a:rPr lang="ko-KR" altLang="en-US" b="0" i="0" dirty="0" err="1">
+                <a:solidFill>
+                  <a:srgbClr val="666666"/>
+                </a:solidFill>
+                <a:effectLst/>
+                <a:latin typeface="Noto Sans KR"/>
+              </a:rPr>
+              <a:t>분포들에서</a:t>
+            </a:r>
+            <a:r>
+              <a:rPr lang="ko-KR" altLang="en-US" b="0" i="0" dirty="0">
+                <a:solidFill>
+                  <a:srgbClr val="666666"/>
+                </a:solidFill>
+                <a:effectLst/>
+                <a:latin typeface="Noto Sans KR"/>
+              </a:rPr>
+              <a:t> 뽑은 자료에 대해 잘 작동하는 기계 학습 알고리즘의 종류는 무엇인지 이해하는 것이다</a:t>
+            </a:r>
+            <a:r>
+              <a:rPr lang="en-US" altLang="ko-KR" b="0" i="0" dirty="0">
+                <a:solidFill>
+                  <a:srgbClr val="666666"/>
+                </a:solidFill>
+                <a:effectLst/>
+                <a:latin typeface="Noto Sans KR"/>
+              </a:rPr>
+              <a:t>. </a:t>
+            </a:r>
+          </a:p>
+          <a:p>
+            <a:pPr algn="l">
+              <a:buFont typeface="Arial" panose="020B0604020202020204" pitchFamily="34" charset="0"/>
+              <a:buChar char="•"/>
+            </a:pPr>
+            <a:endParaRPr lang="en-US" altLang="ko-KR" b="0" i="0" dirty="0">
+              <a:solidFill>
+                <a:srgbClr val="666666"/>
+              </a:solidFill>
+              <a:effectLst/>
+              <a:latin typeface="Noto Sans KR"/>
+            </a:endParaRPr>
+          </a:p>
+          <a:p>
+            <a:pPr algn="l">
+              <a:buFont typeface="Arial" panose="020B0604020202020204" pitchFamily="34" charset="0"/>
+              <a:buChar char="•"/>
+            </a:pPr>
+            <a:r>
+              <a:rPr lang="ko-KR" altLang="en-US" b="0" i="0" dirty="0">
+                <a:solidFill>
+                  <a:srgbClr val="666666"/>
+                </a:solidFill>
+                <a:effectLst/>
+                <a:latin typeface="Noto Sans KR"/>
+              </a:rPr>
+              <a:t>모든 문제에 </a:t>
+            </a:r>
+            <a:r>
+              <a:rPr lang="ko-KR" altLang="en-US" b="0" i="0" dirty="0" err="1">
+                <a:solidFill>
+                  <a:srgbClr val="666666"/>
+                </a:solidFill>
+                <a:effectLst/>
+                <a:latin typeface="Noto Sans KR"/>
+              </a:rPr>
+              <a:t>척척드러맞는</a:t>
+            </a:r>
+            <a:r>
+              <a:rPr lang="ko-KR" altLang="en-US" b="0" i="0" dirty="0">
+                <a:solidFill>
+                  <a:srgbClr val="666666"/>
+                </a:solidFill>
+                <a:effectLst/>
+                <a:latin typeface="Noto Sans KR"/>
+              </a:rPr>
+              <a:t> 모델은 없다</a:t>
+            </a:r>
+            <a:r>
+              <a:rPr lang="en-US" altLang="ko-KR" b="0" i="0" dirty="0">
+                <a:solidFill>
+                  <a:srgbClr val="666666"/>
+                </a:solidFill>
+                <a:effectLst/>
+                <a:latin typeface="Noto Sans KR"/>
+              </a:rPr>
+              <a:t>. </a:t>
+            </a:r>
+            <a:r>
+              <a:rPr lang="ko-KR" altLang="en-US" b="0" i="0" dirty="0">
+                <a:solidFill>
+                  <a:srgbClr val="666666"/>
+                </a:solidFill>
+                <a:effectLst/>
+                <a:latin typeface="Noto Sans KR"/>
+              </a:rPr>
+              <a:t>주어진 데이터를 잘 이해하고 적절한 수용력을 가진 알고리즘을 대입해서 잘 </a:t>
+            </a:r>
+            <a:r>
+              <a:rPr lang="ko-KR" altLang="en-US" b="0" i="0" dirty="0" err="1">
+                <a:solidFill>
+                  <a:srgbClr val="666666"/>
+                </a:solidFill>
+                <a:effectLst/>
+                <a:latin typeface="Noto Sans KR"/>
+              </a:rPr>
+              <a:t>찾아내야한다</a:t>
+            </a:r>
+            <a:r>
+              <a:rPr lang="ko-KR" altLang="en-US" b="0" i="0" dirty="0">
+                <a:solidFill>
+                  <a:srgbClr val="666666"/>
+                </a:solidFill>
+                <a:effectLst/>
+                <a:latin typeface="Noto Sans KR"/>
+              </a:rPr>
+              <a:t> </a:t>
+            </a:r>
+            <a:r>
+              <a:rPr lang="ko-KR" altLang="en-US" b="0" i="0" dirty="0" err="1">
+                <a:solidFill>
+                  <a:srgbClr val="666666"/>
+                </a:solidFill>
+                <a:effectLst/>
+                <a:latin typeface="Noto Sans KR"/>
+              </a:rPr>
+              <a:t>ㅇㅇ</a:t>
+            </a:r>
+            <a:endParaRPr lang="en-US" altLang="ko-KR" b="0" i="0" dirty="0">
+              <a:solidFill>
+                <a:srgbClr val="666666"/>
+              </a:solidFill>
+              <a:effectLst/>
+              <a:latin typeface="Noto Sans KR"/>
+            </a:endParaRPr>
+          </a:p>
+        </p:txBody>
+      </p:sp>
+      <p:sp>
+        <p:nvSpPr>
+          <p:cNvPr id="4" name="슬라이드 번호 개체 틀 3"/>
+          <p:cNvSpPr>
+            <a:spLocks noGrp="1"/>
+          </p:cNvSpPr>
+          <p:nvPr>
+            <p:ph type="sldNum" sz="quarter" idx="5"/>
+          </p:nvPr>
+        </p:nvSpPr>
+        <p:spPr/>
+        <p:txBody>
+          <a:bodyPr/>
+          <a:lstStyle/>
+          <a:p>
+            <a:fld id="{DA275FA2-6C42-4D6B-BC32-C1F878E1B2E0}" type="slidenum">
+              <a:rPr lang="ko-KR" altLang="en-US" smtClean="0"/>
+              <a:t>21</a:t>
+            </a:fld>
+            <a:endParaRPr lang="ko-KR" altLang="en-US"/>
+          </a:p>
+        </p:txBody>
+      </p:sp>
+    </p:spTree>
+    <p:extLst>
+      <p:ext uri="{BB962C8B-B14F-4D97-AF65-F5344CB8AC3E}">
+        <p14:creationId xmlns:p14="http://schemas.microsoft.com/office/powerpoint/2010/main" val="2324436345"/>
+      </p:ext>
+    </p:extLst>
+  </p:cSld>
+  <p:clrMapOvr>
+    <a:masterClrMapping/>
+  </p:clrMapOvr>
+</p:notes>
+</file>
+
 <file path=ppt/notesSlides/notesSlide2.xml><?xml version="1.0" encoding="utf-8"?>
 <p:notes xmlns:a="http://schemas.openxmlformats.org/drawingml/2006/main" xmlns:r="http://schemas.openxmlformats.org/officeDocument/2006/relationships" xmlns:p="http://schemas.openxmlformats.org/presentationml/2006/main">
   <p:cSld>
@@ -719,6 +2914,450 @@
     <p:extLst>
       <p:ext uri="{BB962C8B-B14F-4D97-AF65-F5344CB8AC3E}">
         <p14:creationId xmlns:p14="http://schemas.microsoft.com/office/powerpoint/2010/main" val="2883763651"/>
+      </p:ext>
+    </p:extLst>
+  </p:cSld>
+  <p:clrMapOvr>
+    <a:masterClrMapping/>
+  </p:clrMapOvr>
+</p:notes>
+</file>
+
+<file path=ppt/notesSlides/notesSlide20.xml><?xml version="1.0" encoding="utf-8"?>
+<p:notes xmlns:a="http://schemas.openxmlformats.org/drawingml/2006/main" xmlns:r="http://schemas.openxmlformats.org/officeDocument/2006/relationships" xmlns:p="http://schemas.openxmlformats.org/presentationml/2006/main">
+  <p:cSld>
+    <p:spTree>
+      <p:nvGrpSpPr>
+        <p:cNvPr id="1" name=""/>
+        <p:cNvGrpSpPr/>
+        <p:nvPr/>
+      </p:nvGrpSpPr>
+      <p:grpSpPr>
+        <a:xfrm>
+          <a:off x="0" y="0"/>
+          <a:ext cx="0" cy="0"/>
+          <a:chOff x="0" y="0"/>
+          <a:chExt cx="0" cy="0"/>
+        </a:xfrm>
+      </p:grpSpPr>
+      <p:sp>
+        <p:nvSpPr>
+          <p:cNvPr id="2" name="슬라이드 이미지 개체 틀 1"/>
+          <p:cNvSpPr>
+            <a:spLocks noGrp="1" noRot="1" noChangeAspect="1"/>
+          </p:cNvSpPr>
+          <p:nvPr>
+            <p:ph type="sldImg"/>
+          </p:nvPr>
+        </p:nvSpPr>
+        <p:spPr/>
+      </p:sp>
+      <p:sp>
+        <p:nvSpPr>
+          <p:cNvPr id="3" name="슬라이드 노트 개체 틀 2"/>
+          <p:cNvSpPr>
+            <a:spLocks noGrp="1"/>
+          </p:cNvSpPr>
+          <p:nvPr>
+            <p:ph type="body" idx="1"/>
+          </p:nvPr>
+        </p:nvSpPr>
+        <p:spPr/>
+        <p:txBody>
+          <a:bodyPr/>
+          <a:lstStyle/>
+          <a:p>
+            <a:pPr algn="l">
+              <a:buFont typeface="Arial" panose="020B0604020202020204" pitchFamily="34" charset="0"/>
+              <a:buChar char="•"/>
+            </a:pPr>
+            <a:r>
+              <a:rPr lang="ko-KR" altLang="en-US" b="0" i="0" dirty="0">
+                <a:solidFill>
+                  <a:srgbClr val="666666"/>
+                </a:solidFill>
+                <a:effectLst/>
+                <a:latin typeface="Noto Sans KR"/>
+              </a:rPr>
+              <a:t>훈련 오차가 줄지는 않더라도 일반화 오차를 줄이려는 의도로 학습 알고리즘에 가하는 모든 종류의 수정이 정칙화</a:t>
+            </a:r>
+            <a:r>
+              <a:rPr lang="en-US" altLang="ko-KR" b="0" i="0" dirty="0">
+                <a:solidFill>
+                  <a:srgbClr val="666666"/>
+                </a:solidFill>
+                <a:effectLst/>
+                <a:latin typeface="Noto Sans KR"/>
+              </a:rPr>
+              <a:t>(regularization)</a:t>
+            </a:r>
+            <a:r>
+              <a:rPr lang="ko-KR" altLang="en-US" b="0" i="0" dirty="0">
+                <a:solidFill>
+                  <a:srgbClr val="666666"/>
+                </a:solidFill>
+                <a:effectLst/>
+                <a:latin typeface="Noto Sans KR"/>
+              </a:rPr>
+              <a:t>에 해당한다</a:t>
+            </a:r>
+            <a:r>
+              <a:rPr lang="en-US" altLang="ko-KR" b="0" i="0" dirty="0">
+                <a:solidFill>
+                  <a:srgbClr val="666666"/>
+                </a:solidFill>
+                <a:effectLst/>
+                <a:latin typeface="Noto Sans KR"/>
+              </a:rPr>
+              <a:t>. </a:t>
+            </a:r>
+          </a:p>
+          <a:p>
+            <a:pPr marL="742950" lvl="1" indent="-285750" algn="l">
+              <a:buFont typeface="Arial" panose="020B0604020202020204" pitchFamily="34" charset="0"/>
+              <a:buChar char="•"/>
+            </a:pPr>
+            <a:r>
+              <a:rPr lang="ko-KR" altLang="en-US" b="0" i="0" dirty="0">
+                <a:solidFill>
+                  <a:srgbClr val="666666"/>
+                </a:solidFill>
+                <a:effectLst/>
+                <a:latin typeface="Noto Sans KR"/>
+              </a:rPr>
+              <a:t>정칙화는 기계 학습 분야의 중심적인 고려사항 중 하나이다</a:t>
+            </a:r>
+            <a:r>
+              <a:rPr lang="en-US" altLang="ko-KR" b="0" i="0" dirty="0">
+                <a:solidFill>
+                  <a:srgbClr val="666666"/>
+                </a:solidFill>
+                <a:effectLst/>
+                <a:latin typeface="Noto Sans KR"/>
+              </a:rPr>
+              <a:t>. </a:t>
+            </a:r>
+            <a:r>
+              <a:rPr lang="ko-KR" altLang="en-US" b="0" i="0" dirty="0">
+                <a:solidFill>
+                  <a:srgbClr val="666666"/>
+                </a:solidFill>
+                <a:effectLst/>
+                <a:latin typeface="Noto Sans KR"/>
+              </a:rPr>
+              <a:t>정칙화만큼 중요한 사항은 최적화 정도 밖에 없다</a:t>
+            </a:r>
+            <a:r>
+              <a:rPr lang="en-US" altLang="ko-KR" b="0" i="0" dirty="0">
+                <a:solidFill>
+                  <a:srgbClr val="666666"/>
+                </a:solidFill>
+                <a:effectLst/>
+                <a:latin typeface="Noto Sans KR"/>
+              </a:rPr>
+              <a:t>. </a:t>
+            </a:r>
+          </a:p>
+          <a:p>
+            <a:pPr marL="742950" lvl="1" indent="-285750" algn="l">
+              <a:buFont typeface="Arial" panose="020B0604020202020204" pitchFamily="34" charset="0"/>
+              <a:buChar char="•"/>
+            </a:pPr>
+            <a:r>
+              <a:rPr lang="ko-KR" altLang="en-US" b="0" i="0" dirty="0">
+                <a:solidFill>
+                  <a:srgbClr val="666666"/>
+                </a:solidFill>
+                <a:effectLst/>
+                <a:latin typeface="Noto Sans KR"/>
+              </a:rPr>
+              <a:t>공짜 점심 없음 정리는 최고의 기계 학습 알고리즘 같은 것은 없음을 명확히 말해준다</a:t>
+            </a:r>
+            <a:r>
+              <a:rPr lang="en-US" altLang="ko-KR" b="0" i="0" dirty="0">
+                <a:solidFill>
+                  <a:srgbClr val="666666"/>
+                </a:solidFill>
+                <a:effectLst/>
+                <a:latin typeface="Noto Sans KR"/>
+              </a:rPr>
+              <a:t>. </a:t>
+            </a:r>
+            <a:r>
+              <a:rPr lang="ko-KR" altLang="en-US" b="0" i="0" dirty="0">
+                <a:solidFill>
+                  <a:srgbClr val="666666"/>
+                </a:solidFill>
+                <a:effectLst/>
+                <a:latin typeface="Noto Sans KR"/>
+              </a:rPr>
+              <a:t>특히</a:t>
+            </a:r>
+            <a:r>
+              <a:rPr lang="en-US" altLang="ko-KR" b="0" i="0" dirty="0">
+                <a:solidFill>
+                  <a:srgbClr val="666666"/>
+                </a:solidFill>
+                <a:effectLst/>
+                <a:latin typeface="Noto Sans KR"/>
+              </a:rPr>
+              <a:t>, </a:t>
+            </a:r>
+            <a:r>
+              <a:rPr lang="ko-KR" altLang="en-US" b="0" i="0" dirty="0">
+                <a:solidFill>
+                  <a:srgbClr val="666666"/>
+                </a:solidFill>
+                <a:effectLst/>
+                <a:latin typeface="Noto Sans KR"/>
+              </a:rPr>
+              <a:t>최고의 정칙화는 없다</a:t>
+            </a:r>
+            <a:r>
+              <a:rPr lang="en-US" altLang="ko-KR" b="0" i="0" dirty="0">
+                <a:solidFill>
+                  <a:srgbClr val="666666"/>
+                </a:solidFill>
+                <a:effectLst/>
+                <a:latin typeface="Noto Sans KR"/>
+              </a:rPr>
+              <a:t>. </a:t>
+            </a:r>
+          </a:p>
+          <a:p>
+            <a:pPr marL="742950" lvl="1" indent="-285750" algn="l">
+              <a:buFont typeface="Arial" panose="020B0604020202020204" pitchFamily="34" charset="0"/>
+              <a:buChar char="•"/>
+            </a:pPr>
+            <a:r>
+              <a:rPr lang="ko-KR" altLang="en-US" b="0" i="0" dirty="0">
+                <a:solidFill>
+                  <a:srgbClr val="666666"/>
+                </a:solidFill>
+                <a:effectLst/>
+                <a:latin typeface="Noto Sans KR"/>
+              </a:rPr>
+              <a:t>우리가 </a:t>
+            </a:r>
+            <a:r>
+              <a:rPr lang="ko-KR" altLang="en-US" b="0" i="0" dirty="0" err="1">
+                <a:solidFill>
+                  <a:srgbClr val="666666"/>
+                </a:solidFill>
+                <a:effectLst/>
+                <a:latin typeface="Noto Sans KR"/>
+              </a:rPr>
+              <a:t>해야할</a:t>
+            </a:r>
+            <a:r>
+              <a:rPr lang="ko-KR" altLang="en-US" b="0" i="0" dirty="0">
+                <a:solidFill>
+                  <a:srgbClr val="666666"/>
+                </a:solidFill>
+                <a:effectLst/>
+                <a:latin typeface="Noto Sans KR"/>
+              </a:rPr>
+              <a:t> 일은</a:t>
+            </a:r>
+            <a:r>
+              <a:rPr lang="en-US" altLang="ko-KR" b="0" i="0" dirty="0">
+                <a:solidFill>
+                  <a:srgbClr val="666666"/>
+                </a:solidFill>
+                <a:effectLst/>
+                <a:latin typeface="Noto Sans KR"/>
+              </a:rPr>
+              <a:t>, </a:t>
+            </a:r>
+            <a:r>
+              <a:rPr lang="ko-KR" altLang="en-US" b="0" i="0" dirty="0">
+                <a:solidFill>
+                  <a:srgbClr val="666666"/>
+                </a:solidFill>
+                <a:effectLst/>
+                <a:latin typeface="Noto Sans KR"/>
+              </a:rPr>
+              <a:t>풀어야 할 구체적인 과제에 잘 맞는 형태의 정칙화를 선택하는 것이다</a:t>
+            </a:r>
+            <a:r>
+              <a:rPr lang="en-US" altLang="ko-KR" b="0" i="0" dirty="0">
+                <a:solidFill>
+                  <a:srgbClr val="666666"/>
+                </a:solidFill>
+                <a:effectLst/>
+                <a:latin typeface="Noto Sans KR"/>
+              </a:rPr>
+              <a:t>.</a:t>
+            </a:r>
+          </a:p>
+          <a:p>
+            <a:pPr marL="742950" lvl="1" indent="-285750" algn="l">
+              <a:buFont typeface="Arial" panose="020B0604020202020204" pitchFamily="34" charset="0"/>
+              <a:buChar char="•"/>
+            </a:pPr>
+            <a:endParaRPr lang="en-US" altLang="ko-KR" b="0" i="0" dirty="0">
+              <a:solidFill>
+                <a:srgbClr val="666666"/>
+              </a:solidFill>
+              <a:effectLst/>
+              <a:latin typeface="Noto Sans KR"/>
+            </a:endParaRPr>
+          </a:p>
+          <a:p>
+            <a:pPr marL="457200" lvl="1" indent="0" algn="l">
+              <a:buFont typeface="Arial" panose="020B0604020202020204" pitchFamily="34" charset="0"/>
+              <a:buNone/>
+            </a:pPr>
+            <a:r>
+              <a:rPr lang="ko-KR" altLang="en-US" b="0" i="0" dirty="0">
+                <a:solidFill>
+                  <a:srgbClr val="666666"/>
+                </a:solidFill>
+                <a:effectLst/>
+                <a:latin typeface="Noto Sans KR"/>
+              </a:rPr>
+              <a:t>그림은 앞서 </a:t>
+            </a:r>
+            <a:r>
+              <a:rPr lang="en-US" altLang="ko-KR" b="0" i="0" dirty="0">
+                <a:solidFill>
+                  <a:srgbClr val="666666"/>
+                </a:solidFill>
+                <a:effectLst/>
+                <a:latin typeface="Noto Sans KR"/>
+              </a:rPr>
+              <a:t>9</a:t>
+            </a:r>
+            <a:r>
+              <a:rPr lang="ko-KR" altLang="en-US" b="0" i="0" dirty="0">
+                <a:solidFill>
+                  <a:srgbClr val="666666"/>
+                </a:solidFill>
+                <a:effectLst/>
+                <a:latin typeface="Noto Sans KR"/>
+              </a:rPr>
+              <a:t>차 함수에 </a:t>
+            </a:r>
+            <a:r>
+              <a:rPr lang="ko-KR" altLang="en-US" b="0" i="0" dirty="0" err="1">
+                <a:solidFill>
+                  <a:srgbClr val="666666"/>
+                </a:solidFill>
+                <a:effectLst/>
+                <a:latin typeface="Noto Sans KR"/>
+              </a:rPr>
+              <a:t>정칙화항을</a:t>
+            </a:r>
+            <a:r>
+              <a:rPr lang="ko-KR" altLang="en-US" b="0" i="0" dirty="0">
+                <a:solidFill>
+                  <a:srgbClr val="666666"/>
+                </a:solidFill>
+                <a:effectLst/>
+                <a:latin typeface="Noto Sans KR"/>
+              </a:rPr>
+              <a:t> 추가한 것임</a:t>
+            </a:r>
+            <a:r>
+              <a:rPr lang="en-US" altLang="ko-KR" b="0" i="0" dirty="0">
+                <a:solidFill>
+                  <a:srgbClr val="666666"/>
+                </a:solidFill>
+                <a:effectLst/>
+                <a:latin typeface="Noto Sans KR"/>
+              </a:rPr>
+              <a:t>. </a:t>
+            </a:r>
+            <a:r>
+              <a:rPr lang="ko-KR" altLang="en-US" b="0" i="0" dirty="0">
+                <a:solidFill>
+                  <a:srgbClr val="666666"/>
+                </a:solidFill>
+                <a:effectLst/>
+                <a:latin typeface="Noto Sans KR"/>
+              </a:rPr>
+              <a:t>정칙화 세기에 관한 </a:t>
+            </a:r>
+            <a:r>
+              <a:rPr lang="ko-KR" altLang="en-US" b="0" i="0" dirty="0" err="1">
+                <a:solidFill>
+                  <a:srgbClr val="666666"/>
+                </a:solidFill>
+                <a:effectLst/>
+                <a:latin typeface="Noto Sans KR"/>
+              </a:rPr>
+              <a:t>하이퍼파라미터</a:t>
+            </a:r>
+            <a:r>
+              <a:rPr lang="ko-KR" altLang="en-US" b="0" i="0" dirty="0">
+                <a:solidFill>
+                  <a:srgbClr val="666666"/>
+                </a:solidFill>
+                <a:effectLst/>
+                <a:latin typeface="Noto Sans KR"/>
+              </a:rPr>
+              <a:t> 람다를 </a:t>
+            </a:r>
+            <a:r>
+              <a:rPr lang="ko-KR" altLang="en-US" b="0" i="0" dirty="0" err="1">
+                <a:solidFill>
+                  <a:srgbClr val="666666"/>
+                </a:solidFill>
+                <a:effectLst/>
+                <a:latin typeface="Noto Sans KR"/>
+              </a:rPr>
+              <a:t>조절할때</a:t>
+            </a:r>
+            <a:r>
+              <a:rPr lang="ko-KR" altLang="en-US" b="0" i="0" dirty="0">
+                <a:solidFill>
+                  <a:srgbClr val="666666"/>
+                </a:solidFill>
+                <a:effectLst/>
+                <a:latin typeface="Noto Sans KR"/>
+              </a:rPr>
+              <a:t> 어떻게 모델이 변해가는지 보여줌</a:t>
+            </a:r>
+            <a:r>
+              <a:rPr lang="en-US" altLang="ko-KR" b="0" i="0">
+                <a:solidFill>
+                  <a:srgbClr val="666666"/>
+                </a:solidFill>
+                <a:effectLst/>
+                <a:latin typeface="Noto Sans KR"/>
+              </a:rPr>
+              <a:t>.</a:t>
+            </a:r>
+          </a:p>
+        </p:txBody>
+      </p:sp>
+      <p:sp>
+        <p:nvSpPr>
+          <p:cNvPr id="4" name="슬라이드 번호 개체 틀 3"/>
+          <p:cNvSpPr>
+            <a:spLocks noGrp="1"/>
+          </p:cNvSpPr>
+          <p:nvPr>
+            <p:ph type="sldNum" sz="quarter" idx="5"/>
+          </p:nvPr>
+        </p:nvSpPr>
+        <p:spPr/>
+        <p:txBody>
+          <a:bodyPr/>
+          <a:lstStyle/>
+          <a:p>
+            <a:fld id="{DA275FA2-6C42-4D6B-BC32-C1F878E1B2E0}" type="slidenum">
+              <a:rPr lang="ko-KR" altLang="en-US" smtClean="0"/>
+              <a:t>22</a:t>
+            </a:fld>
+            <a:endParaRPr lang="ko-KR" altLang="en-US"/>
+          </a:p>
+        </p:txBody>
+      </p:sp>
+    </p:spTree>
+    <p:extLst>
+      <p:ext uri="{BB962C8B-B14F-4D97-AF65-F5344CB8AC3E}">
+        <p14:creationId xmlns:p14="http://schemas.microsoft.com/office/powerpoint/2010/main" val="1014001664"/>
       </p:ext>
     </p:extLst>
   </p:cSld>
@@ -3294,6 +5933,1075 @@
 </p:sld>
 </file>
 
+<file path=ppt/slides/slide12.xml><?xml version="1.0" encoding="utf-8"?>
+<p:sld xmlns:a="http://schemas.openxmlformats.org/drawingml/2006/main" xmlns:r="http://schemas.openxmlformats.org/officeDocument/2006/relationships" xmlns:p="http://schemas.openxmlformats.org/presentationml/2006/main">
+  <p:cSld>
+    <p:spTree>
+      <p:nvGrpSpPr>
+        <p:cNvPr id="1" name=""/>
+        <p:cNvGrpSpPr/>
+        <p:nvPr/>
+      </p:nvGrpSpPr>
+      <p:grpSpPr>
+        <a:xfrm>
+          <a:off x="0" y="0"/>
+          <a:ext cx="0" cy="0"/>
+          <a:chOff x="0" y="0"/>
+          <a:chExt cx="0" cy="0"/>
+        </a:xfrm>
+      </p:grpSpPr>
+      <p:sp>
+        <p:nvSpPr>
+          <p:cNvPr id="2" name="제목 1">
+            <a:extLst>
+              <a:ext uri="{FF2B5EF4-FFF2-40B4-BE49-F238E27FC236}">
+                <a16:creationId xmlns:a16="http://schemas.microsoft.com/office/drawing/2014/main" id="{AA92BCFB-E11B-F940-A787-2261CAC8E814}"/>
+              </a:ext>
+            </a:extLst>
+          </p:cNvPr>
+          <p:cNvSpPr>
+            <a:spLocks noGrp="1"/>
+          </p:cNvSpPr>
+          <p:nvPr>
+            <p:ph type="title"/>
+          </p:nvPr>
+        </p:nvSpPr>
+        <p:spPr/>
+        <p:txBody>
+          <a:bodyPr/>
+          <a:lstStyle/>
+          <a:p>
+            <a:r>
+              <a:rPr kumimoji="1" lang="en-US" altLang="en-US" dirty="0"/>
+              <a:t>5.1.3 The Experience, E</a:t>
+            </a:r>
+            <a:endParaRPr kumimoji="1" lang="ko-Kore-KR" altLang="en-US" dirty="0"/>
+          </a:p>
+        </p:txBody>
+      </p:sp>
+      <p:sp>
+        <p:nvSpPr>
+          <p:cNvPr id="3" name="내용 개체 틀 2">
+            <a:extLst>
+              <a:ext uri="{FF2B5EF4-FFF2-40B4-BE49-F238E27FC236}">
+                <a16:creationId xmlns:a16="http://schemas.microsoft.com/office/drawing/2014/main" id="{1725D5B2-2C6C-3B43-B4F2-CA91BE12BB41}"/>
+              </a:ext>
+            </a:extLst>
+          </p:cNvPr>
+          <p:cNvSpPr>
+            <a:spLocks noGrp="1"/>
+          </p:cNvSpPr>
+          <p:nvPr>
+            <p:ph idx="1"/>
+          </p:nvPr>
+        </p:nvSpPr>
+        <p:spPr>
+          <a:xfrm>
+            <a:off x="838200" y="1721803"/>
+            <a:ext cx="10927080" cy="4351338"/>
+          </a:xfrm>
+        </p:spPr>
+        <p:txBody>
+          <a:bodyPr/>
+          <a:lstStyle/>
+          <a:p>
+            <a:r>
+              <a:rPr kumimoji="1" lang="en-US" altLang="en-US" b="1" dirty="0"/>
+              <a:t>Unsupervised learning algorithms </a:t>
+            </a:r>
+            <a:r>
+              <a:rPr kumimoji="1" lang="en-US" altLang="en-US" dirty="0"/>
+              <a:t>experience a dataset containing many features, then </a:t>
+            </a:r>
+            <a:r>
+              <a:rPr kumimoji="1" lang="en-US" altLang="en-US" b="1" dirty="0"/>
+              <a:t>learn useful properties of the structure of this dataset</a:t>
+            </a:r>
+          </a:p>
+          <a:p>
+            <a:pPr lvl="1"/>
+            <a:r>
+              <a:rPr kumimoji="1" lang="en-US" altLang="en-US" dirty="0"/>
+              <a:t>learn the entire </a:t>
+            </a:r>
+            <a:r>
+              <a:rPr kumimoji="1" lang="en-US" altLang="en-US" b="1" dirty="0"/>
+              <a:t>probability distribution </a:t>
+            </a:r>
+            <a:r>
+              <a:rPr kumimoji="1" lang="en-US" altLang="en-US" dirty="0"/>
+              <a:t>that generated a dataset</a:t>
+            </a:r>
+          </a:p>
+          <a:p>
+            <a:pPr lvl="1"/>
+            <a:r>
+              <a:rPr kumimoji="1" lang="en-US" altLang="en-US" b="1" dirty="0"/>
+              <a:t>clustering</a:t>
+            </a:r>
+            <a:r>
+              <a:rPr kumimoji="1" lang="en-US" altLang="en-US" dirty="0"/>
+              <a:t>, which consists of dividing the dataset into clusters of similar examples</a:t>
+            </a:r>
+          </a:p>
+        </p:txBody>
+      </p:sp>
+    </p:spTree>
+    <p:extLst>
+      <p:ext uri="{BB962C8B-B14F-4D97-AF65-F5344CB8AC3E}">
+        <p14:creationId xmlns:p14="http://schemas.microsoft.com/office/powerpoint/2010/main" val="2190021194"/>
+      </p:ext>
+    </p:extLst>
+  </p:cSld>
+  <p:clrMapOvr>
+    <a:masterClrMapping/>
+  </p:clrMapOvr>
+</p:sld>
+</file>
+
+<file path=ppt/slides/slide13.xml><?xml version="1.0" encoding="utf-8"?>
+<p:sld xmlns:a="http://schemas.openxmlformats.org/drawingml/2006/main" xmlns:r="http://schemas.openxmlformats.org/officeDocument/2006/relationships" xmlns:p="http://schemas.openxmlformats.org/presentationml/2006/main">
+  <p:cSld>
+    <p:spTree>
+      <p:nvGrpSpPr>
+        <p:cNvPr id="1" name=""/>
+        <p:cNvGrpSpPr/>
+        <p:nvPr/>
+      </p:nvGrpSpPr>
+      <p:grpSpPr>
+        <a:xfrm>
+          <a:off x="0" y="0"/>
+          <a:ext cx="0" cy="0"/>
+          <a:chOff x="0" y="0"/>
+          <a:chExt cx="0" cy="0"/>
+        </a:xfrm>
+      </p:grpSpPr>
+      <p:sp>
+        <p:nvSpPr>
+          <p:cNvPr id="2" name="제목 1">
+            <a:extLst>
+              <a:ext uri="{FF2B5EF4-FFF2-40B4-BE49-F238E27FC236}">
+                <a16:creationId xmlns:a16="http://schemas.microsoft.com/office/drawing/2014/main" id="{AA92BCFB-E11B-F940-A787-2261CAC8E814}"/>
+              </a:ext>
+            </a:extLst>
+          </p:cNvPr>
+          <p:cNvSpPr>
+            <a:spLocks noGrp="1"/>
+          </p:cNvSpPr>
+          <p:nvPr>
+            <p:ph type="title"/>
+          </p:nvPr>
+        </p:nvSpPr>
+        <p:spPr/>
+        <p:txBody>
+          <a:bodyPr/>
+          <a:lstStyle/>
+          <a:p>
+            <a:r>
+              <a:rPr kumimoji="1" lang="en-US" altLang="en-US" dirty="0"/>
+              <a:t>5.1.3 The Experience, E</a:t>
+            </a:r>
+            <a:endParaRPr kumimoji="1" lang="ko-Kore-KR" altLang="en-US" dirty="0"/>
+          </a:p>
+        </p:txBody>
+      </p:sp>
+      <p:sp>
+        <p:nvSpPr>
+          <p:cNvPr id="3" name="내용 개체 틀 2">
+            <a:extLst>
+              <a:ext uri="{FF2B5EF4-FFF2-40B4-BE49-F238E27FC236}">
+                <a16:creationId xmlns:a16="http://schemas.microsoft.com/office/drawing/2014/main" id="{1725D5B2-2C6C-3B43-B4F2-CA91BE12BB41}"/>
+              </a:ext>
+            </a:extLst>
+          </p:cNvPr>
+          <p:cNvSpPr>
+            <a:spLocks noGrp="1"/>
+          </p:cNvSpPr>
+          <p:nvPr>
+            <p:ph idx="1"/>
+          </p:nvPr>
+        </p:nvSpPr>
+        <p:spPr>
+          <a:xfrm>
+            <a:off x="838200" y="1721803"/>
+            <a:ext cx="10927080" cy="4351338"/>
+          </a:xfrm>
+        </p:spPr>
+        <p:txBody>
+          <a:bodyPr/>
+          <a:lstStyle/>
+          <a:p>
+            <a:r>
+              <a:rPr kumimoji="1" lang="en-US" altLang="en-US" b="1" dirty="0"/>
+              <a:t>Supervised learning algorithms </a:t>
+            </a:r>
+            <a:r>
+              <a:rPr kumimoji="1" lang="en-US" altLang="en-US" dirty="0"/>
+              <a:t>experience a dataset containing features, but each example is also associated with a label or target</a:t>
+            </a:r>
+          </a:p>
+          <a:p>
+            <a:pPr lvl="1"/>
+            <a:r>
+              <a:rPr kumimoji="1" lang="en-US" altLang="en-US" dirty="0"/>
+              <a:t>For example, the Iris dataset is annotated with the species of each iris plant. A supervised learning algorithm can study the Iris dataset and learn to classify iris plants into three diﬀerent species based on their measurements</a:t>
+            </a:r>
+          </a:p>
+        </p:txBody>
+      </p:sp>
+    </p:spTree>
+    <p:extLst>
+      <p:ext uri="{BB962C8B-B14F-4D97-AF65-F5344CB8AC3E}">
+        <p14:creationId xmlns:p14="http://schemas.microsoft.com/office/powerpoint/2010/main" val="3641658395"/>
+      </p:ext>
+    </p:extLst>
+  </p:cSld>
+  <p:clrMapOvr>
+    <a:masterClrMapping/>
+  </p:clrMapOvr>
+</p:sld>
+</file>
+
+<file path=ppt/slides/slide14.xml><?xml version="1.0" encoding="utf-8"?>
+<p:sld xmlns:a="http://schemas.openxmlformats.org/drawingml/2006/main" xmlns:r="http://schemas.openxmlformats.org/officeDocument/2006/relationships" xmlns:p="http://schemas.openxmlformats.org/presentationml/2006/main">
+  <p:cSld>
+    <p:spTree>
+      <p:nvGrpSpPr>
+        <p:cNvPr id="1" name=""/>
+        <p:cNvGrpSpPr/>
+        <p:nvPr/>
+      </p:nvGrpSpPr>
+      <p:grpSpPr>
+        <a:xfrm>
+          <a:off x="0" y="0"/>
+          <a:ext cx="0" cy="0"/>
+          <a:chOff x="0" y="0"/>
+          <a:chExt cx="0" cy="0"/>
+        </a:xfrm>
+      </p:grpSpPr>
+      <p:sp>
+        <p:nvSpPr>
+          <p:cNvPr id="2" name="제목 1">
+            <a:extLst>
+              <a:ext uri="{FF2B5EF4-FFF2-40B4-BE49-F238E27FC236}">
+                <a16:creationId xmlns:a16="http://schemas.microsoft.com/office/drawing/2014/main" id="{AA92BCFB-E11B-F940-A787-2261CAC8E814}"/>
+              </a:ext>
+            </a:extLst>
+          </p:cNvPr>
+          <p:cNvSpPr>
+            <a:spLocks noGrp="1"/>
+          </p:cNvSpPr>
+          <p:nvPr>
+            <p:ph type="title"/>
+          </p:nvPr>
+        </p:nvSpPr>
+        <p:spPr/>
+        <p:txBody>
+          <a:bodyPr>
+            <a:normAutofit/>
+          </a:bodyPr>
+          <a:lstStyle/>
+          <a:p>
+            <a:r>
+              <a:rPr kumimoji="1" lang="en-US" altLang="en-US" sz="4000" dirty="0"/>
+              <a:t>5.2 Capacity, Overfitting and Underfitting</a:t>
+            </a:r>
+            <a:endParaRPr kumimoji="1" lang="ko-Kore-KR" altLang="en-US" sz="4000" dirty="0"/>
+          </a:p>
+        </p:txBody>
+      </p:sp>
+      <p:sp>
+        <p:nvSpPr>
+          <p:cNvPr id="3" name="내용 개체 틀 2">
+            <a:extLst>
+              <a:ext uri="{FF2B5EF4-FFF2-40B4-BE49-F238E27FC236}">
+                <a16:creationId xmlns:a16="http://schemas.microsoft.com/office/drawing/2014/main" id="{1725D5B2-2C6C-3B43-B4F2-CA91BE12BB41}"/>
+              </a:ext>
+            </a:extLst>
+          </p:cNvPr>
+          <p:cNvSpPr>
+            <a:spLocks noGrp="1"/>
+          </p:cNvSpPr>
+          <p:nvPr>
+            <p:ph idx="1"/>
+          </p:nvPr>
+        </p:nvSpPr>
+        <p:spPr>
+          <a:xfrm>
+            <a:off x="838200" y="1721803"/>
+            <a:ext cx="10927080" cy="4351338"/>
+          </a:xfrm>
+        </p:spPr>
+        <p:txBody>
+          <a:bodyPr/>
+          <a:lstStyle/>
+          <a:p>
+            <a:r>
+              <a:rPr kumimoji="1" lang="en-US" altLang="en-US" dirty="0"/>
+              <a:t>The central challenge in machine learning is that our algorithm </a:t>
+            </a:r>
+            <a:r>
+              <a:rPr kumimoji="1" lang="en-US" altLang="en-US" b="1" dirty="0"/>
+              <a:t>must perform well on new</a:t>
+            </a:r>
+            <a:r>
+              <a:rPr kumimoji="1" lang="en-US" altLang="en-US" dirty="0"/>
+              <a:t>, previously </a:t>
+            </a:r>
+            <a:r>
+              <a:rPr kumimoji="1" lang="en-US" altLang="en-US" b="1" dirty="0"/>
+              <a:t>unseen inputs</a:t>
+            </a:r>
+            <a:r>
+              <a:rPr kumimoji="1" lang="en-US" altLang="en-US" dirty="0"/>
+              <a:t>—not just those on which our model was trained.</a:t>
+            </a:r>
+          </a:p>
+          <a:p>
+            <a:pPr lvl="1"/>
+            <a:r>
+              <a:rPr kumimoji="1" lang="en-US" altLang="en-US" dirty="0"/>
+              <a:t>The ability to perform well on previously unobserved inputs is called </a:t>
+            </a:r>
+            <a:r>
+              <a:rPr kumimoji="1" lang="en-US" altLang="en-US" b="1" dirty="0"/>
+              <a:t>generalization.</a:t>
+            </a:r>
+          </a:p>
+        </p:txBody>
+      </p:sp>
+    </p:spTree>
+    <p:extLst>
+      <p:ext uri="{BB962C8B-B14F-4D97-AF65-F5344CB8AC3E}">
+        <p14:creationId xmlns:p14="http://schemas.microsoft.com/office/powerpoint/2010/main" val="3061513261"/>
+      </p:ext>
+    </p:extLst>
+  </p:cSld>
+  <p:clrMapOvr>
+    <a:masterClrMapping/>
+  </p:clrMapOvr>
+</p:sld>
+</file>
+
+<file path=ppt/slides/slide15.xml><?xml version="1.0" encoding="utf-8"?>
+<p:sld xmlns:a="http://schemas.openxmlformats.org/drawingml/2006/main" xmlns:r="http://schemas.openxmlformats.org/officeDocument/2006/relationships" xmlns:p="http://schemas.openxmlformats.org/presentationml/2006/main">
+  <p:cSld>
+    <p:spTree>
+      <p:nvGrpSpPr>
+        <p:cNvPr id="1" name=""/>
+        <p:cNvGrpSpPr/>
+        <p:nvPr/>
+      </p:nvGrpSpPr>
+      <p:grpSpPr>
+        <a:xfrm>
+          <a:off x="0" y="0"/>
+          <a:ext cx="0" cy="0"/>
+          <a:chOff x="0" y="0"/>
+          <a:chExt cx="0" cy="0"/>
+        </a:xfrm>
+      </p:grpSpPr>
+      <p:sp>
+        <p:nvSpPr>
+          <p:cNvPr id="2" name="제목 1">
+            <a:extLst>
+              <a:ext uri="{FF2B5EF4-FFF2-40B4-BE49-F238E27FC236}">
+                <a16:creationId xmlns:a16="http://schemas.microsoft.com/office/drawing/2014/main" id="{AA92BCFB-E11B-F940-A787-2261CAC8E814}"/>
+              </a:ext>
+            </a:extLst>
+          </p:cNvPr>
+          <p:cNvSpPr>
+            <a:spLocks noGrp="1"/>
+          </p:cNvSpPr>
+          <p:nvPr>
+            <p:ph type="title"/>
+          </p:nvPr>
+        </p:nvSpPr>
+        <p:spPr/>
+        <p:txBody>
+          <a:bodyPr>
+            <a:normAutofit/>
+          </a:bodyPr>
+          <a:lstStyle/>
+          <a:p>
+            <a:r>
+              <a:rPr kumimoji="1" lang="en-US" altLang="en-US" sz="4000" dirty="0"/>
+              <a:t>5.2 Capacity, Overfitting and Underfitting</a:t>
+            </a:r>
+            <a:endParaRPr kumimoji="1" lang="ko-Kore-KR" altLang="en-US" sz="4000" dirty="0"/>
+          </a:p>
+        </p:txBody>
+      </p:sp>
+      <p:sp>
+        <p:nvSpPr>
+          <p:cNvPr id="3" name="내용 개체 틀 2">
+            <a:extLst>
+              <a:ext uri="{FF2B5EF4-FFF2-40B4-BE49-F238E27FC236}">
+                <a16:creationId xmlns:a16="http://schemas.microsoft.com/office/drawing/2014/main" id="{1725D5B2-2C6C-3B43-B4F2-CA91BE12BB41}"/>
+              </a:ext>
+            </a:extLst>
+          </p:cNvPr>
+          <p:cNvSpPr>
+            <a:spLocks noGrp="1"/>
+          </p:cNvSpPr>
+          <p:nvPr>
+            <p:ph idx="1"/>
+          </p:nvPr>
+        </p:nvSpPr>
+        <p:spPr>
+          <a:xfrm>
+            <a:off x="838200" y="1721803"/>
+            <a:ext cx="10927080" cy="4351338"/>
+          </a:xfrm>
+        </p:spPr>
+        <p:txBody>
+          <a:bodyPr/>
+          <a:lstStyle/>
+          <a:p>
+            <a:r>
+              <a:rPr kumimoji="1" lang="en-US" altLang="en-US" dirty="0"/>
+              <a:t>we can compute some error measure on the training set, called the </a:t>
+            </a:r>
+            <a:r>
+              <a:rPr kumimoji="1" lang="en-US" altLang="en-US" b="1" dirty="0"/>
+              <a:t>training error</a:t>
+            </a:r>
+            <a:r>
+              <a:rPr kumimoji="1" lang="en-US" altLang="en-US" dirty="0"/>
+              <a:t>; and we reduce this training error</a:t>
+            </a:r>
+          </a:p>
+          <a:p>
+            <a:endParaRPr kumimoji="1" lang="en-US" altLang="en-US" dirty="0"/>
+          </a:p>
+          <a:p>
+            <a:r>
+              <a:rPr kumimoji="1" lang="en-US" altLang="en-US" dirty="0"/>
+              <a:t>What separates machine learning from optimization is that we want the </a:t>
+            </a:r>
+            <a:r>
+              <a:rPr kumimoji="1" lang="en-US" altLang="en-US" b="1" dirty="0"/>
+              <a:t>generalization error</a:t>
+            </a:r>
+            <a:r>
+              <a:rPr kumimoji="1" lang="en-US" altLang="en-US" dirty="0"/>
+              <a:t>, also called the </a:t>
+            </a:r>
+            <a:r>
+              <a:rPr kumimoji="1" lang="en-US" altLang="en-US" b="1" dirty="0"/>
+              <a:t>test error</a:t>
+            </a:r>
+            <a:r>
+              <a:rPr kumimoji="1" lang="en-US" altLang="en-US" dirty="0"/>
+              <a:t>, to be low as well</a:t>
+            </a:r>
+          </a:p>
+        </p:txBody>
+      </p:sp>
+      <p:pic>
+        <p:nvPicPr>
+          <p:cNvPr id="5" name="그림 4">
+            <a:extLst>
+              <a:ext uri="{FF2B5EF4-FFF2-40B4-BE49-F238E27FC236}">
+                <a16:creationId xmlns:a16="http://schemas.microsoft.com/office/drawing/2014/main" id="{CD316095-B6F5-BCD4-C24B-DB1DA6858D68}"/>
+              </a:ext>
+            </a:extLst>
+          </p:cNvPr>
+          <p:cNvPicPr>
+            <a:picLocks noChangeAspect="1"/>
+          </p:cNvPicPr>
+          <p:nvPr/>
+        </p:nvPicPr>
+        <p:blipFill>
+          <a:blip r:embed="rId3"/>
+          <a:stretch>
+            <a:fillRect/>
+          </a:stretch>
+        </p:blipFill>
+        <p:spPr>
+          <a:xfrm>
+            <a:off x="4595603" y="2876472"/>
+            <a:ext cx="3000794" cy="552527"/>
+          </a:xfrm>
+          <a:prstGeom prst="rect">
+            <a:avLst/>
+          </a:prstGeom>
+        </p:spPr>
+      </p:pic>
+      <p:pic>
+        <p:nvPicPr>
+          <p:cNvPr id="7" name="그림 6">
+            <a:extLst>
+              <a:ext uri="{FF2B5EF4-FFF2-40B4-BE49-F238E27FC236}">
+                <a16:creationId xmlns:a16="http://schemas.microsoft.com/office/drawing/2014/main" id="{30C7051D-F329-32B0-BE8A-CB42D285B9E7}"/>
+              </a:ext>
+            </a:extLst>
+          </p:cNvPr>
+          <p:cNvPicPr>
+            <a:picLocks noChangeAspect="1"/>
+          </p:cNvPicPr>
+          <p:nvPr/>
+        </p:nvPicPr>
+        <p:blipFill>
+          <a:blip r:embed="rId4"/>
+          <a:stretch>
+            <a:fillRect/>
+          </a:stretch>
+        </p:blipFill>
+        <p:spPr>
+          <a:xfrm>
+            <a:off x="4595603" y="4738657"/>
+            <a:ext cx="2991267" cy="428685"/>
+          </a:xfrm>
+          <a:prstGeom prst="rect">
+            <a:avLst/>
+          </a:prstGeom>
+        </p:spPr>
+      </p:pic>
+    </p:spTree>
+    <p:extLst>
+      <p:ext uri="{BB962C8B-B14F-4D97-AF65-F5344CB8AC3E}">
+        <p14:creationId xmlns:p14="http://schemas.microsoft.com/office/powerpoint/2010/main" val="4124330648"/>
+      </p:ext>
+    </p:extLst>
+  </p:cSld>
+  <p:clrMapOvr>
+    <a:masterClrMapping/>
+  </p:clrMapOvr>
+</p:sld>
+</file>
+
+<file path=ppt/slides/slide16.xml><?xml version="1.0" encoding="utf-8"?>
+<p:sld xmlns:a="http://schemas.openxmlformats.org/drawingml/2006/main" xmlns:r="http://schemas.openxmlformats.org/officeDocument/2006/relationships" xmlns:p="http://schemas.openxmlformats.org/presentationml/2006/main">
+  <p:cSld>
+    <p:spTree>
+      <p:nvGrpSpPr>
+        <p:cNvPr id="1" name=""/>
+        <p:cNvGrpSpPr/>
+        <p:nvPr/>
+      </p:nvGrpSpPr>
+      <p:grpSpPr>
+        <a:xfrm>
+          <a:off x="0" y="0"/>
+          <a:ext cx="0" cy="0"/>
+          <a:chOff x="0" y="0"/>
+          <a:chExt cx="0" cy="0"/>
+        </a:xfrm>
+      </p:grpSpPr>
+      <p:sp>
+        <p:nvSpPr>
+          <p:cNvPr id="2" name="제목 1">
+            <a:extLst>
+              <a:ext uri="{FF2B5EF4-FFF2-40B4-BE49-F238E27FC236}">
+                <a16:creationId xmlns:a16="http://schemas.microsoft.com/office/drawing/2014/main" id="{AA92BCFB-E11B-F940-A787-2261CAC8E814}"/>
+              </a:ext>
+            </a:extLst>
+          </p:cNvPr>
+          <p:cNvSpPr>
+            <a:spLocks noGrp="1"/>
+          </p:cNvSpPr>
+          <p:nvPr>
+            <p:ph type="title"/>
+          </p:nvPr>
+        </p:nvSpPr>
+        <p:spPr/>
+        <p:txBody>
+          <a:bodyPr>
+            <a:normAutofit/>
+          </a:bodyPr>
+          <a:lstStyle/>
+          <a:p>
+            <a:r>
+              <a:rPr kumimoji="1" lang="en-US" altLang="en-US" sz="4000" dirty="0"/>
+              <a:t>5.2 Capacity, Overfitting and Underfitting</a:t>
+            </a:r>
+            <a:endParaRPr kumimoji="1" lang="ko-Kore-KR" altLang="en-US" sz="4000" dirty="0"/>
+          </a:p>
+        </p:txBody>
+      </p:sp>
+      <p:sp>
+        <p:nvSpPr>
+          <p:cNvPr id="3" name="내용 개체 틀 2">
+            <a:extLst>
+              <a:ext uri="{FF2B5EF4-FFF2-40B4-BE49-F238E27FC236}">
+                <a16:creationId xmlns:a16="http://schemas.microsoft.com/office/drawing/2014/main" id="{1725D5B2-2C6C-3B43-B4F2-CA91BE12BB41}"/>
+              </a:ext>
+            </a:extLst>
+          </p:cNvPr>
+          <p:cNvSpPr>
+            <a:spLocks noGrp="1"/>
+          </p:cNvSpPr>
+          <p:nvPr>
+            <p:ph idx="1"/>
+          </p:nvPr>
+        </p:nvSpPr>
+        <p:spPr>
+          <a:xfrm>
+            <a:off x="838200" y="1721803"/>
+            <a:ext cx="10927080" cy="4351338"/>
+          </a:xfrm>
+        </p:spPr>
+        <p:txBody>
+          <a:bodyPr/>
+          <a:lstStyle/>
+          <a:p>
+            <a:r>
+              <a:rPr kumimoji="1" lang="en-US" altLang="en-US" dirty="0"/>
+              <a:t>The factors determining how well a machine learning algorithm will perform are its ability to</a:t>
+            </a:r>
+          </a:p>
+          <a:p>
+            <a:pPr lvl="1"/>
+            <a:r>
+              <a:rPr kumimoji="1" lang="en-US" altLang="en-US" dirty="0"/>
+              <a:t>1. Make the training error small.</a:t>
+            </a:r>
+          </a:p>
+          <a:p>
+            <a:pPr lvl="1"/>
+            <a:r>
+              <a:rPr kumimoji="1" lang="en-US" altLang="en-US" dirty="0"/>
+              <a:t>2. Make the </a:t>
+            </a:r>
+            <a:r>
+              <a:rPr kumimoji="1" lang="en-US" altLang="en-US" b="1" dirty="0"/>
+              <a:t>gap</a:t>
+            </a:r>
+            <a:r>
+              <a:rPr kumimoji="1" lang="en-US" altLang="en-US" dirty="0"/>
+              <a:t> between training and test error </a:t>
+            </a:r>
+            <a:r>
+              <a:rPr kumimoji="1" lang="en-US" altLang="en-US" b="1" dirty="0"/>
+              <a:t>small</a:t>
+            </a:r>
+            <a:r>
+              <a:rPr kumimoji="1" lang="en-US" altLang="en-US" dirty="0"/>
+              <a:t>.</a:t>
+            </a:r>
+          </a:p>
+        </p:txBody>
+      </p:sp>
+    </p:spTree>
+    <p:extLst>
+      <p:ext uri="{BB962C8B-B14F-4D97-AF65-F5344CB8AC3E}">
+        <p14:creationId xmlns:p14="http://schemas.microsoft.com/office/powerpoint/2010/main" val="2885316519"/>
+      </p:ext>
+    </p:extLst>
+  </p:cSld>
+  <p:clrMapOvr>
+    <a:masterClrMapping/>
+  </p:clrMapOvr>
+</p:sld>
+</file>
+
+<file path=ppt/slides/slide17.xml><?xml version="1.0" encoding="utf-8"?>
+<p:sld xmlns:a="http://schemas.openxmlformats.org/drawingml/2006/main" xmlns:r="http://schemas.openxmlformats.org/officeDocument/2006/relationships" xmlns:p="http://schemas.openxmlformats.org/presentationml/2006/main">
+  <p:cSld>
+    <p:spTree>
+      <p:nvGrpSpPr>
+        <p:cNvPr id="1" name=""/>
+        <p:cNvGrpSpPr/>
+        <p:nvPr/>
+      </p:nvGrpSpPr>
+      <p:grpSpPr>
+        <a:xfrm>
+          <a:off x="0" y="0"/>
+          <a:ext cx="0" cy="0"/>
+          <a:chOff x="0" y="0"/>
+          <a:chExt cx="0" cy="0"/>
+        </a:xfrm>
+      </p:grpSpPr>
+      <p:sp>
+        <p:nvSpPr>
+          <p:cNvPr id="2" name="제목 1">
+            <a:extLst>
+              <a:ext uri="{FF2B5EF4-FFF2-40B4-BE49-F238E27FC236}">
+                <a16:creationId xmlns:a16="http://schemas.microsoft.com/office/drawing/2014/main" id="{AA92BCFB-E11B-F940-A787-2261CAC8E814}"/>
+              </a:ext>
+            </a:extLst>
+          </p:cNvPr>
+          <p:cNvSpPr>
+            <a:spLocks noGrp="1"/>
+          </p:cNvSpPr>
+          <p:nvPr>
+            <p:ph type="title"/>
+          </p:nvPr>
+        </p:nvSpPr>
+        <p:spPr/>
+        <p:txBody>
+          <a:bodyPr>
+            <a:normAutofit/>
+          </a:bodyPr>
+          <a:lstStyle/>
+          <a:p>
+            <a:r>
+              <a:rPr kumimoji="1" lang="en-US" altLang="en-US" sz="4000" dirty="0"/>
+              <a:t>5.2 Capacity, Overfitting and Underfitting</a:t>
+            </a:r>
+            <a:endParaRPr kumimoji="1" lang="ko-Kore-KR" altLang="en-US" sz="4000" dirty="0"/>
+          </a:p>
+        </p:txBody>
+      </p:sp>
+      <p:sp>
+        <p:nvSpPr>
+          <p:cNvPr id="3" name="내용 개체 틀 2">
+            <a:extLst>
+              <a:ext uri="{FF2B5EF4-FFF2-40B4-BE49-F238E27FC236}">
+                <a16:creationId xmlns:a16="http://schemas.microsoft.com/office/drawing/2014/main" id="{1725D5B2-2C6C-3B43-B4F2-CA91BE12BB41}"/>
+              </a:ext>
+            </a:extLst>
+          </p:cNvPr>
+          <p:cNvSpPr>
+            <a:spLocks noGrp="1"/>
+          </p:cNvSpPr>
+          <p:nvPr>
+            <p:ph idx="1"/>
+          </p:nvPr>
+        </p:nvSpPr>
+        <p:spPr>
+          <a:xfrm>
+            <a:off x="838200" y="1721803"/>
+            <a:ext cx="10927080" cy="4351338"/>
+          </a:xfrm>
+        </p:spPr>
+        <p:txBody>
+          <a:bodyPr/>
+          <a:lstStyle/>
+          <a:p>
+            <a:r>
+              <a:rPr kumimoji="1" lang="en-US" altLang="en-US" b="1" dirty="0"/>
+              <a:t>Underfitting</a:t>
+            </a:r>
+          </a:p>
+          <a:p>
+            <a:pPr lvl="1"/>
+            <a:r>
+              <a:rPr kumimoji="1" lang="en-US" altLang="en-US" dirty="0"/>
+              <a:t>It occurs when the model is not able to obtain a sufficiently low error value on training set</a:t>
+            </a:r>
+          </a:p>
+          <a:p>
+            <a:r>
+              <a:rPr kumimoji="1" lang="en-US" altLang="en-US" b="1" dirty="0"/>
+              <a:t>Overfitting</a:t>
+            </a:r>
+          </a:p>
+          <a:p>
+            <a:pPr lvl="1"/>
+            <a:r>
+              <a:rPr kumimoji="1" lang="en-US" altLang="en-US" dirty="0"/>
+              <a:t>It occurs when the gap between the training error and test error is too large</a:t>
+            </a:r>
+          </a:p>
+        </p:txBody>
+      </p:sp>
+    </p:spTree>
+    <p:extLst>
+      <p:ext uri="{BB962C8B-B14F-4D97-AF65-F5344CB8AC3E}">
+        <p14:creationId xmlns:p14="http://schemas.microsoft.com/office/powerpoint/2010/main" val="4190322161"/>
+      </p:ext>
+    </p:extLst>
+  </p:cSld>
+  <p:clrMapOvr>
+    <a:masterClrMapping/>
+  </p:clrMapOvr>
+</p:sld>
+</file>
+
+<file path=ppt/slides/slide18.xml><?xml version="1.0" encoding="utf-8"?>
+<p:sld xmlns:a="http://schemas.openxmlformats.org/drawingml/2006/main" xmlns:r="http://schemas.openxmlformats.org/officeDocument/2006/relationships" xmlns:p="http://schemas.openxmlformats.org/presentationml/2006/main">
+  <p:cSld>
+    <p:spTree>
+      <p:nvGrpSpPr>
+        <p:cNvPr id="1" name=""/>
+        <p:cNvGrpSpPr/>
+        <p:nvPr/>
+      </p:nvGrpSpPr>
+      <p:grpSpPr>
+        <a:xfrm>
+          <a:off x="0" y="0"/>
+          <a:ext cx="0" cy="0"/>
+          <a:chOff x="0" y="0"/>
+          <a:chExt cx="0" cy="0"/>
+        </a:xfrm>
+      </p:grpSpPr>
+      <p:sp>
+        <p:nvSpPr>
+          <p:cNvPr id="2" name="제목 1">
+            <a:extLst>
+              <a:ext uri="{FF2B5EF4-FFF2-40B4-BE49-F238E27FC236}">
+                <a16:creationId xmlns:a16="http://schemas.microsoft.com/office/drawing/2014/main" id="{AA92BCFB-E11B-F940-A787-2261CAC8E814}"/>
+              </a:ext>
+            </a:extLst>
+          </p:cNvPr>
+          <p:cNvSpPr>
+            <a:spLocks noGrp="1"/>
+          </p:cNvSpPr>
+          <p:nvPr>
+            <p:ph type="title"/>
+          </p:nvPr>
+        </p:nvSpPr>
+        <p:spPr/>
+        <p:txBody>
+          <a:bodyPr>
+            <a:normAutofit/>
+          </a:bodyPr>
+          <a:lstStyle/>
+          <a:p>
+            <a:r>
+              <a:rPr kumimoji="1" lang="en-US" altLang="en-US" sz="4000" dirty="0"/>
+              <a:t>5.2 Capacity, Overfitting and Underfitting</a:t>
+            </a:r>
+            <a:endParaRPr kumimoji="1" lang="ko-Kore-KR" altLang="en-US" sz="4000" dirty="0"/>
+          </a:p>
+        </p:txBody>
+      </p:sp>
+      <p:sp>
+        <p:nvSpPr>
+          <p:cNvPr id="3" name="내용 개체 틀 2">
+            <a:extLst>
+              <a:ext uri="{FF2B5EF4-FFF2-40B4-BE49-F238E27FC236}">
+                <a16:creationId xmlns:a16="http://schemas.microsoft.com/office/drawing/2014/main" id="{1725D5B2-2C6C-3B43-B4F2-CA91BE12BB41}"/>
+              </a:ext>
+            </a:extLst>
+          </p:cNvPr>
+          <p:cNvSpPr>
+            <a:spLocks noGrp="1"/>
+          </p:cNvSpPr>
+          <p:nvPr>
+            <p:ph idx="1"/>
+          </p:nvPr>
+        </p:nvSpPr>
+        <p:spPr>
+          <a:xfrm>
+            <a:off x="838200" y="1721803"/>
+            <a:ext cx="10927080" cy="4351338"/>
+          </a:xfrm>
+        </p:spPr>
+        <p:txBody>
+          <a:bodyPr/>
+          <a:lstStyle/>
+          <a:p>
+            <a:r>
+              <a:rPr kumimoji="1" lang="en-US" altLang="en-US" dirty="0"/>
+              <a:t>We can control whether a model is more likely to overﬁt or underﬁt by altering its </a:t>
+            </a:r>
+            <a:r>
+              <a:rPr kumimoji="1" lang="en-US" altLang="en-US" b="1" dirty="0"/>
+              <a:t>capacity</a:t>
+            </a:r>
+          </a:p>
+          <a:p>
+            <a:r>
+              <a:rPr kumimoji="1" lang="en-US" altLang="en-US" dirty="0"/>
+              <a:t>One way to control the capacity of a learning algorithm is by choosing its </a:t>
+            </a:r>
+            <a:r>
+              <a:rPr kumimoji="1" lang="en-US" altLang="en-US" b="1" dirty="0"/>
+              <a:t>hypothesis space</a:t>
+            </a:r>
+            <a:r>
+              <a:rPr kumimoji="1" lang="en-US" altLang="en-US" dirty="0"/>
+              <a:t>, the set of functions that the learning algorithm is allowed to select as being the solution</a:t>
+            </a:r>
+          </a:p>
+        </p:txBody>
+      </p:sp>
+      <p:pic>
+        <p:nvPicPr>
+          <p:cNvPr id="5" name="그림 4">
+            <a:extLst>
+              <a:ext uri="{FF2B5EF4-FFF2-40B4-BE49-F238E27FC236}">
+                <a16:creationId xmlns:a16="http://schemas.microsoft.com/office/drawing/2014/main" id="{753CAAB7-4C5F-BE15-BAEB-E3D7E0F8E15D}"/>
+              </a:ext>
+            </a:extLst>
+          </p:cNvPr>
+          <p:cNvPicPr>
+            <a:picLocks noChangeAspect="1"/>
+          </p:cNvPicPr>
+          <p:nvPr/>
+        </p:nvPicPr>
+        <p:blipFill>
+          <a:blip r:embed="rId3"/>
+          <a:stretch>
+            <a:fillRect/>
+          </a:stretch>
+        </p:blipFill>
+        <p:spPr>
+          <a:xfrm>
+            <a:off x="3375991" y="3959466"/>
+            <a:ext cx="5440017" cy="2644662"/>
+          </a:xfrm>
+          <a:prstGeom prst="rect">
+            <a:avLst/>
+          </a:prstGeom>
+        </p:spPr>
+      </p:pic>
+    </p:spTree>
+    <p:extLst>
+      <p:ext uri="{BB962C8B-B14F-4D97-AF65-F5344CB8AC3E}">
+        <p14:creationId xmlns:p14="http://schemas.microsoft.com/office/powerpoint/2010/main" val="761350853"/>
+      </p:ext>
+    </p:extLst>
+  </p:cSld>
+  <p:clrMapOvr>
+    <a:masterClrMapping/>
+  </p:clrMapOvr>
+</p:sld>
+</file>
+
+<file path=ppt/slides/slide19.xml><?xml version="1.0" encoding="utf-8"?>
+<p:sld xmlns:a="http://schemas.openxmlformats.org/drawingml/2006/main" xmlns:r="http://schemas.openxmlformats.org/officeDocument/2006/relationships" xmlns:p="http://schemas.openxmlformats.org/presentationml/2006/main">
+  <p:cSld>
+    <p:spTree>
+      <p:nvGrpSpPr>
+        <p:cNvPr id="1" name=""/>
+        <p:cNvGrpSpPr/>
+        <p:nvPr/>
+      </p:nvGrpSpPr>
+      <p:grpSpPr>
+        <a:xfrm>
+          <a:off x="0" y="0"/>
+          <a:ext cx="0" cy="0"/>
+          <a:chOff x="0" y="0"/>
+          <a:chExt cx="0" cy="0"/>
+        </a:xfrm>
+      </p:grpSpPr>
+      <p:sp>
+        <p:nvSpPr>
+          <p:cNvPr id="2" name="제목 1">
+            <a:extLst>
+              <a:ext uri="{FF2B5EF4-FFF2-40B4-BE49-F238E27FC236}">
+                <a16:creationId xmlns:a16="http://schemas.microsoft.com/office/drawing/2014/main" id="{AA92BCFB-E11B-F940-A787-2261CAC8E814}"/>
+              </a:ext>
+            </a:extLst>
+          </p:cNvPr>
+          <p:cNvSpPr>
+            <a:spLocks noGrp="1"/>
+          </p:cNvSpPr>
+          <p:nvPr>
+            <p:ph type="title"/>
+          </p:nvPr>
+        </p:nvSpPr>
+        <p:spPr/>
+        <p:txBody>
+          <a:bodyPr>
+            <a:normAutofit/>
+          </a:bodyPr>
+          <a:lstStyle/>
+          <a:p>
+            <a:r>
+              <a:rPr kumimoji="1" lang="en-US" altLang="en-US" sz="4000" dirty="0"/>
+              <a:t>5.2 Capacity, Overfitting and Underfitting</a:t>
+            </a:r>
+            <a:endParaRPr kumimoji="1" lang="ko-Kore-KR" altLang="en-US" sz="4000" dirty="0"/>
+          </a:p>
+        </p:txBody>
+      </p:sp>
+      <p:sp>
+        <p:nvSpPr>
+          <p:cNvPr id="3" name="내용 개체 틀 2">
+            <a:extLst>
+              <a:ext uri="{FF2B5EF4-FFF2-40B4-BE49-F238E27FC236}">
+                <a16:creationId xmlns:a16="http://schemas.microsoft.com/office/drawing/2014/main" id="{1725D5B2-2C6C-3B43-B4F2-CA91BE12BB41}"/>
+              </a:ext>
+            </a:extLst>
+          </p:cNvPr>
+          <p:cNvSpPr>
+            <a:spLocks noGrp="1"/>
+          </p:cNvSpPr>
+          <p:nvPr>
+            <p:ph idx="1"/>
+          </p:nvPr>
+        </p:nvSpPr>
+        <p:spPr>
+          <a:xfrm>
+            <a:off x="838200" y="1721803"/>
+            <a:ext cx="10927080" cy="4351338"/>
+          </a:xfrm>
+        </p:spPr>
+        <p:txBody>
+          <a:bodyPr>
+            <a:normAutofit/>
+          </a:bodyPr>
+          <a:lstStyle/>
+          <a:p>
+            <a:r>
+              <a:rPr kumimoji="1" lang="en-US" altLang="en-US" sz="1800" dirty="0"/>
+              <a:t>Machine learning algorithms will generally </a:t>
+            </a:r>
+            <a:r>
+              <a:rPr kumimoji="1" lang="en-US" altLang="en-US" sz="1800" b="1" dirty="0"/>
+              <a:t>perform best when their capacity is appropriate for the true complexity of the task</a:t>
+            </a:r>
+            <a:r>
+              <a:rPr kumimoji="1" lang="en-US" altLang="en-US" sz="1800" dirty="0"/>
+              <a:t> they need to perform and the amount of training data they are provided with</a:t>
+            </a:r>
+          </a:p>
+          <a:p>
+            <a:r>
+              <a:rPr kumimoji="1" lang="en-US" altLang="en-US" sz="1800" b="1" dirty="0"/>
+              <a:t>Models with insuﬃcient capacity </a:t>
+            </a:r>
+            <a:r>
+              <a:rPr kumimoji="1" lang="en-US" altLang="en-US" sz="1800" dirty="0"/>
+              <a:t>are unable to solve complex tasks. </a:t>
+            </a:r>
+            <a:r>
+              <a:rPr kumimoji="1" lang="en-US" altLang="en-US" sz="1800" b="1" dirty="0"/>
+              <a:t>Models with high capacity </a:t>
+            </a:r>
+            <a:r>
+              <a:rPr kumimoji="1" lang="en-US" altLang="en-US" sz="1800" dirty="0"/>
+              <a:t>can solve complex tasks, but when their capacity is higher than needed to solve the present task, they may overﬁt.</a:t>
+            </a:r>
+          </a:p>
+        </p:txBody>
+      </p:sp>
+      <p:pic>
+        <p:nvPicPr>
+          <p:cNvPr id="6" name="그림 5">
+            <a:extLst>
+              <a:ext uri="{FF2B5EF4-FFF2-40B4-BE49-F238E27FC236}">
+                <a16:creationId xmlns:a16="http://schemas.microsoft.com/office/drawing/2014/main" id="{764434B6-47D1-CD90-1942-D25A17E6F059}"/>
+              </a:ext>
+            </a:extLst>
+          </p:cNvPr>
+          <p:cNvPicPr>
+            <a:picLocks noChangeAspect="1"/>
+          </p:cNvPicPr>
+          <p:nvPr/>
+        </p:nvPicPr>
+        <p:blipFill>
+          <a:blip r:embed="rId3"/>
+          <a:stretch>
+            <a:fillRect/>
+          </a:stretch>
+        </p:blipFill>
+        <p:spPr>
+          <a:xfrm>
+            <a:off x="3621024" y="4175054"/>
+            <a:ext cx="4949952" cy="2426717"/>
+          </a:xfrm>
+          <a:prstGeom prst="rect">
+            <a:avLst/>
+          </a:prstGeom>
+        </p:spPr>
+      </p:pic>
+    </p:spTree>
+    <p:extLst>
+      <p:ext uri="{BB962C8B-B14F-4D97-AF65-F5344CB8AC3E}">
+        <p14:creationId xmlns:p14="http://schemas.microsoft.com/office/powerpoint/2010/main" val="157075841"/>
+      </p:ext>
+    </p:extLst>
+  </p:cSld>
+  <p:clrMapOvr>
+    <a:masterClrMapping/>
+  </p:clrMapOvr>
+</p:sld>
+</file>
+
 <file path=ppt/slides/slide2.xml><?xml version="1.0" encoding="utf-8"?>
 <p:sld xmlns:a="http://schemas.openxmlformats.org/drawingml/2006/main" xmlns:r="http://schemas.openxmlformats.org/officeDocument/2006/relationships" xmlns:p="http://schemas.openxmlformats.org/presentationml/2006/main">
   <p:cSld>
@@ -3374,6 +7082,446 @@
     <p:extLst>
       <p:ext uri="{BB962C8B-B14F-4D97-AF65-F5344CB8AC3E}">
         <p14:creationId xmlns:p14="http://schemas.microsoft.com/office/powerpoint/2010/main" val="2122359743"/>
+      </p:ext>
+    </p:extLst>
+  </p:cSld>
+  <p:clrMapOvr>
+    <a:masterClrMapping/>
+  </p:clrMapOvr>
+</p:sld>
+</file>
+
+<file path=ppt/slides/slide20.xml><?xml version="1.0" encoding="utf-8"?>
+<p:sld xmlns:a="http://schemas.openxmlformats.org/drawingml/2006/main" xmlns:r="http://schemas.openxmlformats.org/officeDocument/2006/relationships" xmlns:p="http://schemas.openxmlformats.org/presentationml/2006/main">
+  <p:cSld>
+    <p:spTree>
+      <p:nvGrpSpPr>
+        <p:cNvPr id="1" name=""/>
+        <p:cNvGrpSpPr/>
+        <p:nvPr/>
+      </p:nvGrpSpPr>
+      <p:grpSpPr>
+        <a:xfrm>
+          <a:off x="0" y="0"/>
+          <a:ext cx="0" cy="0"/>
+          <a:chOff x="0" y="0"/>
+          <a:chExt cx="0" cy="0"/>
+        </a:xfrm>
+      </p:grpSpPr>
+      <p:sp>
+        <p:nvSpPr>
+          <p:cNvPr id="2" name="제목 1">
+            <a:extLst>
+              <a:ext uri="{FF2B5EF4-FFF2-40B4-BE49-F238E27FC236}">
+                <a16:creationId xmlns:a16="http://schemas.microsoft.com/office/drawing/2014/main" id="{AA92BCFB-E11B-F940-A787-2261CAC8E814}"/>
+              </a:ext>
+            </a:extLst>
+          </p:cNvPr>
+          <p:cNvSpPr>
+            <a:spLocks noGrp="1"/>
+          </p:cNvSpPr>
+          <p:nvPr>
+            <p:ph type="title"/>
+          </p:nvPr>
+        </p:nvSpPr>
+        <p:spPr/>
+        <p:txBody>
+          <a:bodyPr>
+            <a:normAutofit/>
+          </a:bodyPr>
+          <a:lstStyle/>
+          <a:p>
+            <a:r>
+              <a:rPr kumimoji="1" lang="en-US" altLang="en-US" sz="4000" dirty="0"/>
+              <a:t>5.2 Capacity, Overfitting and Underfitting</a:t>
+            </a:r>
+            <a:endParaRPr kumimoji="1" lang="ko-Kore-KR" altLang="en-US" sz="4000" dirty="0"/>
+          </a:p>
+        </p:txBody>
+      </p:sp>
+      <p:sp>
+        <p:nvSpPr>
+          <p:cNvPr id="3" name="내용 개체 틀 2">
+            <a:extLst>
+              <a:ext uri="{FF2B5EF4-FFF2-40B4-BE49-F238E27FC236}">
+                <a16:creationId xmlns:a16="http://schemas.microsoft.com/office/drawing/2014/main" id="{1725D5B2-2C6C-3B43-B4F2-CA91BE12BB41}"/>
+              </a:ext>
+            </a:extLst>
+          </p:cNvPr>
+          <p:cNvSpPr>
+            <a:spLocks noGrp="1"/>
+          </p:cNvSpPr>
+          <p:nvPr>
+            <p:ph idx="1"/>
+          </p:nvPr>
+        </p:nvSpPr>
+        <p:spPr>
+          <a:xfrm>
+            <a:off x="838200" y="1721803"/>
+            <a:ext cx="10927080" cy="4351338"/>
+          </a:xfrm>
+        </p:spPr>
+        <p:txBody>
+          <a:bodyPr/>
+          <a:lstStyle/>
+          <a:p>
+            <a:r>
+              <a:rPr kumimoji="1" lang="en-US" altLang="en-US" dirty="0"/>
+              <a:t>In many cases, finding the best function within this family is a diﬃcult optimization problem</a:t>
+            </a:r>
+          </a:p>
+          <a:p>
+            <a:r>
+              <a:rPr kumimoji="1" lang="en-US" altLang="en-US" dirty="0"/>
+              <a:t>In practice, the learning algorithm does not actually ﬁnd the best function, </a:t>
+            </a:r>
+            <a:r>
+              <a:rPr kumimoji="1" lang="en-US" altLang="en-US" b="1" dirty="0"/>
+              <a:t>but merely one that signiﬁcantly reduces the training error</a:t>
+            </a:r>
+          </a:p>
+          <a:p>
+            <a:r>
+              <a:rPr kumimoji="1" lang="en-US" altLang="en-US" dirty="0"/>
+              <a:t>We </a:t>
+            </a:r>
+            <a:r>
+              <a:rPr kumimoji="1" lang="en-US" altLang="en-US" b="1" dirty="0"/>
+              <a:t>must remember that </a:t>
+            </a:r>
+            <a:r>
+              <a:rPr kumimoji="1" lang="en-US" altLang="en-US" dirty="0"/>
+              <a:t>while </a:t>
+            </a:r>
+            <a:r>
+              <a:rPr kumimoji="1" lang="en-US" altLang="en-US" dirty="0">
+                <a:solidFill>
+                  <a:srgbClr val="FF0000"/>
+                </a:solidFill>
+              </a:rPr>
+              <a:t>simpler functions are more likely to generalize</a:t>
+            </a:r>
+            <a:r>
+              <a:rPr kumimoji="1" lang="en-US" altLang="en-US" dirty="0"/>
+              <a:t>(to have a small gap between training and test error), we </a:t>
+            </a:r>
+            <a:r>
+              <a:rPr kumimoji="1" lang="en-US" altLang="en-US" dirty="0">
+                <a:solidFill>
+                  <a:srgbClr val="FF0000"/>
+                </a:solidFill>
+              </a:rPr>
+              <a:t>must still choose a suﬃciently complex hypothesis to achieve low training error</a:t>
+            </a:r>
+          </a:p>
+        </p:txBody>
+      </p:sp>
+    </p:spTree>
+    <p:extLst>
+      <p:ext uri="{BB962C8B-B14F-4D97-AF65-F5344CB8AC3E}">
+        <p14:creationId xmlns:p14="http://schemas.microsoft.com/office/powerpoint/2010/main" val="3006842767"/>
+      </p:ext>
+    </p:extLst>
+  </p:cSld>
+  <p:clrMapOvr>
+    <a:masterClrMapping/>
+  </p:clrMapOvr>
+</p:sld>
+</file>
+
+<file path=ppt/slides/slide21.xml><?xml version="1.0" encoding="utf-8"?>
+<p:sld xmlns:a="http://schemas.openxmlformats.org/drawingml/2006/main" xmlns:r="http://schemas.openxmlformats.org/officeDocument/2006/relationships" xmlns:p="http://schemas.openxmlformats.org/presentationml/2006/main">
+  <p:cSld>
+    <p:spTree>
+      <p:nvGrpSpPr>
+        <p:cNvPr id="1" name=""/>
+        <p:cNvGrpSpPr/>
+        <p:nvPr/>
+      </p:nvGrpSpPr>
+      <p:grpSpPr>
+        <a:xfrm>
+          <a:off x="0" y="0"/>
+          <a:ext cx="0" cy="0"/>
+          <a:chOff x="0" y="0"/>
+          <a:chExt cx="0" cy="0"/>
+        </a:xfrm>
+      </p:grpSpPr>
+      <p:sp>
+        <p:nvSpPr>
+          <p:cNvPr id="2" name="제목 1">
+            <a:extLst>
+              <a:ext uri="{FF2B5EF4-FFF2-40B4-BE49-F238E27FC236}">
+                <a16:creationId xmlns:a16="http://schemas.microsoft.com/office/drawing/2014/main" id="{AA92BCFB-E11B-F940-A787-2261CAC8E814}"/>
+              </a:ext>
+            </a:extLst>
+          </p:cNvPr>
+          <p:cNvSpPr>
+            <a:spLocks noGrp="1"/>
+          </p:cNvSpPr>
+          <p:nvPr>
+            <p:ph type="title"/>
+          </p:nvPr>
+        </p:nvSpPr>
+        <p:spPr/>
+        <p:txBody>
+          <a:bodyPr>
+            <a:normAutofit/>
+          </a:bodyPr>
+          <a:lstStyle/>
+          <a:p>
+            <a:r>
+              <a:rPr kumimoji="1" lang="en-US" altLang="en-US" sz="4000" dirty="0"/>
+              <a:t>5.2.1 the</a:t>
+            </a:r>
+            <a:r>
+              <a:rPr kumimoji="1" lang="ko-KR" altLang="en-US" sz="4000" dirty="0"/>
+              <a:t> </a:t>
+            </a:r>
+            <a:r>
+              <a:rPr kumimoji="1" lang="en-US" altLang="ko-KR" sz="4000" dirty="0"/>
+              <a:t>no</a:t>
+            </a:r>
+            <a:r>
+              <a:rPr kumimoji="1" lang="ko-KR" altLang="en-US" sz="4000" dirty="0"/>
+              <a:t> </a:t>
+            </a:r>
+            <a:r>
+              <a:rPr kumimoji="1" lang="en-US" altLang="ko-KR" sz="4000" dirty="0"/>
+              <a:t>free</a:t>
+            </a:r>
+            <a:r>
+              <a:rPr kumimoji="1" lang="ko-KR" altLang="en-US" sz="4000" dirty="0"/>
+              <a:t> </a:t>
+            </a:r>
+            <a:r>
+              <a:rPr kumimoji="1" lang="en-US" altLang="ko-KR" sz="4000" dirty="0"/>
+              <a:t>lunch</a:t>
+            </a:r>
+            <a:r>
+              <a:rPr kumimoji="1" lang="ko-KR" altLang="en-US" sz="4000" dirty="0"/>
+              <a:t> </a:t>
+            </a:r>
+            <a:r>
+              <a:rPr kumimoji="1" lang="en-US" altLang="ko-KR" sz="4000" dirty="0"/>
+              <a:t>theorem</a:t>
+            </a:r>
+            <a:endParaRPr kumimoji="1" lang="ko-Kore-KR" altLang="en-US" sz="4000" dirty="0"/>
+          </a:p>
+        </p:txBody>
+      </p:sp>
+      <p:sp>
+        <p:nvSpPr>
+          <p:cNvPr id="3" name="내용 개체 틀 2">
+            <a:extLst>
+              <a:ext uri="{FF2B5EF4-FFF2-40B4-BE49-F238E27FC236}">
+                <a16:creationId xmlns:a16="http://schemas.microsoft.com/office/drawing/2014/main" id="{1725D5B2-2C6C-3B43-B4F2-CA91BE12BB41}"/>
+              </a:ext>
+            </a:extLst>
+          </p:cNvPr>
+          <p:cNvSpPr>
+            <a:spLocks noGrp="1"/>
+          </p:cNvSpPr>
+          <p:nvPr>
+            <p:ph idx="1"/>
+          </p:nvPr>
+        </p:nvSpPr>
+        <p:spPr>
+          <a:xfrm>
+            <a:off x="838200" y="1721803"/>
+            <a:ext cx="10927080" cy="4351338"/>
+          </a:xfrm>
+        </p:spPr>
+        <p:txBody>
+          <a:bodyPr/>
+          <a:lstStyle/>
+          <a:p>
+            <a:r>
+              <a:rPr kumimoji="1" lang="en-US" altLang="en-US" dirty="0"/>
+              <a:t>This means that the goal of machine learning research is </a:t>
+            </a:r>
+            <a:r>
+              <a:rPr kumimoji="1" lang="en-US" altLang="en-US" b="1" dirty="0"/>
+              <a:t>not to seek a universal learning algorithm </a:t>
+            </a:r>
+            <a:r>
+              <a:rPr kumimoji="1" lang="en-US" altLang="en-US" dirty="0"/>
+              <a:t>or the absolute best learning algorithm.</a:t>
+            </a:r>
+          </a:p>
+          <a:p>
+            <a:r>
+              <a:rPr kumimoji="1" lang="en-US" altLang="en-US" dirty="0"/>
+              <a:t>Instead, our goal is to understand what kinds of distributions are relevant to the “real world” that an AI agent experiences, and what kinds of machine learning algorithms perform well on data drawn from the kinds of data-generating distributions we care about</a:t>
+            </a:r>
+          </a:p>
+        </p:txBody>
+      </p:sp>
+      <p:pic>
+        <p:nvPicPr>
+          <p:cNvPr id="5" name="그림 4">
+            <a:extLst>
+              <a:ext uri="{FF2B5EF4-FFF2-40B4-BE49-F238E27FC236}">
+                <a16:creationId xmlns:a16="http://schemas.microsoft.com/office/drawing/2014/main" id="{34E4759B-55FD-2011-2DAC-C3C9C04680A2}"/>
+              </a:ext>
+            </a:extLst>
+          </p:cNvPr>
+          <p:cNvPicPr>
+            <a:picLocks noChangeAspect="1"/>
+          </p:cNvPicPr>
+          <p:nvPr/>
+        </p:nvPicPr>
+        <p:blipFill>
+          <a:blip r:embed="rId3"/>
+          <a:stretch>
+            <a:fillRect/>
+          </a:stretch>
+        </p:blipFill>
+        <p:spPr>
+          <a:xfrm>
+            <a:off x="4918208" y="4435881"/>
+            <a:ext cx="2355584" cy="1637260"/>
+          </a:xfrm>
+          <a:prstGeom prst="rect">
+            <a:avLst/>
+          </a:prstGeom>
+        </p:spPr>
+      </p:pic>
+    </p:spTree>
+    <p:extLst>
+      <p:ext uri="{BB962C8B-B14F-4D97-AF65-F5344CB8AC3E}">
+        <p14:creationId xmlns:p14="http://schemas.microsoft.com/office/powerpoint/2010/main" val="67704321"/>
+      </p:ext>
+    </p:extLst>
+  </p:cSld>
+  <p:clrMapOvr>
+    <a:masterClrMapping/>
+  </p:clrMapOvr>
+</p:sld>
+</file>
+
+<file path=ppt/slides/slide22.xml><?xml version="1.0" encoding="utf-8"?>
+<p:sld xmlns:a="http://schemas.openxmlformats.org/drawingml/2006/main" xmlns:r="http://schemas.openxmlformats.org/officeDocument/2006/relationships" xmlns:p="http://schemas.openxmlformats.org/presentationml/2006/main">
+  <p:cSld>
+    <p:spTree>
+      <p:nvGrpSpPr>
+        <p:cNvPr id="1" name=""/>
+        <p:cNvGrpSpPr/>
+        <p:nvPr/>
+      </p:nvGrpSpPr>
+      <p:grpSpPr>
+        <a:xfrm>
+          <a:off x="0" y="0"/>
+          <a:ext cx="0" cy="0"/>
+          <a:chOff x="0" y="0"/>
+          <a:chExt cx="0" cy="0"/>
+        </a:xfrm>
+      </p:grpSpPr>
+      <p:sp>
+        <p:nvSpPr>
+          <p:cNvPr id="2" name="제목 1">
+            <a:extLst>
+              <a:ext uri="{FF2B5EF4-FFF2-40B4-BE49-F238E27FC236}">
+                <a16:creationId xmlns:a16="http://schemas.microsoft.com/office/drawing/2014/main" id="{AA92BCFB-E11B-F940-A787-2261CAC8E814}"/>
+              </a:ext>
+            </a:extLst>
+          </p:cNvPr>
+          <p:cNvSpPr>
+            <a:spLocks noGrp="1"/>
+          </p:cNvSpPr>
+          <p:nvPr>
+            <p:ph type="title"/>
+          </p:nvPr>
+        </p:nvSpPr>
+        <p:spPr/>
+        <p:txBody>
+          <a:bodyPr>
+            <a:normAutofit/>
+          </a:bodyPr>
+          <a:lstStyle/>
+          <a:p>
+            <a:r>
+              <a:rPr kumimoji="1" lang="en-US" altLang="en-US" sz="4000" dirty="0"/>
+              <a:t>5.2.2 Regularization</a:t>
+            </a:r>
+            <a:endParaRPr kumimoji="1" lang="ko-Kore-KR" altLang="en-US" sz="4000" dirty="0"/>
+          </a:p>
+        </p:txBody>
+      </p:sp>
+      <p:sp>
+        <p:nvSpPr>
+          <p:cNvPr id="3" name="내용 개체 틀 2">
+            <a:extLst>
+              <a:ext uri="{FF2B5EF4-FFF2-40B4-BE49-F238E27FC236}">
+                <a16:creationId xmlns:a16="http://schemas.microsoft.com/office/drawing/2014/main" id="{1725D5B2-2C6C-3B43-B4F2-CA91BE12BB41}"/>
+              </a:ext>
+            </a:extLst>
+          </p:cNvPr>
+          <p:cNvSpPr>
+            <a:spLocks noGrp="1"/>
+          </p:cNvSpPr>
+          <p:nvPr>
+            <p:ph idx="1"/>
+          </p:nvPr>
+        </p:nvSpPr>
+        <p:spPr>
+          <a:xfrm>
+            <a:off x="838200" y="1721803"/>
+            <a:ext cx="10927080" cy="4351338"/>
+          </a:xfrm>
+        </p:spPr>
+        <p:txBody>
+          <a:bodyPr/>
+          <a:lstStyle/>
+          <a:p>
+            <a:r>
+              <a:rPr kumimoji="1" lang="en-US" altLang="en-US" b="1" dirty="0"/>
+              <a:t>Regularization</a:t>
+            </a:r>
+            <a:r>
+              <a:rPr kumimoji="1" lang="en-US" altLang="en-US" dirty="0"/>
+              <a:t> is any modiﬁcation we make to a learning algorithm that is intended to </a:t>
+            </a:r>
+            <a:r>
+              <a:rPr kumimoji="1" lang="en-US" altLang="en-US" b="1" dirty="0"/>
+              <a:t>reduce its generalization error but not its training error</a:t>
+            </a:r>
+          </a:p>
+        </p:txBody>
+      </p:sp>
+      <p:pic>
+        <p:nvPicPr>
+          <p:cNvPr id="5" name="그림 4">
+            <a:extLst>
+              <a:ext uri="{FF2B5EF4-FFF2-40B4-BE49-F238E27FC236}">
+                <a16:creationId xmlns:a16="http://schemas.microsoft.com/office/drawing/2014/main" id="{71790533-5B5C-A5A4-A6D2-C26D77FE0527}"/>
+              </a:ext>
+            </a:extLst>
+          </p:cNvPr>
+          <p:cNvPicPr>
+            <a:picLocks noChangeAspect="1"/>
+          </p:cNvPicPr>
+          <p:nvPr/>
+        </p:nvPicPr>
+        <p:blipFill>
+          <a:blip r:embed="rId3"/>
+          <a:stretch>
+            <a:fillRect/>
+          </a:stretch>
+        </p:blipFill>
+        <p:spPr>
+          <a:xfrm>
+            <a:off x="2571651" y="2817672"/>
+            <a:ext cx="6878010" cy="3286584"/>
+          </a:xfrm>
+          <a:prstGeom prst="rect">
+            <a:avLst/>
+          </a:prstGeom>
+        </p:spPr>
+      </p:pic>
+    </p:spTree>
+    <p:extLst>
+      <p:ext uri="{BB962C8B-B14F-4D97-AF65-F5344CB8AC3E}">
+        <p14:creationId xmlns:p14="http://schemas.microsoft.com/office/powerpoint/2010/main" val="4182141763"/>
       </p:ext>
     </p:extLst>
   </p:cSld>
@@ -4127,6 +8275,36 @@
           <a:xfrm>
             <a:off x="7521767" y="1211618"/>
             <a:ext cx="3832033" cy="2311305"/>
+          </a:xfrm>
+          <a:prstGeom prst="rect">
+            <a:avLst/>
+          </a:prstGeom>
+        </p:spPr>
+      </p:pic>
+      <p:pic>
+        <p:nvPicPr>
+          <p:cNvPr id="8" name="그림 7">
+            <a:extLst>
+              <a:ext uri="{FF2B5EF4-FFF2-40B4-BE49-F238E27FC236}">
+                <a16:creationId xmlns:a16="http://schemas.microsoft.com/office/drawing/2014/main" id="{FC2922F1-6BC3-7516-E0B7-6326822CB1B8}"/>
+              </a:ext>
+            </a:extLst>
+          </p:cNvPr>
+          <p:cNvPicPr>
+            <a:picLocks noChangeAspect="1"/>
+          </p:cNvPicPr>
+          <p:nvPr/>
+        </p:nvPicPr>
+        <p:blipFill>
+          <a:blip r:embed="rId4"/>
+          <a:stretch>
+            <a:fillRect/>
+          </a:stretch>
+        </p:blipFill>
+        <p:spPr>
+          <a:xfrm>
+            <a:off x="7418380" y="3522923"/>
+            <a:ext cx="3743847" cy="2114845"/>
           </a:xfrm>
           <a:prstGeom prst="rect">
             <a:avLst/>

--- a/DeepLearningStudy/5-1. Machine Learning Basics, 230210, 정지운.pptx
+++ b/DeepLearningStudy/5-1. Machine Learning Basics, 230210, 정지운.pptx
@@ -1446,88 +1446,6 @@
           <a:bodyPr/>
           <a:lstStyle/>
           <a:p>
-            <a:pPr algn="l">
-              <a:buFont typeface="Arial" panose="020B0604020202020204" pitchFamily="34" charset="0"/>
-              <a:buChar char="•"/>
-            </a:pPr>
-            <a:r>
-              <a:rPr lang="ko-KR" altLang="en-US" b="0" i="0" dirty="0">
-                <a:solidFill>
-                  <a:srgbClr val="666666"/>
-                </a:solidFill>
-                <a:effectLst/>
-                <a:latin typeface="Noto Sans KR"/>
-              </a:rPr>
-              <a:t>이 두 요인은 각각 기계 학습의 두 가지 주요 장애물에 대응된다</a:t>
-            </a:r>
-            <a:r>
-              <a:rPr lang="en-US" altLang="ko-KR" b="0" i="0" dirty="0">
-                <a:solidFill>
-                  <a:srgbClr val="666666"/>
-                </a:solidFill>
-                <a:effectLst/>
-                <a:latin typeface="Noto Sans KR"/>
-              </a:rPr>
-              <a:t>. </a:t>
-            </a:r>
-          </a:p>
-          <a:p>
-            <a:pPr marL="742950" lvl="1" indent="-285750" algn="l">
-              <a:buFont typeface="Arial" panose="020B0604020202020204" pitchFamily="34" charset="0"/>
-              <a:buChar char="•"/>
-            </a:pPr>
-            <a:r>
-              <a:rPr lang="en-US" altLang="ko-KR" b="0" i="0" dirty="0">
-                <a:solidFill>
-                  <a:srgbClr val="666666"/>
-                </a:solidFill>
-                <a:effectLst/>
-                <a:latin typeface="Noto Sans KR"/>
-              </a:rPr>
-              <a:t>1) </a:t>
-            </a:r>
-            <a:r>
-              <a:rPr lang="ko-KR" altLang="en-US" b="0" i="0" dirty="0">
-                <a:solidFill>
-                  <a:srgbClr val="666666"/>
-                </a:solidFill>
-                <a:effectLst/>
-                <a:latin typeface="Noto Sans KR"/>
-              </a:rPr>
-              <a:t>과소적합</a:t>
-            </a:r>
-            <a:r>
-              <a:rPr lang="en-US" altLang="ko-KR" b="0" i="0" dirty="0">
-                <a:solidFill>
-                  <a:srgbClr val="666666"/>
-                </a:solidFill>
-                <a:effectLst/>
-                <a:latin typeface="Noto Sans KR"/>
-              </a:rPr>
-              <a:t>(underfitting), 2) </a:t>
-            </a:r>
-            <a:r>
-              <a:rPr lang="ko-KR" altLang="en-US" b="0" i="0" dirty="0">
-                <a:solidFill>
-                  <a:srgbClr val="666666"/>
-                </a:solidFill>
-                <a:effectLst/>
-                <a:latin typeface="Noto Sans KR"/>
-              </a:rPr>
-              <a:t>과대적합</a:t>
-            </a:r>
-            <a:r>
-              <a:rPr lang="en-US" altLang="ko-KR" b="0" i="0" dirty="0">
-                <a:solidFill>
-                  <a:srgbClr val="666666"/>
-                </a:solidFill>
-                <a:effectLst/>
-                <a:latin typeface="Noto Sans KR"/>
-              </a:rPr>
-              <a:t>(overfitting)</a:t>
-            </a:r>
-          </a:p>
-          <a:p>
             <a:pPr marL="742950" lvl="1" indent="-285750" algn="l">
               <a:buFont typeface="Arial" panose="020B0604020202020204" pitchFamily="34" charset="0"/>
               <a:buChar char="•"/>
@@ -2058,6 +1976,16 @@
               <a:buChar char="•"/>
             </a:pPr>
             <a:r>
+              <a:rPr lang="ko-KR" altLang="en-US" b="0" i="0" dirty="0" err="1">
+                <a:solidFill>
+                  <a:srgbClr val="666666"/>
+                </a:solidFill>
+                <a:effectLst/>
+                <a:latin typeface="Noto Sans KR"/>
+              </a:rPr>
+              <a:t>머신러닝</a:t>
+            </a:r>
+            <a:r>
               <a:rPr lang="ko-KR" altLang="en-US" b="0" i="0" dirty="0">
                 <a:solidFill>
                   <a:srgbClr val="666666"/>
@@ -2065,17 +1993,17 @@
                 <a:effectLst/>
                 <a:latin typeface="Noto Sans KR"/>
               </a:rPr>
-              <a:t>일반적으로 기계 학습 알고리즘은 그 수용력이 수행할 과제의 진정한 복잡도와 주어진 </a:t>
-            </a:r>
-            <a:r>
-              <a:rPr lang="ko-KR" altLang="en-US" b="0" i="0" dirty="0" err="1">
-                <a:solidFill>
-                  <a:srgbClr val="666666"/>
-                </a:solidFill>
-                <a:effectLst/>
-                <a:latin typeface="Noto Sans KR"/>
-              </a:rPr>
-              <a:t>혼련</a:t>
+              <a:t> 알고리즘은 그 </a:t>
+            </a:r>
+            <a:r>
+              <a:rPr lang="en-US" altLang="ko-KR" b="0" i="0" dirty="0">
+                <a:solidFill>
+                  <a:srgbClr val="666666"/>
+                </a:solidFill>
+                <a:effectLst/>
+                <a:latin typeface="Noto Sans KR"/>
+              </a:rPr>
+              <a:t>capacity</a:t>
             </a:r>
             <a:r>
               <a:rPr lang="ko-KR" altLang="en-US" b="0" i="0" dirty="0">
@@ -2085,7 +2013,7 @@
                 <a:effectLst/>
                 <a:latin typeface="Noto Sans KR"/>
               </a:rPr>
-              <a:t> 자료의 양에 잘 맞을 때 최고의 성과를 거둔다</a:t>
+              <a:t>가 과제의 복잡도와 데이터양과 잘 맞을 때 최고의 성과를 거둔다</a:t>
             </a:r>
             <a:r>
               <a:rPr lang="en-US" altLang="ko-KR" b="0" i="0" dirty="0">
@@ -3962,7 +3890,37 @@
                 <a:effectLst/>
                 <a:latin typeface="Noto Sans KR"/>
               </a:rPr>
-              <a:t>이런 문제를 극복하려면 훈련 알고리즘이 관측하지 않은 견본들로 이루어진 검증 집합</a:t>
+              <a:t>적당한 </a:t>
+            </a:r>
+            <a:r>
+              <a:rPr lang="ko-KR" altLang="en-US" b="0" i="0" dirty="0" err="1">
+                <a:solidFill>
+                  <a:srgbClr val="666666"/>
+                </a:solidFill>
+                <a:effectLst/>
+                <a:latin typeface="Noto Sans KR"/>
+              </a:rPr>
+              <a:t>하이퍼</a:t>
+            </a:r>
+            <a:r>
+              <a:rPr lang="ko-KR" altLang="en-US" b="0" i="0">
+                <a:solidFill>
+                  <a:srgbClr val="666666"/>
+                </a:solidFill>
+                <a:effectLst/>
+                <a:latin typeface="Noto Sans KR"/>
+              </a:rPr>
+              <a:t> 파라미터를 찾기 위해 </a:t>
+            </a:r>
+            <a:r>
+              <a:rPr lang="ko-KR" altLang="en-US" b="0" i="0" dirty="0">
+                <a:solidFill>
+                  <a:srgbClr val="666666"/>
+                </a:solidFill>
+                <a:effectLst/>
+                <a:latin typeface="Noto Sans KR"/>
+              </a:rPr>
+              <a:t>훈련 알고리즘이 관측하지 않은 견본들로 이루어진 검증 집합</a:t>
             </a:r>
             <a:r>
               <a:rPr lang="en-US" altLang="ko-KR" b="0" i="0" dirty="0">
@@ -20460,8 +20418,8 @@
           </a:p>
         </p:txBody>
       </p:sp>
-      <mc:AlternateContent xmlns:mc="http://schemas.openxmlformats.org/markup-compatibility/2006">
-        <mc:Choice xmlns:a14="http://schemas.microsoft.com/office/drawing/2010/main" Requires="a14">
+      <mc:AlternateContent xmlns:mc="http://schemas.openxmlformats.org/markup-compatibility/2006" xmlns:a14="http://schemas.microsoft.com/office/drawing/2010/main">
+        <mc:Choice Requires="a14">
           <p:sp>
             <p:nvSpPr>
               <p:cNvPr id="4" name="TextBox 3">
@@ -20490,6 +20448,7 @@
               </a:bodyPr>
               <a:lstStyle/>
               <a:p>
+                <a:pPr/>
                 <a14:m>
                   <m:oMathPara xmlns:m="http://schemas.openxmlformats.org/officeDocument/2006/math">
                     <m:oMathParaPr>
@@ -20510,7 +20469,7 @@
             </p:txBody>
           </p:sp>
         </mc:Choice>
-        <mc:Fallback>
+        <mc:Fallback xmlns="">
           <p:sp>
             <p:nvSpPr>
               <p:cNvPr id="4" name="TextBox 3">
@@ -20683,8 +20642,8 @@
           </a:p>
         </p:txBody>
       </p:sp>
-      <mc:AlternateContent xmlns:mc="http://schemas.openxmlformats.org/markup-compatibility/2006">
-        <mc:Choice xmlns:a14="http://schemas.microsoft.com/office/drawing/2010/main" Requires="a14">
+      <mc:AlternateContent xmlns:mc="http://schemas.openxmlformats.org/markup-compatibility/2006" xmlns:a14="http://schemas.microsoft.com/office/drawing/2010/main">
+        <mc:Choice Requires="a14">
           <p:graphicFrame>
             <p:nvGraphicFramePr>
               <p:cNvPr id="4" name="표 4">
@@ -21519,7 +21478,7 @@
             </a:graphic>
           </p:graphicFrame>
         </mc:Choice>
-        <mc:Fallback>
+        <mc:Fallback xmlns="">
           <p:graphicFrame>
             <p:nvGraphicFramePr>
               <p:cNvPr id="4" name="표 4">
@@ -22239,8 +22198,8 @@
           </p:graphicFrame>
         </mc:Fallback>
       </mc:AlternateContent>
-      <mc:AlternateContent xmlns:mc="http://schemas.openxmlformats.org/markup-compatibility/2006">
-        <mc:Choice xmlns:a14="http://schemas.microsoft.com/office/drawing/2010/main" Requires="a14">
+      <mc:AlternateContent xmlns:mc="http://schemas.openxmlformats.org/markup-compatibility/2006" xmlns:a14="http://schemas.microsoft.com/office/drawing/2010/main">
+        <mc:Choice Requires="a14">
           <p:sp>
             <p:nvSpPr>
               <p:cNvPr id="5" name="TextBox 4">
@@ -22269,6 +22228,7 @@
               </a:bodyPr>
               <a:lstStyle/>
               <a:p>
+                <a:pPr/>
                 <a14:m>
                   <m:oMathPara xmlns:m="http://schemas.openxmlformats.org/officeDocument/2006/math">
                     <m:oMathParaPr>
@@ -22384,7 +22344,7 @@
             </p:txBody>
           </p:sp>
         </mc:Choice>
-        <mc:Fallback>
+        <mc:Fallback xmlns="">
           <p:sp>
             <p:nvSpPr>
               <p:cNvPr id="5" name="TextBox 4">
@@ -22459,8 +22419,8 @@
           </a:prstGeom>
         </p:spPr>
       </p:pic>
-      <mc:AlternateContent xmlns:mc="http://schemas.openxmlformats.org/markup-compatibility/2006">
-        <mc:Choice xmlns:a14="http://schemas.microsoft.com/office/drawing/2010/main" Requires="a14">
+      <mc:AlternateContent xmlns:mc="http://schemas.openxmlformats.org/markup-compatibility/2006" xmlns:a14="http://schemas.microsoft.com/office/drawing/2010/main">
+        <mc:Choice Requires="a14">
           <p:sp>
             <p:nvSpPr>
               <p:cNvPr id="7" name="TextBox 6">
@@ -22489,6 +22449,7 @@
               </a:bodyPr>
               <a:lstStyle/>
               <a:p>
+                <a:pPr/>
                 <a14:m>
                   <m:oMathPara xmlns:m="http://schemas.openxmlformats.org/officeDocument/2006/math">
                     <m:oMathParaPr>
@@ -22604,7 +22565,7 @@
             </p:txBody>
           </p:sp>
         </mc:Choice>
-        <mc:Fallback>
+        <mc:Fallback xmlns="">
           <p:sp>
             <p:nvSpPr>
               <p:cNvPr id="7" name="TextBox 6">
@@ -22649,8 +22610,8 @@
           </p:sp>
         </mc:Fallback>
       </mc:AlternateContent>
-      <mc:AlternateContent xmlns:mc="http://schemas.openxmlformats.org/markup-compatibility/2006">
-        <mc:Choice xmlns:a14="http://schemas.microsoft.com/office/drawing/2010/main" Requires="a14">
+      <mc:AlternateContent xmlns:mc="http://schemas.openxmlformats.org/markup-compatibility/2006" xmlns:a14="http://schemas.microsoft.com/office/drawing/2010/main">
+        <mc:Choice Requires="a14">
           <p:sp>
             <p:nvSpPr>
               <p:cNvPr id="8" name="TextBox 7">
@@ -22679,6 +22640,7 @@
               </a:bodyPr>
               <a:lstStyle/>
               <a:p>
+                <a:pPr/>
                 <a14:m>
                   <m:oMathPara xmlns:m="http://schemas.openxmlformats.org/officeDocument/2006/math">
                     <m:oMathParaPr>
@@ -22776,7 +22738,7 @@
             </p:txBody>
           </p:sp>
         </mc:Choice>
-        <mc:Fallback>
+        <mc:Fallback xmlns="">
           <p:sp>
             <p:nvSpPr>
               <p:cNvPr id="8" name="TextBox 7">
@@ -22919,8 +22881,8 @@
           </a:p>
         </p:txBody>
       </p:sp>
-      <mc:AlternateContent xmlns:mc="http://schemas.openxmlformats.org/markup-compatibility/2006">
-        <mc:Choice xmlns:a14="http://schemas.microsoft.com/office/drawing/2010/main" Requires="a14">
+      <mc:AlternateContent xmlns:mc="http://schemas.openxmlformats.org/markup-compatibility/2006" xmlns:a14="http://schemas.microsoft.com/office/drawing/2010/main">
+        <mc:Choice Requires="a14">
           <p:graphicFrame>
             <p:nvGraphicFramePr>
               <p:cNvPr id="4" name="표 4">
@@ -25407,7 +25369,7 @@
             </a:graphic>
           </p:graphicFrame>
         </mc:Choice>
-        <mc:Fallback>
+        <mc:Fallback xmlns="">
           <p:graphicFrame>
             <p:nvGraphicFramePr>
               <p:cNvPr id="4" name="표 4">
@@ -27531,8 +27493,8 @@
           </p:graphicFrame>
         </mc:Fallback>
       </mc:AlternateContent>
-      <mc:AlternateContent xmlns:mc="http://schemas.openxmlformats.org/markup-compatibility/2006">
-        <mc:Choice xmlns:a14="http://schemas.microsoft.com/office/drawing/2010/main" Requires="a14">
+      <mc:AlternateContent xmlns:mc="http://schemas.openxmlformats.org/markup-compatibility/2006" xmlns:a14="http://schemas.microsoft.com/office/drawing/2010/main">
+        <mc:Choice Requires="a14">
           <p:sp>
             <p:nvSpPr>
               <p:cNvPr id="11" name="TextBox 10">
@@ -27561,6 +27523,7 @@
               </a:bodyPr>
               <a:lstStyle/>
               <a:p>
+                <a:pPr/>
                 <a14:m>
                   <m:oMathPara xmlns:m="http://schemas.openxmlformats.org/officeDocument/2006/math">
                     <m:oMathParaPr>
@@ -27588,7 +27551,7 @@
             </p:txBody>
           </p:sp>
         </mc:Choice>
-        <mc:Fallback>
+        <mc:Fallback xmlns="">
           <p:sp>
             <p:nvSpPr>
               <p:cNvPr id="11" name="TextBox 10">
@@ -27779,8 +27742,8 @@
           </a:p>
         </p:txBody>
       </p:sp>
-      <mc:AlternateContent xmlns:mc="http://schemas.openxmlformats.org/markup-compatibility/2006">
-        <mc:Choice xmlns:a14="http://schemas.microsoft.com/office/drawing/2010/main" Requires="a14">
+      <mc:AlternateContent xmlns:mc="http://schemas.openxmlformats.org/markup-compatibility/2006" xmlns:a14="http://schemas.microsoft.com/office/drawing/2010/main">
+        <mc:Choice Requires="a14">
           <p:graphicFrame>
             <p:nvGraphicFramePr>
               <p:cNvPr id="4" name="표 4">
@@ -30249,7 +30212,7 @@
             </a:graphic>
           </p:graphicFrame>
         </mc:Choice>
-        <mc:Fallback>
+        <mc:Fallback xmlns="">
           <p:graphicFrame>
             <p:nvGraphicFramePr>
               <p:cNvPr id="4" name="표 4">
